--- a/ExecucoesGerais/ResultadosGerais/Binarios/TestesResultadosParciais_v2.pptx
+++ b/ExecucoesGerais/ResultadosGerais/Binarios/TestesResultadosParciais_v2.pptx
@@ -5,10 +5,10 @@
     <p:sldMasterId id="2147483648" r:id="rId1"/>
   </p:sldMasterIdLst>
   <p:notesMasterIdLst>
-    <p:notesMasterId r:id="rId26"/>
+    <p:notesMasterId r:id="rId25"/>
   </p:notesMasterIdLst>
   <p:handoutMasterIdLst>
-    <p:handoutMasterId r:id="rId27"/>
+    <p:handoutMasterId r:id="rId26"/>
   </p:handoutMasterIdLst>
   <p:sldIdLst>
     <p:sldId id="256" r:id="rId3"/>
@@ -30,10 +30,9 @@
     <p:sldId id="268" r:id="rId19"/>
     <p:sldId id="298" r:id="rId20"/>
     <p:sldId id="311" r:id="rId21"/>
-    <p:sldId id="273" r:id="rId22"/>
-    <p:sldId id="282" r:id="rId23"/>
-    <p:sldId id="271" r:id="rId24"/>
-    <p:sldId id="270" r:id="rId25"/>
+    <p:sldId id="282" r:id="rId22"/>
+    <p:sldId id="271" r:id="rId23"/>
+    <p:sldId id="270" r:id="rId24"/>
   </p:sldIdLst>
   <p:sldSz cx="12192000" cy="6858000"/>
   <p:notesSz cx="7103745" cy="10234295"/>
@@ -161,7 +160,7 @@
         <p:nvSpPr>
           <p:cNvPr id="2" name="页眉占位符 1"/>
           <p:cNvSpPr>
-            <a:spLocks noGrp="true"/>
+            <a:spLocks noGrp="1"/>
           </p:cNvSpPr>
           <p:nvPr>
             <p:ph type="hdr" sz="quarter"/>
@@ -192,7 +191,7 @@
         <p:nvSpPr>
           <p:cNvPr id="3" name="日期占位符 2"/>
           <p:cNvSpPr>
-            <a:spLocks noGrp="true"/>
+            <a:spLocks noGrp="1"/>
           </p:cNvSpPr>
           <p:nvPr>
             <p:ph type="dt" sz="quarter" idx="1"/>
@@ -226,7 +225,7 @@
         <p:nvSpPr>
           <p:cNvPr id="4" name="页脚占位符 3"/>
           <p:cNvSpPr>
-            <a:spLocks noGrp="true"/>
+            <a:spLocks noGrp="1"/>
           </p:cNvSpPr>
           <p:nvPr>
             <p:ph type="ftr" sz="quarter" idx="2"/>
@@ -257,7 +256,7 @@
         <p:nvSpPr>
           <p:cNvPr id="5" name="灯片编号占位符 4"/>
           <p:cNvSpPr>
-            <a:spLocks noGrp="true"/>
+            <a:spLocks noGrp="1"/>
           </p:cNvSpPr>
           <p:nvPr>
             <p:ph type="sldNum" sz="quarter" idx="3"/>
@@ -319,7 +318,7 @@
         <p:nvSpPr>
           <p:cNvPr id="2" name="页眉占位符 1"/>
           <p:cNvSpPr>
-            <a:spLocks noGrp="true"/>
+            <a:spLocks noGrp="1"/>
           </p:cNvSpPr>
           <p:nvPr>
             <p:ph type="hdr" sz="quarter"/>
@@ -350,7 +349,7 @@
         <p:nvSpPr>
           <p:cNvPr id="3" name="日期占位符 2"/>
           <p:cNvSpPr>
-            <a:spLocks noGrp="true"/>
+            <a:spLocks noGrp="1"/>
           </p:cNvSpPr>
           <p:nvPr>
             <p:ph type="dt" idx="1"/>
@@ -384,7 +383,7 @@
         <p:nvSpPr>
           <p:cNvPr id="4" name="幻灯片图像占位符 3"/>
           <p:cNvSpPr>
-            <a:spLocks noGrp="true" noRot="true" noChangeAspect="true"/>
+            <a:spLocks noGrp="1" noRot="1" noChangeAspect="1"/>
           </p:cNvSpPr>
           <p:nvPr>
             <p:ph type="sldImg" idx="2"/>
@@ -417,7 +416,7 @@
         <p:nvSpPr>
           <p:cNvPr id="5" name="备注占位符 4"/>
           <p:cNvSpPr>
-            <a:spLocks noGrp="true"/>
+            <a:spLocks noGrp="1"/>
           </p:cNvSpPr>
           <p:nvPr>
             <p:ph type="body" sz="quarter" idx="3"/>
@@ -481,7 +480,7 @@
         <p:nvSpPr>
           <p:cNvPr id="6" name="页脚占位符 5"/>
           <p:cNvSpPr>
-            <a:spLocks noGrp="true"/>
+            <a:spLocks noGrp="1"/>
           </p:cNvSpPr>
           <p:nvPr>
             <p:ph type="ftr" sz="quarter" idx="4"/>
@@ -512,7 +511,7 @@
         <p:nvSpPr>
           <p:cNvPr id="7" name="灯片编号占位符 6"/>
           <p:cNvSpPr>
-            <a:spLocks noGrp="true"/>
+            <a:spLocks noGrp="1"/>
           </p:cNvSpPr>
           <p:nvPr>
             <p:ph type="sldNum" sz="quarter" idx="5"/>
@@ -661,7 +660,7 @@
         <p:nvSpPr>
           <p:cNvPr id="2" name="标题 1"/>
           <p:cNvSpPr>
-            <a:spLocks noGrp="true"/>
+            <a:spLocks noGrp="1"/>
           </p:cNvSpPr>
           <p:nvPr>
             <p:ph type="ctrTitle"/>
@@ -710,7 +709,7 @@
         <p:nvSpPr>
           <p:cNvPr id="4" name="日期占位符 3"/>
           <p:cNvSpPr>
-            <a:spLocks noGrp="true"/>
+            <a:spLocks noGrp="1"/>
           </p:cNvSpPr>
           <p:nvPr>
             <p:ph type="dt" sz="half" idx="10"/>
@@ -732,7 +731,7 @@
         <p:nvSpPr>
           <p:cNvPr id="5" name="页脚占位符 4"/>
           <p:cNvSpPr>
-            <a:spLocks noGrp="true"/>
+            <a:spLocks noGrp="1"/>
           </p:cNvSpPr>
           <p:nvPr>
             <p:ph type="ftr" sz="quarter" idx="11"/>
@@ -751,7 +750,7 @@
         <p:nvSpPr>
           <p:cNvPr id="6" name="灯片编号占位符 5"/>
           <p:cNvSpPr>
-            <a:spLocks noGrp="true"/>
+            <a:spLocks noGrp="1"/>
           </p:cNvSpPr>
           <p:nvPr>
             <p:ph type="sldNum" sz="quarter" idx="12"/>
@@ -773,7 +772,7 @@
         <p:nvSpPr>
           <p:cNvPr id="3" name="副标题 2"/>
           <p:cNvSpPr>
-            <a:spLocks noGrp="true"/>
+            <a:spLocks noGrp="1"/>
           </p:cNvSpPr>
           <p:nvPr>
             <p:ph type="subTitle" idx="1"/>
@@ -875,7 +874,7 @@
         <p:nvSpPr>
           <p:cNvPr id="3" name="日期占位符 2"/>
           <p:cNvSpPr>
-            <a:spLocks noGrp="true"/>
+            <a:spLocks noGrp="1"/>
           </p:cNvSpPr>
           <p:nvPr>
             <p:ph type="dt" sz="half" idx="10"/>
@@ -897,7 +896,7 @@
         <p:nvSpPr>
           <p:cNvPr id="4" name="页脚占位符 3"/>
           <p:cNvSpPr>
-            <a:spLocks noGrp="true"/>
+            <a:spLocks noGrp="1"/>
           </p:cNvSpPr>
           <p:nvPr>
             <p:ph type="ftr" sz="quarter" idx="11"/>
@@ -916,7 +915,7 @@
         <p:nvSpPr>
           <p:cNvPr id="5" name="灯片编号占位符 4"/>
           <p:cNvSpPr>
-            <a:spLocks noGrp="true"/>
+            <a:spLocks noGrp="1"/>
           </p:cNvSpPr>
           <p:nvPr>
             <p:ph type="sldNum" sz="quarter" idx="12"/>
@@ -938,7 +937,7 @@
         <p:nvSpPr>
           <p:cNvPr id="7" name="内容占位符 6"/>
           <p:cNvSpPr>
-            <a:spLocks noGrp="true"/>
+            <a:spLocks noGrp="1"/>
           </p:cNvSpPr>
           <p:nvPr>
             <p:ph sz="quarter" idx="13"/>
@@ -1028,7 +1027,7 @@
         <p:nvSpPr>
           <p:cNvPr id="2" name="标题 1"/>
           <p:cNvSpPr>
-            <a:spLocks noGrp="true"/>
+            <a:spLocks noGrp="1"/>
           </p:cNvSpPr>
           <p:nvPr>
             <p:ph type="title"/>
@@ -1041,7 +1040,7 @@
           </a:xfrm>
         </p:spPr>
         <p:txBody>
-          <a:bodyPr anchor="ctr" anchorCtr="false">
+          <a:bodyPr anchor="ctr" anchorCtr="0">
             <a:normAutofit/>
           </a:bodyPr>
           <a:lstStyle>
@@ -1070,7 +1069,7 @@
         <p:nvSpPr>
           <p:cNvPr id="3" name="内容占位符 2"/>
           <p:cNvSpPr>
-            <a:spLocks noGrp="true"/>
+            <a:spLocks noGrp="1"/>
           </p:cNvSpPr>
           <p:nvPr>
             <p:ph idx="1"/>
@@ -1188,7 +1187,7 @@
         <p:nvSpPr>
           <p:cNvPr id="4" name="日期占位符 3"/>
           <p:cNvSpPr>
-            <a:spLocks noGrp="true"/>
+            <a:spLocks noGrp="1"/>
           </p:cNvSpPr>
           <p:nvPr>
             <p:ph type="dt" sz="half" idx="10"/>
@@ -1210,7 +1209,7 @@
         <p:nvSpPr>
           <p:cNvPr id="5" name="页脚占位符 4"/>
           <p:cNvSpPr>
-            <a:spLocks noGrp="true"/>
+            <a:spLocks noGrp="1"/>
           </p:cNvSpPr>
           <p:nvPr>
             <p:ph type="ftr" sz="quarter" idx="11"/>
@@ -1229,7 +1228,7 @@
         <p:nvSpPr>
           <p:cNvPr id="6" name="灯片编号占位符 5"/>
           <p:cNvSpPr>
-            <a:spLocks noGrp="true"/>
+            <a:spLocks noGrp="1"/>
           </p:cNvSpPr>
           <p:nvPr>
             <p:ph type="sldNum" sz="quarter" idx="12"/>
@@ -1276,7 +1275,7 @@
         <p:nvSpPr>
           <p:cNvPr id="2" name="标题 1"/>
           <p:cNvSpPr>
-            <a:spLocks noGrp="true"/>
+            <a:spLocks noGrp="1"/>
           </p:cNvSpPr>
           <p:nvPr>
             <p:ph type="title"/>
@@ -1318,7 +1317,7 @@
         <p:nvSpPr>
           <p:cNvPr id="3" name="文本占位符 2"/>
           <p:cNvSpPr>
-            <a:spLocks noGrp="true"/>
+            <a:spLocks noGrp="1"/>
           </p:cNvSpPr>
           <p:nvPr>
             <p:ph type="body" idx="1"/>
@@ -1442,7 +1441,7 @@
         <p:nvSpPr>
           <p:cNvPr id="4" name="日期占位符 3"/>
           <p:cNvSpPr>
-            <a:spLocks noGrp="true"/>
+            <a:spLocks noGrp="1"/>
           </p:cNvSpPr>
           <p:nvPr>
             <p:ph type="dt" sz="half" idx="10"/>
@@ -1464,7 +1463,7 @@
         <p:nvSpPr>
           <p:cNvPr id="5" name="页脚占位符 4"/>
           <p:cNvSpPr>
-            <a:spLocks noGrp="true"/>
+            <a:spLocks noGrp="1"/>
           </p:cNvSpPr>
           <p:nvPr>
             <p:ph type="ftr" sz="quarter" idx="11"/>
@@ -1483,7 +1482,7 @@
         <p:nvSpPr>
           <p:cNvPr id="6" name="灯片编号占位符 5"/>
           <p:cNvSpPr>
-            <a:spLocks noGrp="true"/>
+            <a:spLocks noGrp="1"/>
           </p:cNvSpPr>
           <p:nvPr>
             <p:ph type="sldNum" sz="quarter" idx="12"/>
@@ -1530,7 +1529,7 @@
         <p:nvSpPr>
           <p:cNvPr id="2" name="标题 1"/>
           <p:cNvSpPr>
-            <a:spLocks noGrp="true"/>
+            <a:spLocks noGrp="1"/>
           </p:cNvSpPr>
           <p:nvPr>
             <p:ph type="title"/>
@@ -1572,7 +1571,7 @@
         <p:nvSpPr>
           <p:cNvPr id="3" name="内容占位符 2"/>
           <p:cNvSpPr>
-            <a:spLocks noGrp="true"/>
+            <a:spLocks noGrp="1"/>
           </p:cNvSpPr>
           <p:nvPr>
             <p:ph sz="half" idx="1"/>
@@ -1705,7 +1704,7 @@
         <p:nvSpPr>
           <p:cNvPr id="4" name="内容占位符 3"/>
           <p:cNvSpPr>
-            <a:spLocks noGrp="true"/>
+            <a:spLocks noGrp="1"/>
           </p:cNvSpPr>
           <p:nvPr>
             <p:ph sz="half" idx="2"/>
@@ -1838,7 +1837,7 @@
         <p:nvSpPr>
           <p:cNvPr id="5" name="日期占位符 4"/>
           <p:cNvSpPr>
-            <a:spLocks noGrp="true"/>
+            <a:spLocks noGrp="1"/>
           </p:cNvSpPr>
           <p:nvPr>
             <p:ph type="dt" sz="half" idx="10"/>
@@ -1860,7 +1859,7 @@
         <p:nvSpPr>
           <p:cNvPr id="6" name="页脚占位符 5"/>
           <p:cNvSpPr>
-            <a:spLocks noGrp="true"/>
+            <a:spLocks noGrp="1"/>
           </p:cNvSpPr>
           <p:nvPr>
             <p:ph type="ftr" sz="quarter" idx="11"/>
@@ -1879,7 +1878,7 @@
         <p:nvSpPr>
           <p:cNvPr id="7" name="灯片编号占位符 6"/>
           <p:cNvSpPr>
-            <a:spLocks noGrp="true"/>
+            <a:spLocks noGrp="1"/>
           </p:cNvSpPr>
           <p:nvPr>
             <p:ph type="sldNum" sz="quarter" idx="12"/>
@@ -1926,7 +1925,7 @@
         <p:nvSpPr>
           <p:cNvPr id="2" name="标题 1"/>
           <p:cNvSpPr>
-            <a:spLocks noGrp="true"/>
+            <a:spLocks noGrp="1"/>
           </p:cNvSpPr>
           <p:nvPr>
             <p:ph type="title"/>
@@ -1954,7 +1953,7 @@
         <p:nvSpPr>
           <p:cNvPr id="3" name="文本占位符 2"/>
           <p:cNvSpPr>
-            <a:spLocks noGrp="true"/>
+            <a:spLocks noGrp="1"/>
           </p:cNvSpPr>
           <p:nvPr>
             <p:ph type="body" idx="1"/>
@@ -2024,7 +2023,7 @@
         <p:nvSpPr>
           <p:cNvPr id="4" name="内容占位符 3"/>
           <p:cNvSpPr>
-            <a:spLocks noGrp="true"/>
+            <a:spLocks noGrp="1"/>
           </p:cNvSpPr>
           <p:nvPr>
             <p:ph sz="half" idx="2"/>
@@ -2089,7 +2088,7 @@
         <p:nvSpPr>
           <p:cNvPr id="5" name="文本占位符 4"/>
           <p:cNvSpPr>
-            <a:spLocks noGrp="true"/>
+            <a:spLocks noGrp="1"/>
           </p:cNvSpPr>
           <p:nvPr>
             <p:ph type="body" sz="quarter" idx="3"/>
@@ -2159,7 +2158,7 @@
         <p:nvSpPr>
           <p:cNvPr id="6" name="内容占位符 5"/>
           <p:cNvSpPr>
-            <a:spLocks noGrp="true"/>
+            <a:spLocks noGrp="1"/>
           </p:cNvSpPr>
           <p:nvPr>
             <p:ph sz="quarter" idx="4"/>
@@ -2224,7 +2223,7 @@
         <p:nvSpPr>
           <p:cNvPr id="7" name="日期占位符 6"/>
           <p:cNvSpPr>
-            <a:spLocks noGrp="true"/>
+            <a:spLocks noGrp="1"/>
           </p:cNvSpPr>
           <p:nvPr>
             <p:ph type="dt" sz="half" idx="10"/>
@@ -2246,7 +2245,7 @@
         <p:nvSpPr>
           <p:cNvPr id="8" name="页脚占位符 7"/>
           <p:cNvSpPr>
-            <a:spLocks noGrp="true"/>
+            <a:spLocks noGrp="1"/>
           </p:cNvSpPr>
           <p:nvPr>
             <p:ph type="ftr" sz="quarter" idx="11"/>
@@ -2265,7 +2264,7 @@
         <p:nvSpPr>
           <p:cNvPr id="9" name="灯片编号占位符 8"/>
           <p:cNvSpPr>
-            <a:spLocks noGrp="true"/>
+            <a:spLocks noGrp="1"/>
           </p:cNvSpPr>
           <p:nvPr>
             <p:ph type="sldNum" sz="quarter" idx="12"/>
@@ -2312,7 +2311,7 @@
         <p:nvSpPr>
           <p:cNvPr id="2" name="标题 1"/>
           <p:cNvSpPr>
-            <a:spLocks noGrp="true"/>
+            <a:spLocks noGrp="1"/>
           </p:cNvSpPr>
           <p:nvPr>
             <p:ph type="title"/>
@@ -2354,7 +2353,7 @@
         <p:nvSpPr>
           <p:cNvPr id="3" name="日期占位符 2"/>
           <p:cNvSpPr>
-            <a:spLocks noGrp="true"/>
+            <a:spLocks noGrp="1"/>
           </p:cNvSpPr>
           <p:nvPr>
             <p:ph type="dt" sz="half" idx="10"/>
@@ -2376,7 +2375,7 @@
         <p:nvSpPr>
           <p:cNvPr id="4" name="页脚占位符 3"/>
           <p:cNvSpPr>
-            <a:spLocks noGrp="true"/>
+            <a:spLocks noGrp="1"/>
           </p:cNvSpPr>
           <p:nvPr>
             <p:ph type="ftr" sz="quarter" idx="11"/>
@@ -2395,7 +2394,7 @@
         <p:nvSpPr>
           <p:cNvPr id="5" name="灯片编号占位符 4"/>
           <p:cNvSpPr>
-            <a:spLocks noGrp="true"/>
+            <a:spLocks noGrp="1"/>
           </p:cNvSpPr>
           <p:nvPr>
             <p:ph type="sldNum" sz="quarter" idx="12"/>
@@ -2442,7 +2441,7 @@
         <p:nvSpPr>
           <p:cNvPr id="2" name="日期占位符 1"/>
           <p:cNvSpPr>
-            <a:spLocks noGrp="true"/>
+            <a:spLocks noGrp="1"/>
           </p:cNvSpPr>
           <p:nvPr>
             <p:ph type="dt" sz="half" idx="10"/>
@@ -2464,7 +2463,7 @@
         <p:nvSpPr>
           <p:cNvPr id="3" name="页脚占位符 2"/>
           <p:cNvSpPr>
-            <a:spLocks noGrp="true"/>
+            <a:spLocks noGrp="1"/>
           </p:cNvSpPr>
           <p:nvPr>
             <p:ph type="ftr" sz="quarter" idx="11"/>
@@ -2483,7 +2482,7 @@
         <p:nvSpPr>
           <p:cNvPr id="4" name="灯片编号占位符 3"/>
           <p:cNvSpPr>
-            <a:spLocks noGrp="true"/>
+            <a:spLocks noGrp="1"/>
           </p:cNvSpPr>
           <p:nvPr>
             <p:ph type="sldNum" sz="quarter" idx="12"/>
@@ -2530,7 +2529,7 @@
         <p:nvSpPr>
           <p:cNvPr id="2" name="标题 1"/>
           <p:cNvSpPr>
-            <a:spLocks noGrp="true"/>
+            <a:spLocks noGrp="1"/>
           </p:cNvSpPr>
           <p:nvPr>
             <p:ph type="title"/>
@@ -2543,7 +2542,7 @@
           </a:xfrm>
         </p:spPr>
         <p:txBody>
-          <a:bodyPr anchor="ctr" anchorCtr="false">
+          <a:bodyPr anchor="ctr" anchorCtr="0">
             <a:normAutofit/>
           </a:bodyPr>
           <a:lstStyle>
@@ -2576,7 +2575,7 @@
         <p:nvSpPr>
           <p:cNvPr id="3" name="图片占位符 2"/>
           <p:cNvSpPr>
-            <a:spLocks noGrp="true" noChangeAspect="true"/>
+            <a:spLocks noGrp="1" noChangeAspect="1"/>
           </p:cNvSpPr>
           <p:nvPr>
             <p:ph type="pic" idx="1"/>
@@ -2637,7 +2636,7 @@
         <p:nvSpPr>
           <p:cNvPr id="4" name="文本占位符 3"/>
           <p:cNvSpPr>
-            <a:spLocks noGrp="true"/>
+            <a:spLocks noGrp="1"/>
           </p:cNvSpPr>
           <p:nvPr>
             <p:ph type="body" sz="half" idx="2"/>
@@ -2708,7 +2707,7 @@
         <p:nvSpPr>
           <p:cNvPr id="5" name="日期占位符 4"/>
           <p:cNvSpPr>
-            <a:spLocks noGrp="true"/>
+            <a:spLocks noGrp="1"/>
           </p:cNvSpPr>
           <p:nvPr>
             <p:ph type="dt" sz="half" idx="10"/>
@@ -2730,7 +2729,7 @@
         <p:nvSpPr>
           <p:cNvPr id="6" name="页脚占位符 5"/>
           <p:cNvSpPr>
-            <a:spLocks noGrp="true"/>
+            <a:spLocks noGrp="1"/>
           </p:cNvSpPr>
           <p:nvPr>
             <p:ph type="ftr" sz="quarter" idx="11"/>
@@ -2749,7 +2748,7 @@
         <p:nvSpPr>
           <p:cNvPr id="7" name="灯片编号占位符 6"/>
           <p:cNvSpPr>
-            <a:spLocks noGrp="true"/>
+            <a:spLocks noGrp="1"/>
           </p:cNvSpPr>
           <p:nvPr>
             <p:ph type="sldNum" sz="quarter" idx="12"/>
@@ -2769,9 +2768,9 @@
       </p:sp>
       <p:cxnSp>
         <p:nvCxnSpPr>
-          <p:cNvPr id="8" name="直接连接符 7" hidden="true"/>
+          <p:cNvPr id="8" name="直接连接符 7" hidden="1"/>
           <p:cNvCxnSpPr/>
-          <p:nvPr userDrawn="true"/>
+          <p:nvPr userDrawn="1"/>
         </p:nvCxnSpPr>
         <p:spPr>
           <a:xfrm>
@@ -2826,7 +2825,7 @@
         <p:nvSpPr>
           <p:cNvPr id="2" name="竖排标题 1"/>
           <p:cNvSpPr>
-            <a:spLocks noGrp="true"/>
+            <a:spLocks noGrp="1"/>
           </p:cNvSpPr>
           <p:nvPr>
             <p:ph type="title" orient="vert"/>
@@ -2860,7 +2859,7 @@
         <p:nvSpPr>
           <p:cNvPr id="3" name="竖排文字占位符 2"/>
           <p:cNvSpPr>
-            <a:spLocks noGrp="true"/>
+            <a:spLocks noGrp="1"/>
           </p:cNvSpPr>
           <p:nvPr>
             <p:ph type="body" orient="vert" idx="1"/>
@@ -2925,7 +2924,7 @@
         <p:nvSpPr>
           <p:cNvPr id="4" name="日期占位符 3"/>
           <p:cNvSpPr>
-            <a:spLocks noGrp="true"/>
+            <a:spLocks noGrp="1"/>
           </p:cNvSpPr>
           <p:nvPr>
             <p:ph type="dt" sz="half" idx="10"/>
@@ -2947,7 +2946,7 @@
         <p:nvSpPr>
           <p:cNvPr id="5" name="页脚占位符 4"/>
           <p:cNvSpPr>
-            <a:spLocks noGrp="true"/>
+            <a:spLocks noGrp="1"/>
           </p:cNvSpPr>
           <p:nvPr>
             <p:ph type="ftr" sz="quarter" idx="11"/>
@@ -2966,7 +2965,7 @@
         <p:nvSpPr>
           <p:cNvPr id="6" name="灯片编号占位符 5"/>
           <p:cNvSpPr>
-            <a:spLocks noGrp="true"/>
+            <a:spLocks noGrp="1"/>
           </p:cNvSpPr>
           <p:nvPr>
             <p:ph type="sldNum" sz="quarter" idx="12"/>
@@ -3021,7 +3020,7 @@
         <p:nvSpPr>
           <p:cNvPr id="2" name="标题占位符 1"/>
           <p:cNvSpPr>
-            <a:spLocks noGrp="true"/>
+            <a:spLocks noGrp="1"/>
           </p:cNvSpPr>
           <p:nvPr>
             <p:ph type="title"/>
@@ -3054,7 +3053,7 @@
         <p:nvSpPr>
           <p:cNvPr id="3" name="文本占位符 2"/>
           <p:cNvSpPr>
-            <a:spLocks noGrp="true"/>
+            <a:spLocks noGrp="1"/>
           </p:cNvSpPr>
           <p:nvPr>
             <p:ph type="body" idx="1"/>
@@ -3124,7 +3123,7 @@
         <p:nvSpPr>
           <p:cNvPr id="4" name="日期占位符 3"/>
           <p:cNvSpPr>
-            <a:spLocks noGrp="true"/>
+            <a:spLocks noGrp="1"/>
           </p:cNvSpPr>
           <p:nvPr>
             <p:ph type="dt" sz="half" idx="2"/>
@@ -3166,7 +3165,7 @@
         <p:nvSpPr>
           <p:cNvPr id="5" name="页脚占位符 4"/>
           <p:cNvSpPr>
-            <a:spLocks noGrp="true"/>
+            <a:spLocks noGrp="1"/>
           </p:cNvSpPr>
           <p:nvPr>
             <p:ph type="ftr" sz="quarter" idx="3"/>
@@ -3205,7 +3204,7 @@
         <p:nvSpPr>
           <p:cNvPr id="6" name="灯片编号占位符 5"/>
           <p:cNvSpPr>
-            <a:spLocks noGrp="true"/>
+            <a:spLocks noGrp="1"/>
           </p:cNvSpPr>
           <p:nvPr>
             <p:ph type="sldNum" sz="quarter" idx="4"/>
@@ -3286,7 +3285,7 @@
         <a:spcBef>
           <a:spcPts val="1000"/>
         </a:spcBef>
-        <a:buFont typeface="Arial" panose="02080604020202020204" pitchFamily="34" charset="0"/>
+        <a:buFont typeface="Arial" panose="020B0604020202020204" pitchFamily="34" charset="0"/>
         <a:buChar char="•"/>
         <a:defRPr sz="2400" kern="1200">
           <a:solidFill>
@@ -3304,7 +3303,7 @@
         <a:spcBef>
           <a:spcPts val="500"/>
         </a:spcBef>
-        <a:buFont typeface="Arial" panose="02080604020202020204" pitchFamily="34" charset="0"/>
+        <a:buFont typeface="Arial" panose="020B0604020202020204" pitchFamily="34" charset="0"/>
         <a:buChar char="•"/>
         <a:defRPr sz="2000" kern="1200">
           <a:solidFill>
@@ -3322,7 +3321,7 @@
         <a:spcBef>
           <a:spcPts val="500"/>
         </a:spcBef>
-        <a:buFont typeface="Arial" panose="02080604020202020204" pitchFamily="34" charset="0"/>
+        <a:buFont typeface="Arial" panose="020B0604020202020204" pitchFamily="34" charset="0"/>
         <a:buChar char="•"/>
         <a:defRPr sz="1800" kern="1200">
           <a:solidFill>
@@ -3340,7 +3339,7 @@
         <a:spcBef>
           <a:spcPts val="500"/>
         </a:spcBef>
-        <a:buFont typeface="Arial" panose="02080604020202020204" pitchFamily="34" charset="0"/>
+        <a:buFont typeface="Arial" panose="020B0604020202020204" pitchFamily="34" charset="0"/>
         <a:buChar char="•"/>
         <a:defRPr sz="1800" kern="1200">
           <a:solidFill>
@@ -3358,7 +3357,7 @@
         <a:spcBef>
           <a:spcPts val="500"/>
         </a:spcBef>
-        <a:buFont typeface="Arial" panose="02080604020202020204" pitchFamily="34" charset="0"/>
+        <a:buFont typeface="Arial" panose="020B0604020202020204" pitchFamily="34" charset="0"/>
         <a:buChar char="•"/>
         <a:defRPr sz="1800" kern="1200">
           <a:solidFill>
@@ -3376,7 +3375,7 @@
         <a:spcBef>
           <a:spcPts val="500"/>
         </a:spcBef>
-        <a:buFont typeface="Arial" panose="02080604020202020204" pitchFamily="34" charset="0"/>
+        <a:buFont typeface="Arial" panose="020B0604020202020204" pitchFamily="34" charset="0"/>
         <a:buChar char="•"/>
         <a:defRPr sz="1800" kern="1200">
           <a:solidFill>
@@ -3394,7 +3393,7 @@
         <a:spcBef>
           <a:spcPts val="500"/>
         </a:spcBef>
-        <a:buFont typeface="Arial" panose="02080604020202020204" pitchFamily="34" charset="0"/>
+        <a:buFont typeface="Arial" panose="020B0604020202020204" pitchFamily="34" charset="0"/>
         <a:buChar char="•"/>
         <a:defRPr sz="1800" kern="1200">
           <a:solidFill>
@@ -3412,7 +3411,7 @@
         <a:spcBef>
           <a:spcPts val="500"/>
         </a:spcBef>
-        <a:buFont typeface="Arial" panose="02080604020202020204" pitchFamily="34" charset="0"/>
+        <a:buFont typeface="Arial" panose="020B0604020202020204" pitchFamily="34" charset="0"/>
         <a:buChar char="•"/>
         <a:defRPr sz="1800" kern="1200">
           <a:solidFill>
@@ -3430,7 +3429,7 @@
         <a:spcBef>
           <a:spcPts val="500"/>
         </a:spcBef>
-        <a:buFont typeface="Arial" panose="02080604020202020204" pitchFamily="34" charset="0"/>
+        <a:buFont typeface="Arial" panose="020B0604020202020204" pitchFamily="34" charset="0"/>
         <a:buChar char="•"/>
         <a:defRPr sz="1800" kern="1200">
           <a:solidFill>
@@ -3555,7 +3554,7 @@
         <p:nvPicPr>
           <p:cNvPr id="6" name="Picture 5"/>
           <p:cNvPicPr>
-            <a:picLocks noChangeAspect="true"/>
+            <a:picLocks noChangeAspect="1"/>
           </p:cNvPicPr>
           <p:nvPr/>
         </p:nvPicPr>
@@ -3579,7 +3578,7 @@
         <p:nvPicPr>
           <p:cNvPr id="4" name="Picture 3"/>
           <p:cNvPicPr>
-            <a:picLocks noChangeAspect="true"/>
+            <a:picLocks noChangeAspect="1"/>
           </p:cNvPicPr>
           <p:nvPr/>
         </p:nvPicPr>
@@ -3603,7 +3602,7 @@
         <p:nvSpPr>
           <p:cNvPr id="2" name="Title 1"/>
           <p:cNvSpPr>
-            <a:spLocks noGrp="true"/>
+            <a:spLocks noGrp="1"/>
           </p:cNvSpPr>
           <p:nvPr>
             <p:ph type="ctrTitle"/>
@@ -3640,8 +3639,8 @@
       <p:sp>
         <p:nvSpPr>
           <p:cNvPr id="77" name="Google Shape;77;p1"/>
-          <p:cNvSpPr txBox="true">
-            <a:spLocks noGrp="true"/>
+          <p:cNvSpPr txBox="1">
+            <a:spLocks noGrp="1"/>
           </p:cNvSpPr>
           <p:nvPr/>
         </p:nvSpPr>
@@ -3659,7 +3658,7 @@
           </a:ln>
         </p:spPr>
         <p:txBody>
-          <a:bodyPr wrap="square" lIns="103150" tIns="51575" rIns="103150" bIns="51575" anchor="t" anchorCtr="false">
+          <a:bodyPr wrap="square" lIns="103150" tIns="51575" rIns="103150" bIns="51575" anchor="t" anchorCtr="0">
             <a:noAutofit/>
           </a:bodyPr>
           <a:lstStyle>
@@ -3694,10 +3693,10 @@
                 <a:solidFill>
                   <a:schemeClr val="dk1"/>
                 </a:solidFill>
-                <a:latin typeface="Arial"/>
-                <a:ea typeface="Arial"/>
-                <a:cs typeface="Arial"/>
-                <a:sym typeface="Arial"/>
+                <a:latin typeface="Arial" panose="020B0604020202020204"/>
+                <a:ea typeface="Arial" panose="020B0604020202020204"/>
+                <a:cs typeface="Arial" panose="020B0604020202020204"/>
+                <a:sym typeface="Arial" panose="020B0604020202020204"/>
               </a:defRPr>
             </a:lvl1pPr>
             <a:lvl2pPr marL="914400" marR="0" lvl="1" indent="-345440" algn="l" rtl="0">
@@ -3720,10 +3719,10 @@
                 <a:solidFill>
                   <a:schemeClr val="dk1"/>
                 </a:solidFill>
-                <a:latin typeface="Arial"/>
-                <a:ea typeface="Arial"/>
-                <a:cs typeface="Arial"/>
-                <a:sym typeface="Arial"/>
+                <a:latin typeface="Arial" panose="020B0604020202020204"/>
+                <a:ea typeface="Arial" panose="020B0604020202020204"/>
+                <a:cs typeface="Arial" panose="020B0604020202020204"/>
+                <a:sym typeface="Arial" panose="020B0604020202020204"/>
               </a:defRPr>
             </a:lvl2pPr>
             <a:lvl3pPr marL="1371600" marR="0" lvl="2" indent="-323215" algn="l" rtl="0">
@@ -3746,10 +3745,10 @@
                 <a:solidFill>
                   <a:schemeClr val="dk1"/>
                 </a:solidFill>
-                <a:latin typeface="Arial"/>
-                <a:ea typeface="Arial"/>
-                <a:cs typeface="Arial"/>
-                <a:sym typeface="Arial"/>
+                <a:latin typeface="Arial" panose="020B0604020202020204"/>
+                <a:ea typeface="Arial" panose="020B0604020202020204"/>
+                <a:cs typeface="Arial" panose="020B0604020202020204"/>
+                <a:sym typeface="Arial" panose="020B0604020202020204"/>
               </a:defRPr>
             </a:lvl3pPr>
             <a:lvl4pPr marL="1828800" marR="0" lvl="3" indent="-308610" algn="l" rtl="0">
@@ -3772,10 +3771,10 @@
                 <a:solidFill>
                   <a:schemeClr val="dk1"/>
                 </a:solidFill>
-                <a:latin typeface="Arial"/>
-                <a:ea typeface="Arial"/>
-                <a:cs typeface="Arial"/>
-                <a:sym typeface="Arial"/>
+                <a:latin typeface="Arial" panose="020B0604020202020204"/>
+                <a:ea typeface="Arial" panose="020B0604020202020204"/>
+                <a:cs typeface="Arial" panose="020B0604020202020204"/>
+                <a:sym typeface="Arial" panose="020B0604020202020204"/>
               </a:defRPr>
             </a:lvl4pPr>
             <a:lvl5pPr marL="2286000" marR="0" lvl="4" indent="-374650" algn="l" rtl="0">
@@ -3798,10 +3797,10 @@
                 <a:solidFill>
                   <a:schemeClr val="dk1"/>
                 </a:solidFill>
-                <a:latin typeface="Arial"/>
-                <a:ea typeface="Arial"/>
-                <a:cs typeface="Arial"/>
-                <a:sym typeface="Arial"/>
+                <a:latin typeface="Arial" panose="020B0604020202020204"/>
+                <a:ea typeface="Arial" panose="020B0604020202020204"/>
+                <a:cs typeface="Arial" panose="020B0604020202020204"/>
+                <a:sym typeface="Arial" panose="020B0604020202020204"/>
               </a:defRPr>
             </a:lvl5pPr>
             <a:lvl6pPr marL="2743200" marR="0" lvl="5" indent="-374650" algn="l" rtl="0">
@@ -3824,10 +3823,10 @@
                 <a:solidFill>
                   <a:schemeClr val="dk1"/>
                 </a:solidFill>
-                <a:latin typeface="Arial"/>
-                <a:ea typeface="Arial"/>
-                <a:cs typeface="Arial"/>
-                <a:sym typeface="Arial"/>
+                <a:latin typeface="Arial" panose="020B0604020202020204"/>
+                <a:ea typeface="Arial" panose="020B0604020202020204"/>
+                <a:cs typeface="Arial" panose="020B0604020202020204"/>
+                <a:sym typeface="Arial" panose="020B0604020202020204"/>
               </a:defRPr>
             </a:lvl6pPr>
             <a:lvl7pPr marL="3200400" marR="0" lvl="6" indent="-374650" algn="l" rtl="0">
@@ -3850,10 +3849,10 @@
                 <a:solidFill>
                   <a:schemeClr val="dk1"/>
                 </a:solidFill>
-                <a:latin typeface="Arial"/>
-                <a:ea typeface="Arial"/>
-                <a:cs typeface="Arial"/>
-                <a:sym typeface="Arial"/>
+                <a:latin typeface="Arial" panose="020B0604020202020204"/>
+                <a:ea typeface="Arial" panose="020B0604020202020204"/>
+                <a:cs typeface="Arial" panose="020B0604020202020204"/>
+                <a:sym typeface="Arial" panose="020B0604020202020204"/>
               </a:defRPr>
             </a:lvl7pPr>
             <a:lvl8pPr marL="3657600" marR="0" lvl="7" indent="-374650" algn="l" rtl="0">
@@ -3876,10 +3875,10 @@
                 <a:solidFill>
                   <a:schemeClr val="dk1"/>
                 </a:solidFill>
-                <a:latin typeface="Arial"/>
-                <a:ea typeface="Arial"/>
-                <a:cs typeface="Arial"/>
-                <a:sym typeface="Arial"/>
+                <a:latin typeface="Arial" panose="020B0604020202020204"/>
+                <a:ea typeface="Arial" panose="020B0604020202020204"/>
+                <a:cs typeface="Arial" panose="020B0604020202020204"/>
+                <a:sym typeface="Arial" panose="020B0604020202020204"/>
               </a:defRPr>
             </a:lvl8pPr>
             <a:lvl9pPr marL="4114800" marR="0" lvl="8" indent="-374650" algn="l" rtl="0">
@@ -3902,10 +3901,10 @@
                 <a:solidFill>
                   <a:schemeClr val="dk1"/>
                 </a:solidFill>
-                <a:latin typeface="Arial"/>
-                <a:ea typeface="Arial"/>
-                <a:cs typeface="Arial"/>
-                <a:sym typeface="Arial"/>
+                <a:latin typeface="Arial" panose="020B0604020202020204"/>
+                <a:ea typeface="Arial" panose="020B0604020202020204"/>
+                <a:cs typeface="Arial" panose="020B0604020202020204"/>
+                <a:sym typeface="Arial" panose="020B0604020202020204"/>
               </a:defRPr>
             </a:lvl9pPr>
           </a:lstStyle>
@@ -3925,10 +3924,10 @@
             </a:pPr>
             <a:r>
               <a:rPr lang="pt-BR" sz="2400" b="1">
-                <a:latin typeface="Arial"/>
-                <a:ea typeface="Arial"/>
-                <a:cs typeface="Arial"/>
-                <a:sym typeface="Arial"/>
+                <a:latin typeface="Arial" panose="020B0604020202020204"/>
+                <a:ea typeface="Arial" panose="020B0604020202020204"/>
+                <a:cs typeface="Arial" panose="020B0604020202020204"/>
+                <a:sym typeface="Arial" panose="020B0604020202020204"/>
               </a:rPr>
               <a:t>Curso de Pós-Graduação do INPE</a:t>
             </a:r>
@@ -3950,27 +3949,27 @@
             </a:pPr>
             <a:r>
               <a:rPr lang="pt-BR" sz="2400" i="1">
-                <a:latin typeface="Arial"/>
-                <a:ea typeface="Arial"/>
-                <a:cs typeface="Arial"/>
-                <a:sym typeface="Arial"/>
+                <a:latin typeface="Arial" panose="020B0604020202020204"/>
+                <a:ea typeface="Arial" panose="020B0604020202020204"/>
+                <a:cs typeface="Arial" panose="020B0604020202020204"/>
+                <a:sym typeface="Arial" panose="020B0604020202020204"/>
               </a:rPr>
               <a:t>     Engenharia e Tecnologia Espaciais</a:t>
             </a:r>
             <a:br>
               <a:rPr lang="pt-BR" sz="2400">
-                <a:latin typeface="Arial"/>
-                <a:ea typeface="Arial"/>
-                <a:cs typeface="Arial"/>
-                <a:sym typeface="Arial"/>
+                <a:latin typeface="Arial" panose="020B0604020202020204"/>
+                <a:ea typeface="Arial" panose="020B0604020202020204"/>
+                <a:cs typeface="Arial" panose="020B0604020202020204"/>
+                <a:sym typeface="Arial" panose="020B0604020202020204"/>
               </a:rPr>
             </a:br>
             <a:r>
               <a:rPr lang="pt-BR" sz="2400" b="1">
-                <a:latin typeface="Arial"/>
-                <a:ea typeface="Arial"/>
-                <a:cs typeface="Arial"/>
-                <a:sym typeface="Arial"/>
+                <a:latin typeface="Arial" panose="020B0604020202020204"/>
+                <a:ea typeface="Arial" panose="020B0604020202020204"/>
+                <a:cs typeface="Arial" panose="020B0604020202020204"/>
+                <a:sym typeface="Arial" panose="020B0604020202020204"/>
               </a:rPr>
               <a:t>Área de Concentração</a:t>
             </a:r>
@@ -3992,18 +3991,18 @@
             </a:pPr>
             <a:r>
               <a:rPr lang="pt-BR" sz="2400" i="1">
-                <a:latin typeface="Arial"/>
-                <a:ea typeface="Arial"/>
-                <a:cs typeface="Arial"/>
-                <a:sym typeface="Arial"/>
+                <a:latin typeface="Arial" panose="020B0604020202020204"/>
+                <a:ea typeface="Arial" panose="020B0604020202020204"/>
+                <a:cs typeface="Arial" panose="020B0604020202020204"/>
+                <a:sym typeface="Arial" panose="020B0604020202020204"/>
               </a:rPr>
               <a:t>    Engenharia e Gerenciamento de Sistemas Espaciais</a:t>
             </a:r>
             <a:endParaRPr sz="2400">
-              <a:latin typeface="Arial"/>
-              <a:ea typeface="Arial"/>
-              <a:cs typeface="Arial"/>
-              <a:sym typeface="Arial"/>
+              <a:latin typeface="Arial" panose="020B0604020202020204"/>
+              <a:ea typeface="Arial" panose="020B0604020202020204"/>
+              <a:cs typeface="Arial" panose="020B0604020202020204"/>
+              <a:sym typeface="Arial" panose="020B0604020202020204"/>
             </a:endParaRPr>
           </a:p>
         </p:txBody>
@@ -4063,7 +4062,7 @@
         <p:nvPicPr>
           <p:cNvPr id="10" name="Picture 9"/>
           <p:cNvPicPr>
-            <a:picLocks noChangeAspect="true"/>
+            <a:picLocks noChangeAspect="1"/>
           </p:cNvPicPr>
           <p:nvPr/>
         </p:nvPicPr>
@@ -4087,8 +4086,8 @@
       <p:sp>
         <p:nvSpPr>
           <p:cNvPr id="84" name="Google Shape;84;p2"/>
-          <p:cNvSpPr txBox="true">
-            <a:spLocks noGrp="true"/>
+          <p:cNvSpPr txBox="1">
+            <a:spLocks noGrp="1"/>
           </p:cNvSpPr>
           <p:nvPr>
             <p:ph type="title"/>
@@ -4108,7 +4107,7 @@
           </a:ln>
         </p:spPr>
         <p:txBody>
-          <a:bodyPr spcFirstLastPara="1" wrap="square" lIns="103150" tIns="51575" rIns="103150" bIns="51575" anchor="ctr" anchorCtr="false">
+          <a:bodyPr spcFirstLastPara="1" wrap="square" lIns="103150" tIns="51575" rIns="103150" bIns="51575" anchor="ctr" anchorCtr="0">
             <a:noAutofit/>
           </a:bodyPr>
           <a:p>
@@ -4122,9 +4121,9 @@
             </a:r>
             <a:endParaRPr lang="pt-PT" altLang="pt-BR" sz="2800" b="1">
               <a:latin typeface="+mn-lt"/>
-              <a:ea typeface="Arial"/>
+              <a:ea typeface="Arial" panose="020B0604020202020204"/>
               <a:cs typeface="+mn-lt"/>
-              <a:sym typeface="Arial"/>
+              <a:sym typeface="Arial" panose="020B0604020202020204"/>
             </a:endParaRPr>
           </a:p>
         </p:txBody>
@@ -4132,7 +4131,7 @@
       <p:sp>
         <p:nvSpPr>
           <p:cNvPr id="3" name="Text Box 2"/>
-          <p:cNvSpPr txBox="true"/>
+          <p:cNvSpPr txBox="1"/>
           <p:nvPr/>
         </p:nvSpPr>
         <p:spPr>
@@ -4164,7 +4163,7 @@
           <p:sp>
             <p:nvSpPr>
               <p:cNvPr id="9" name="Text Box 8"/>
-              <p:cNvSpPr txBox="true"/>
+              <p:cNvSpPr txBox="1"/>
               <p:nvPr/>
             </p:nvSpPr>
             <p:spPr>
@@ -4343,8 +4342,8 @@
           <p:sp>
             <p:nvSpPr>
               <p:cNvPr id="9" name="Text Box 8"/>
-              <p:cNvSpPr txBox="true">
-                <a:spLocks noRot="true" noChangeAspect="true" noMove="true" noResize="true" noEditPoints="true" noAdjustHandles="true" noChangeArrowheads="true" noChangeShapeType="true" noTextEdit="true"/>
+              <p:cNvSpPr txBox="1">
+                <a:spLocks noRot="1" noChangeAspect="1" noMove="1" noResize="1" noEditPoints="1" noAdjustHandles="1" noChangeArrowheads="1" noChangeShapeType="1" noTextEdit="1"/>
               </p:cNvSpPr>
               <p:nvPr/>
             </p:nvSpPr>
@@ -4356,7 +4355,7 @@
               <a:prstGeom prst="rect">
                 <a:avLst/>
               </a:prstGeom>
-              <a:blipFill rotWithShape="true">
+              <a:blipFill rotWithShape="1">
                 <a:blip r:embed="rId2"/>
                 <a:stretch>
                   <a:fillRect/>
@@ -4382,7 +4381,7 @@
         <p:nvPicPr>
           <p:cNvPr id="2" name="Picture 1" descr="Screenshot_20210126_154807"/>
           <p:cNvPicPr>
-            <a:picLocks noChangeAspect="true"/>
+            <a:picLocks noChangeAspect="1"/>
           </p:cNvPicPr>
           <p:nvPr/>
         </p:nvPicPr>
@@ -4406,7 +4405,7 @@
         <p:nvPicPr>
           <p:cNvPr id="4" name="Picture 3" descr="Screenshot_20210126_154857"/>
           <p:cNvPicPr>
-            <a:picLocks noChangeAspect="true"/>
+            <a:picLocks noChangeAspect="1"/>
           </p:cNvPicPr>
           <p:nvPr/>
         </p:nvPicPr>
@@ -4448,11 +4447,11 @@
         <p:nvPicPr>
           <p:cNvPr id="3" name="Picture 2"/>
           <p:cNvPicPr>
-            <a:picLocks noChangeAspect="true"/>
+            <a:picLocks noChangeAspect="1"/>
           </p:cNvPicPr>
           <p:nvPr/>
         </p:nvPicPr>
-        <p:blipFill rotWithShape="true">
+        <p:blipFill rotWithShape="1">
           <a:blip r:embed="rId1"/>
           <a:srcRect t="77762"/>
           <a:stretch>
@@ -4477,11 +4476,11 @@
         <p:nvPicPr>
           <p:cNvPr id="2" name="Picture 2"/>
           <p:cNvPicPr>
-            <a:picLocks noChangeAspect="true"/>
+            <a:picLocks noChangeAspect="1"/>
           </p:cNvPicPr>
           <p:nvPr/>
         </p:nvPicPr>
-        <p:blipFill rotWithShape="true">
+        <p:blipFill rotWithShape="1">
           <a:blip r:embed="rId1"/>
           <a:srcRect l="19956" r="17506" b="22167"/>
           <a:stretch>
@@ -4506,7 +4505,7 @@
         <p:nvPicPr>
           <p:cNvPr id="10" name="Picture 9"/>
           <p:cNvPicPr>
-            <a:picLocks noChangeAspect="true"/>
+            <a:picLocks noChangeAspect="1"/>
           </p:cNvPicPr>
           <p:nvPr/>
         </p:nvPicPr>
@@ -4530,8 +4529,8 @@
       <p:sp>
         <p:nvSpPr>
           <p:cNvPr id="13" name="Google Shape;85;p2"/>
-          <p:cNvSpPr txBox="true">
-            <a:spLocks noGrp="true"/>
+          <p:cNvSpPr txBox="1">
+            <a:spLocks noGrp="1"/>
           </p:cNvSpPr>
           <p:nvPr/>
         </p:nvSpPr>
@@ -4549,7 +4548,7 @@
           </a:ln>
         </p:spPr>
         <p:txBody>
-          <a:bodyPr wrap="square" lIns="103150" tIns="51575" rIns="103150" bIns="51575" anchor="t" anchorCtr="false">
+          <a:bodyPr wrap="square" lIns="103150" tIns="51575" rIns="103150" bIns="51575" anchor="t" anchorCtr="0">
             <a:noAutofit/>
           </a:bodyPr>
           <a:lstStyle>
@@ -4584,10 +4583,10 @@
                 <a:solidFill>
                   <a:schemeClr val="dk1"/>
                 </a:solidFill>
-                <a:latin typeface="Arial"/>
-                <a:ea typeface="Arial"/>
-                <a:cs typeface="Arial"/>
-                <a:sym typeface="Arial"/>
+                <a:latin typeface="Arial" panose="020B0604020202020204"/>
+                <a:ea typeface="Arial" panose="020B0604020202020204"/>
+                <a:cs typeface="Arial" panose="020B0604020202020204"/>
+                <a:sym typeface="Arial" panose="020B0604020202020204"/>
               </a:defRPr>
             </a:lvl1pPr>
             <a:lvl2pPr marL="914400" marR="0" lvl="1" indent="-320040" algn="l" rtl="0">
@@ -4610,10 +4609,10 @@
                 <a:solidFill>
                   <a:schemeClr val="dk1"/>
                 </a:solidFill>
-                <a:latin typeface="Arial"/>
-                <a:ea typeface="Arial"/>
-                <a:cs typeface="Arial"/>
-                <a:sym typeface="Arial"/>
+                <a:latin typeface="Arial" panose="020B0604020202020204"/>
+                <a:ea typeface="Arial" panose="020B0604020202020204"/>
+                <a:cs typeface="Arial" panose="020B0604020202020204"/>
+                <a:sym typeface="Arial" panose="020B0604020202020204"/>
               </a:defRPr>
             </a:lvl2pPr>
             <a:lvl3pPr marL="1371600" marR="0" lvl="2" indent="-302895" algn="l" rtl="0">
@@ -4636,10 +4635,10 @@
                 <a:solidFill>
                   <a:schemeClr val="dk1"/>
                 </a:solidFill>
-                <a:latin typeface="Arial"/>
-                <a:ea typeface="Arial"/>
-                <a:cs typeface="Arial"/>
-                <a:sym typeface="Arial"/>
+                <a:latin typeface="Arial" panose="020B0604020202020204"/>
+                <a:ea typeface="Arial" panose="020B0604020202020204"/>
+                <a:cs typeface="Arial" panose="020B0604020202020204"/>
+                <a:sym typeface="Arial" panose="020B0604020202020204"/>
               </a:defRPr>
             </a:lvl3pPr>
             <a:lvl4pPr marL="1828800" marR="0" lvl="3" indent="-308610" algn="l" rtl="0">
@@ -4662,10 +4661,10 @@
                 <a:solidFill>
                   <a:schemeClr val="dk1"/>
                 </a:solidFill>
-                <a:latin typeface="Arial"/>
-                <a:ea typeface="Arial"/>
-                <a:cs typeface="Arial"/>
-                <a:sym typeface="Arial"/>
+                <a:latin typeface="Arial" panose="020B0604020202020204"/>
+                <a:ea typeface="Arial" panose="020B0604020202020204"/>
+                <a:cs typeface="Arial" panose="020B0604020202020204"/>
+                <a:sym typeface="Arial" panose="020B0604020202020204"/>
               </a:defRPr>
             </a:lvl4pPr>
             <a:lvl5pPr marL="2286000" marR="0" lvl="4" indent="-342900" algn="l" rtl="0">
@@ -4688,10 +4687,10 @@
                 <a:solidFill>
                   <a:schemeClr val="dk1"/>
                 </a:solidFill>
-                <a:latin typeface="Arial"/>
-                <a:ea typeface="Arial"/>
-                <a:cs typeface="Arial"/>
-                <a:sym typeface="Arial"/>
+                <a:latin typeface="Arial" panose="020B0604020202020204"/>
+                <a:ea typeface="Arial" panose="020B0604020202020204"/>
+                <a:cs typeface="Arial" panose="020B0604020202020204"/>
+                <a:sym typeface="Arial" panose="020B0604020202020204"/>
               </a:defRPr>
             </a:lvl5pPr>
             <a:lvl6pPr marL="2743200" marR="0" lvl="5" indent="-342900" algn="l" rtl="0">
@@ -4714,10 +4713,10 @@
                 <a:solidFill>
                   <a:schemeClr val="dk1"/>
                 </a:solidFill>
-                <a:latin typeface="Arial"/>
-                <a:ea typeface="Arial"/>
-                <a:cs typeface="Arial"/>
-                <a:sym typeface="Arial"/>
+                <a:latin typeface="Arial" panose="020B0604020202020204"/>
+                <a:ea typeface="Arial" panose="020B0604020202020204"/>
+                <a:cs typeface="Arial" panose="020B0604020202020204"/>
+                <a:sym typeface="Arial" panose="020B0604020202020204"/>
               </a:defRPr>
             </a:lvl6pPr>
             <a:lvl7pPr marL="3200400" marR="0" lvl="6" indent="-342900" algn="l" rtl="0">
@@ -4740,10 +4739,10 @@
                 <a:solidFill>
                   <a:schemeClr val="dk1"/>
                 </a:solidFill>
-                <a:latin typeface="Arial"/>
-                <a:ea typeface="Arial"/>
-                <a:cs typeface="Arial"/>
-                <a:sym typeface="Arial"/>
+                <a:latin typeface="Arial" panose="020B0604020202020204"/>
+                <a:ea typeface="Arial" panose="020B0604020202020204"/>
+                <a:cs typeface="Arial" panose="020B0604020202020204"/>
+                <a:sym typeface="Arial" panose="020B0604020202020204"/>
               </a:defRPr>
             </a:lvl7pPr>
             <a:lvl8pPr marL="3657600" marR="0" lvl="7" indent="-342900" algn="l" rtl="0">
@@ -4766,10 +4765,10 @@
                 <a:solidFill>
                   <a:schemeClr val="dk1"/>
                 </a:solidFill>
-                <a:latin typeface="Arial"/>
-                <a:ea typeface="Arial"/>
-                <a:cs typeface="Arial"/>
-                <a:sym typeface="Arial"/>
+                <a:latin typeface="Arial" panose="020B0604020202020204"/>
+                <a:ea typeface="Arial" panose="020B0604020202020204"/>
+                <a:cs typeface="Arial" panose="020B0604020202020204"/>
+                <a:sym typeface="Arial" panose="020B0604020202020204"/>
               </a:defRPr>
             </a:lvl8pPr>
             <a:lvl9pPr marL="4114800" marR="0" lvl="8" indent="-342900" algn="l" rtl="0">
@@ -4792,10 +4791,10 @@
                 <a:solidFill>
                   <a:schemeClr val="dk1"/>
                 </a:solidFill>
-                <a:latin typeface="Arial"/>
-                <a:ea typeface="Arial"/>
-                <a:cs typeface="Arial"/>
-                <a:sym typeface="Arial"/>
+                <a:latin typeface="Arial" panose="020B0604020202020204"/>
+                <a:ea typeface="Arial" panose="020B0604020202020204"/>
+                <a:cs typeface="Arial" panose="020B0604020202020204"/>
+                <a:sym typeface="Arial" panose="020B0604020202020204"/>
               </a:defRPr>
             </a:lvl9pPr>
           </a:lstStyle>
@@ -4819,8 +4818,8 @@
       <p:sp>
         <p:nvSpPr>
           <p:cNvPr id="6" name="Google Shape;84;p2"/>
-          <p:cNvSpPr txBox="true">
-            <a:spLocks noGrp="true"/>
+          <p:cNvSpPr txBox="1">
+            <a:spLocks noGrp="1"/>
           </p:cNvSpPr>
           <p:nvPr/>
         </p:nvSpPr>
@@ -4838,7 +4837,7 @@
           </a:ln>
         </p:spPr>
         <p:txBody>
-          <a:bodyPr vert="horz" wrap="square" lIns="103150" tIns="51575" rIns="103150" bIns="51575" rtlCol="0" anchor="ctr" anchorCtr="false">
+          <a:bodyPr vert="horz" wrap="square" lIns="103150" tIns="51575" rIns="103150" bIns="51575" rtlCol="0" anchor="ctr" anchorCtr="0">
             <a:noAutofit/>
           </a:bodyPr>
           <a:lstStyle>
@@ -4885,9 +4884,9 @@
             </a:r>
             <a:endParaRPr lang="pt-PT" altLang="pt-BR" sz="2800">
               <a:latin typeface="+mn-lt"/>
-              <a:ea typeface="Arial"/>
+              <a:ea typeface="Arial" panose="020B0604020202020204"/>
               <a:cs typeface="+mn-lt"/>
-              <a:sym typeface="Arial"/>
+              <a:sym typeface="Arial" panose="020B0604020202020204"/>
             </a:endParaRPr>
           </a:p>
         </p:txBody>
@@ -4896,7 +4895,7 @@
         <p:nvPicPr>
           <p:cNvPr id="5" name="Picture 4" descr="DEJONG3TTESE"/>
           <p:cNvPicPr>
-            <a:picLocks noChangeAspect="true"/>
+            <a:picLocks noChangeAspect="1"/>
           </p:cNvPicPr>
           <p:nvPr/>
         </p:nvPicPr>
@@ -4939,11 +4938,11 @@
         <p:nvPicPr>
           <p:cNvPr id="8" name="Picture 2"/>
           <p:cNvPicPr>
-            <a:picLocks noChangeAspect="true"/>
+            <a:picLocks noChangeAspect="1"/>
           </p:cNvPicPr>
           <p:nvPr/>
         </p:nvPicPr>
-        <p:blipFill rotWithShape="true">
+        <p:blipFill rotWithShape="1">
           <a:blip r:embed="rId1"/>
           <a:srcRect t="80028"/>
           <a:stretch>
@@ -4968,11 +4967,11 @@
         <p:nvPicPr>
           <p:cNvPr id="3" name="Picture 2"/>
           <p:cNvPicPr>
-            <a:picLocks noChangeAspect="true"/>
+            <a:picLocks noChangeAspect="1"/>
           </p:cNvPicPr>
           <p:nvPr/>
         </p:nvPicPr>
-        <p:blipFill rotWithShape="true">
+        <p:blipFill rotWithShape="1">
           <a:blip r:embed="rId1"/>
           <a:srcRect l="17285" r="18981" b="19711"/>
           <a:stretch>
@@ -5030,7 +5029,7 @@
         <p:nvPicPr>
           <p:cNvPr id="10" name="Picture 9"/>
           <p:cNvPicPr>
-            <a:picLocks noChangeAspect="true"/>
+            <a:picLocks noChangeAspect="1"/>
           </p:cNvPicPr>
           <p:nvPr/>
         </p:nvPicPr>
@@ -5054,8 +5053,8 @@
       <p:sp>
         <p:nvSpPr>
           <p:cNvPr id="13" name="Google Shape;85;p2"/>
-          <p:cNvSpPr txBox="true">
-            <a:spLocks noGrp="true"/>
+          <p:cNvSpPr txBox="1">
+            <a:spLocks noGrp="1"/>
           </p:cNvSpPr>
           <p:nvPr/>
         </p:nvSpPr>
@@ -5073,7 +5072,7 @@
           </a:ln>
         </p:spPr>
         <p:txBody>
-          <a:bodyPr wrap="square" lIns="103150" tIns="51575" rIns="103150" bIns="51575" anchor="t" anchorCtr="false">
+          <a:bodyPr wrap="square" lIns="103150" tIns="51575" rIns="103150" bIns="51575" anchor="t" anchorCtr="0">
             <a:noAutofit/>
           </a:bodyPr>
           <a:lstStyle>
@@ -5108,10 +5107,10 @@
                 <a:solidFill>
                   <a:schemeClr val="dk1"/>
                 </a:solidFill>
-                <a:latin typeface="Arial"/>
-                <a:ea typeface="Arial"/>
-                <a:cs typeface="Arial"/>
-                <a:sym typeface="Arial"/>
+                <a:latin typeface="Arial" panose="020B0604020202020204"/>
+                <a:ea typeface="Arial" panose="020B0604020202020204"/>
+                <a:cs typeface="Arial" panose="020B0604020202020204"/>
+                <a:sym typeface="Arial" panose="020B0604020202020204"/>
               </a:defRPr>
             </a:lvl1pPr>
             <a:lvl2pPr marL="914400" marR="0" lvl="1" indent="-320040" algn="l" rtl="0">
@@ -5134,10 +5133,10 @@
                 <a:solidFill>
                   <a:schemeClr val="dk1"/>
                 </a:solidFill>
-                <a:latin typeface="Arial"/>
-                <a:ea typeface="Arial"/>
-                <a:cs typeface="Arial"/>
-                <a:sym typeface="Arial"/>
+                <a:latin typeface="Arial" panose="020B0604020202020204"/>
+                <a:ea typeface="Arial" panose="020B0604020202020204"/>
+                <a:cs typeface="Arial" panose="020B0604020202020204"/>
+                <a:sym typeface="Arial" panose="020B0604020202020204"/>
               </a:defRPr>
             </a:lvl2pPr>
             <a:lvl3pPr marL="1371600" marR="0" lvl="2" indent="-302895" algn="l" rtl="0">
@@ -5160,10 +5159,10 @@
                 <a:solidFill>
                   <a:schemeClr val="dk1"/>
                 </a:solidFill>
-                <a:latin typeface="Arial"/>
-                <a:ea typeface="Arial"/>
-                <a:cs typeface="Arial"/>
-                <a:sym typeface="Arial"/>
+                <a:latin typeface="Arial" panose="020B0604020202020204"/>
+                <a:ea typeface="Arial" panose="020B0604020202020204"/>
+                <a:cs typeface="Arial" panose="020B0604020202020204"/>
+                <a:sym typeface="Arial" panose="020B0604020202020204"/>
               </a:defRPr>
             </a:lvl3pPr>
             <a:lvl4pPr marL="1828800" marR="0" lvl="3" indent="-308610" algn="l" rtl="0">
@@ -5186,10 +5185,10 @@
                 <a:solidFill>
                   <a:schemeClr val="dk1"/>
                 </a:solidFill>
-                <a:latin typeface="Arial"/>
-                <a:ea typeface="Arial"/>
-                <a:cs typeface="Arial"/>
-                <a:sym typeface="Arial"/>
+                <a:latin typeface="Arial" panose="020B0604020202020204"/>
+                <a:ea typeface="Arial" panose="020B0604020202020204"/>
+                <a:cs typeface="Arial" panose="020B0604020202020204"/>
+                <a:sym typeface="Arial" panose="020B0604020202020204"/>
               </a:defRPr>
             </a:lvl4pPr>
             <a:lvl5pPr marL="2286000" marR="0" lvl="4" indent="-342900" algn="l" rtl="0">
@@ -5212,10 +5211,10 @@
                 <a:solidFill>
                   <a:schemeClr val="dk1"/>
                 </a:solidFill>
-                <a:latin typeface="Arial"/>
-                <a:ea typeface="Arial"/>
-                <a:cs typeface="Arial"/>
-                <a:sym typeface="Arial"/>
+                <a:latin typeface="Arial" panose="020B0604020202020204"/>
+                <a:ea typeface="Arial" panose="020B0604020202020204"/>
+                <a:cs typeface="Arial" panose="020B0604020202020204"/>
+                <a:sym typeface="Arial" panose="020B0604020202020204"/>
               </a:defRPr>
             </a:lvl5pPr>
             <a:lvl6pPr marL="2743200" marR="0" lvl="5" indent="-342900" algn="l" rtl="0">
@@ -5238,10 +5237,10 @@
                 <a:solidFill>
                   <a:schemeClr val="dk1"/>
                 </a:solidFill>
-                <a:latin typeface="Arial"/>
-                <a:ea typeface="Arial"/>
-                <a:cs typeface="Arial"/>
-                <a:sym typeface="Arial"/>
+                <a:latin typeface="Arial" panose="020B0604020202020204"/>
+                <a:ea typeface="Arial" panose="020B0604020202020204"/>
+                <a:cs typeface="Arial" panose="020B0604020202020204"/>
+                <a:sym typeface="Arial" panose="020B0604020202020204"/>
               </a:defRPr>
             </a:lvl6pPr>
             <a:lvl7pPr marL="3200400" marR="0" lvl="6" indent="-342900" algn="l" rtl="0">
@@ -5264,10 +5263,10 @@
                 <a:solidFill>
                   <a:schemeClr val="dk1"/>
                 </a:solidFill>
-                <a:latin typeface="Arial"/>
-                <a:ea typeface="Arial"/>
-                <a:cs typeface="Arial"/>
-                <a:sym typeface="Arial"/>
+                <a:latin typeface="Arial" panose="020B0604020202020204"/>
+                <a:ea typeface="Arial" panose="020B0604020202020204"/>
+                <a:cs typeface="Arial" panose="020B0604020202020204"/>
+                <a:sym typeface="Arial" panose="020B0604020202020204"/>
               </a:defRPr>
             </a:lvl7pPr>
             <a:lvl8pPr marL="3657600" marR="0" lvl="7" indent="-342900" algn="l" rtl="0">
@@ -5290,10 +5289,10 @@
                 <a:solidFill>
                   <a:schemeClr val="dk1"/>
                 </a:solidFill>
-                <a:latin typeface="Arial"/>
-                <a:ea typeface="Arial"/>
-                <a:cs typeface="Arial"/>
-                <a:sym typeface="Arial"/>
+                <a:latin typeface="Arial" panose="020B0604020202020204"/>
+                <a:ea typeface="Arial" panose="020B0604020202020204"/>
+                <a:cs typeface="Arial" panose="020B0604020202020204"/>
+                <a:sym typeface="Arial" panose="020B0604020202020204"/>
               </a:defRPr>
             </a:lvl8pPr>
             <a:lvl9pPr marL="4114800" marR="0" lvl="8" indent="-342900" algn="l" rtl="0">
@@ -5316,10 +5315,10 @@
                 <a:solidFill>
                   <a:schemeClr val="dk1"/>
                 </a:solidFill>
-                <a:latin typeface="Arial"/>
-                <a:ea typeface="Arial"/>
-                <a:cs typeface="Arial"/>
-                <a:sym typeface="Arial"/>
+                <a:latin typeface="Arial" panose="020B0604020202020204"/>
+                <a:ea typeface="Arial" panose="020B0604020202020204"/>
+                <a:cs typeface="Arial" panose="020B0604020202020204"/>
+                <a:sym typeface="Arial" panose="020B0604020202020204"/>
               </a:defRPr>
             </a:lvl9pPr>
           </a:lstStyle>
@@ -5359,8 +5358,8 @@
       <p:sp>
         <p:nvSpPr>
           <p:cNvPr id="6" name="Google Shape;84;p2"/>
-          <p:cNvSpPr txBox="true">
-            <a:spLocks noGrp="true"/>
+          <p:cNvSpPr txBox="1">
+            <a:spLocks noGrp="1"/>
           </p:cNvSpPr>
           <p:nvPr/>
         </p:nvSpPr>
@@ -5378,7 +5377,7 @@
           </a:ln>
         </p:spPr>
         <p:txBody>
-          <a:bodyPr vert="horz" wrap="square" lIns="103150" tIns="51575" rIns="103150" bIns="51575" rtlCol="0" anchor="ctr" anchorCtr="false">
+          <a:bodyPr vert="horz" wrap="square" lIns="103150" tIns="51575" rIns="103150" bIns="51575" rtlCol="0" anchor="ctr" anchorCtr="0">
             <a:noAutofit/>
           </a:bodyPr>
           <a:lstStyle>
@@ -5425,9 +5424,9 @@
             </a:r>
             <a:endParaRPr lang="pt-PT" altLang="pt-BR" sz="2800">
               <a:latin typeface="+mn-lt"/>
-              <a:ea typeface="Arial"/>
+              <a:ea typeface="Arial" panose="020B0604020202020204"/>
               <a:cs typeface="+mn-lt"/>
-              <a:sym typeface="Arial"/>
+              <a:sym typeface="Arial" panose="020B0604020202020204"/>
             </a:endParaRPr>
           </a:p>
         </p:txBody>
@@ -5436,7 +5435,7 @@
         <p:nvPicPr>
           <p:cNvPr id="2" name="Picture 1" descr="DEJONG3TESE"/>
           <p:cNvPicPr>
-            <a:picLocks noChangeAspect="true"/>
+            <a:picLocks noChangeAspect="1"/>
           </p:cNvPicPr>
           <p:nvPr/>
         </p:nvPicPr>
@@ -5512,7 +5511,7 @@
         <p:nvPicPr>
           <p:cNvPr id="10" name="Picture 9"/>
           <p:cNvPicPr>
-            <a:picLocks noChangeAspect="true"/>
+            <a:picLocks noChangeAspect="1"/>
           </p:cNvPicPr>
           <p:nvPr/>
         </p:nvPicPr>
@@ -5536,8 +5535,8 @@
       <p:sp>
         <p:nvSpPr>
           <p:cNvPr id="6" name="Google Shape;84;p2"/>
-          <p:cNvSpPr txBox="true">
-            <a:spLocks noGrp="true"/>
+          <p:cNvSpPr txBox="1">
+            <a:spLocks noGrp="1"/>
           </p:cNvSpPr>
           <p:nvPr/>
         </p:nvSpPr>
@@ -5555,7 +5554,7 @@
           </a:ln>
         </p:spPr>
         <p:txBody>
-          <a:bodyPr vert="horz" wrap="square" lIns="103150" tIns="51575" rIns="103150" bIns="51575" rtlCol="0" anchor="ctr" anchorCtr="false">
+          <a:bodyPr vert="horz" wrap="square" lIns="103150" tIns="51575" rIns="103150" bIns="51575" rtlCol="0" anchor="ctr" anchorCtr="0">
             <a:noAutofit/>
           </a:bodyPr>
           <a:lstStyle>
@@ -5602,9 +5601,9 @@
             </a:r>
             <a:endParaRPr lang="pt-PT" altLang="pt-BR" sz="2800">
               <a:latin typeface="+mn-lt"/>
-              <a:ea typeface="Arial"/>
+              <a:ea typeface="Arial" panose="020B0604020202020204"/>
               <a:cs typeface="+mn-lt"/>
-              <a:sym typeface="Arial"/>
+              <a:sym typeface="Arial" panose="020B0604020202020204"/>
             </a:endParaRPr>
           </a:p>
         </p:txBody>
@@ -5612,8 +5611,8 @@
       <p:sp>
         <p:nvSpPr>
           <p:cNvPr id="4" name="Google Shape;85;p2"/>
-          <p:cNvSpPr txBox="true">
-            <a:spLocks noGrp="true"/>
+          <p:cNvSpPr txBox="1">
+            <a:spLocks noGrp="1"/>
           </p:cNvSpPr>
           <p:nvPr/>
         </p:nvSpPr>
@@ -5631,7 +5630,7 @@
           </a:ln>
         </p:spPr>
         <p:txBody>
-          <a:bodyPr wrap="square" lIns="103150" tIns="51575" rIns="103150" bIns="51575" anchor="t" anchorCtr="false">
+          <a:bodyPr wrap="square" lIns="103150" tIns="51575" rIns="103150" bIns="51575" anchor="t" anchorCtr="0">
             <a:noAutofit/>
           </a:bodyPr>
           <a:lstStyle>
@@ -5666,10 +5665,10 @@
                 <a:solidFill>
                   <a:schemeClr val="dk1"/>
                 </a:solidFill>
-                <a:latin typeface="Arial"/>
-                <a:ea typeface="Arial"/>
-                <a:cs typeface="Arial"/>
-                <a:sym typeface="Arial"/>
+                <a:latin typeface="Arial" panose="020B0604020202020204"/>
+                <a:ea typeface="Arial" panose="020B0604020202020204"/>
+                <a:cs typeface="Arial" panose="020B0604020202020204"/>
+                <a:sym typeface="Arial" panose="020B0604020202020204"/>
               </a:defRPr>
             </a:lvl1pPr>
             <a:lvl2pPr marL="914400" marR="0" lvl="1" indent="-320040" algn="l" rtl="0">
@@ -5692,10 +5691,10 @@
                 <a:solidFill>
                   <a:schemeClr val="dk1"/>
                 </a:solidFill>
-                <a:latin typeface="Arial"/>
-                <a:ea typeface="Arial"/>
-                <a:cs typeface="Arial"/>
-                <a:sym typeface="Arial"/>
+                <a:latin typeface="Arial" panose="020B0604020202020204"/>
+                <a:ea typeface="Arial" panose="020B0604020202020204"/>
+                <a:cs typeface="Arial" panose="020B0604020202020204"/>
+                <a:sym typeface="Arial" panose="020B0604020202020204"/>
               </a:defRPr>
             </a:lvl2pPr>
             <a:lvl3pPr marL="1371600" marR="0" lvl="2" indent="-302895" algn="l" rtl="0">
@@ -5718,10 +5717,10 @@
                 <a:solidFill>
                   <a:schemeClr val="dk1"/>
                 </a:solidFill>
-                <a:latin typeface="Arial"/>
-                <a:ea typeface="Arial"/>
-                <a:cs typeface="Arial"/>
-                <a:sym typeface="Arial"/>
+                <a:latin typeface="Arial" panose="020B0604020202020204"/>
+                <a:ea typeface="Arial" panose="020B0604020202020204"/>
+                <a:cs typeface="Arial" panose="020B0604020202020204"/>
+                <a:sym typeface="Arial" panose="020B0604020202020204"/>
               </a:defRPr>
             </a:lvl3pPr>
             <a:lvl4pPr marL="1828800" marR="0" lvl="3" indent="-308610" algn="l" rtl="0">
@@ -5744,10 +5743,10 @@
                 <a:solidFill>
                   <a:schemeClr val="dk1"/>
                 </a:solidFill>
-                <a:latin typeface="Arial"/>
-                <a:ea typeface="Arial"/>
-                <a:cs typeface="Arial"/>
-                <a:sym typeface="Arial"/>
+                <a:latin typeface="Arial" panose="020B0604020202020204"/>
+                <a:ea typeface="Arial" panose="020B0604020202020204"/>
+                <a:cs typeface="Arial" panose="020B0604020202020204"/>
+                <a:sym typeface="Arial" panose="020B0604020202020204"/>
               </a:defRPr>
             </a:lvl4pPr>
             <a:lvl5pPr marL="2286000" marR="0" lvl="4" indent="-342900" algn="l" rtl="0">
@@ -5770,10 +5769,10 @@
                 <a:solidFill>
                   <a:schemeClr val="dk1"/>
                 </a:solidFill>
-                <a:latin typeface="Arial"/>
-                <a:ea typeface="Arial"/>
-                <a:cs typeface="Arial"/>
-                <a:sym typeface="Arial"/>
+                <a:latin typeface="Arial" panose="020B0604020202020204"/>
+                <a:ea typeface="Arial" panose="020B0604020202020204"/>
+                <a:cs typeface="Arial" panose="020B0604020202020204"/>
+                <a:sym typeface="Arial" panose="020B0604020202020204"/>
               </a:defRPr>
             </a:lvl5pPr>
             <a:lvl6pPr marL="2743200" marR="0" lvl="5" indent="-342900" algn="l" rtl="0">
@@ -5796,10 +5795,10 @@
                 <a:solidFill>
                   <a:schemeClr val="dk1"/>
                 </a:solidFill>
-                <a:latin typeface="Arial"/>
-                <a:ea typeface="Arial"/>
-                <a:cs typeface="Arial"/>
-                <a:sym typeface="Arial"/>
+                <a:latin typeface="Arial" panose="020B0604020202020204"/>
+                <a:ea typeface="Arial" panose="020B0604020202020204"/>
+                <a:cs typeface="Arial" panose="020B0604020202020204"/>
+                <a:sym typeface="Arial" panose="020B0604020202020204"/>
               </a:defRPr>
             </a:lvl6pPr>
             <a:lvl7pPr marL="3200400" marR="0" lvl="6" indent="-342900" algn="l" rtl="0">
@@ -5822,10 +5821,10 @@
                 <a:solidFill>
                   <a:schemeClr val="dk1"/>
                 </a:solidFill>
-                <a:latin typeface="Arial"/>
-                <a:ea typeface="Arial"/>
-                <a:cs typeface="Arial"/>
-                <a:sym typeface="Arial"/>
+                <a:latin typeface="Arial" panose="020B0604020202020204"/>
+                <a:ea typeface="Arial" panose="020B0604020202020204"/>
+                <a:cs typeface="Arial" panose="020B0604020202020204"/>
+                <a:sym typeface="Arial" panose="020B0604020202020204"/>
               </a:defRPr>
             </a:lvl7pPr>
             <a:lvl8pPr marL="3657600" marR="0" lvl="7" indent="-342900" algn="l" rtl="0">
@@ -5848,10 +5847,10 @@
                 <a:solidFill>
                   <a:schemeClr val="dk1"/>
                 </a:solidFill>
-                <a:latin typeface="Arial"/>
-                <a:ea typeface="Arial"/>
-                <a:cs typeface="Arial"/>
-                <a:sym typeface="Arial"/>
+                <a:latin typeface="Arial" panose="020B0604020202020204"/>
+                <a:ea typeface="Arial" panose="020B0604020202020204"/>
+                <a:cs typeface="Arial" panose="020B0604020202020204"/>
+                <a:sym typeface="Arial" panose="020B0604020202020204"/>
               </a:defRPr>
             </a:lvl8pPr>
             <a:lvl9pPr marL="4114800" marR="0" lvl="8" indent="-342900" algn="l" rtl="0">
@@ -5874,10 +5873,10 @@
                 <a:solidFill>
                   <a:schemeClr val="dk1"/>
                 </a:solidFill>
-                <a:latin typeface="Arial"/>
-                <a:ea typeface="Arial"/>
-                <a:cs typeface="Arial"/>
-                <a:sym typeface="Arial"/>
+                <a:latin typeface="Arial" panose="020B0604020202020204"/>
+                <a:ea typeface="Arial" panose="020B0604020202020204"/>
+                <a:cs typeface="Arial" panose="020B0604020202020204"/>
+                <a:sym typeface="Arial" panose="020B0604020202020204"/>
               </a:defRPr>
             </a:lvl9pPr>
           </a:lstStyle>
@@ -5900,7 +5899,7 @@
         <p:nvPicPr>
           <p:cNvPr id="5" name="Picture 4" descr="DEJONG3NOVO"/>
           <p:cNvPicPr>
-            <a:picLocks noChangeAspect="true"/>
+            <a:picLocks noChangeAspect="1"/>
           </p:cNvPicPr>
           <p:nvPr/>
         </p:nvPicPr>
@@ -5925,7 +5924,7 @@
         <p:nvPicPr>
           <p:cNvPr id="3" name="Picture 2" descr="Screenshot_20210126_145709"/>
           <p:cNvPicPr>
-            <a:picLocks noChangeAspect="true"/>
+            <a:picLocks noChangeAspect="1"/>
           </p:cNvPicPr>
           <p:nvPr/>
         </p:nvPicPr>
@@ -5967,7 +5966,7 @@
         <p:nvPicPr>
           <p:cNvPr id="10" name="Picture 9"/>
           <p:cNvPicPr>
-            <a:picLocks noChangeAspect="true"/>
+            <a:picLocks noChangeAspect="1"/>
           </p:cNvPicPr>
           <p:nvPr/>
         </p:nvPicPr>
@@ -5991,8 +5990,8 @@
       <p:sp>
         <p:nvSpPr>
           <p:cNvPr id="84" name="Google Shape;84;p2"/>
-          <p:cNvSpPr txBox="true">
-            <a:spLocks noGrp="true"/>
+          <p:cNvSpPr txBox="1">
+            <a:spLocks noGrp="1"/>
           </p:cNvSpPr>
           <p:nvPr>
             <p:ph type="title"/>
@@ -6012,7 +6011,7 @@
           </a:ln>
         </p:spPr>
         <p:txBody>
-          <a:bodyPr spcFirstLastPara="1" wrap="square" lIns="103150" tIns="51575" rIns="103150" bIns="51575" anchor="ctr" anchorCtr="false">
+          <a:bodyPr spcFirstLastPara="1" wrap="square" lIns="103150" tIns="51575" rIns="103150" bIns="51575" anchor="ctr" anchorCtr="0">
             <a:noAutofit/>
           </a:bodyPr>
           <a:p>
@@ -6026,9 +6025,9 @@
             </a:r>
             <a:endParaRPr lang="pt-PT" altLang="pt-BR" sz="2800" b="1">
               <a:latin typeface="+mn-lt"/>
-              <a:ea typeface="Arial"/>
+              <a:ea typeface="Arial" panose="020B0604020202020204"/>
               <a:cs typeface="+mn-lt"/>
-              <a:sym typeface="Arial"/>
+              <a:sym typeface="Arial" panose="020B0604020202020204"/>
             </a:endParaRPr>
           </a:p>
         </p:txBody>
@@ -6036,7 +6035,7 @@
       <p:sp>
         <p:nvSpPr>
           <p:cNvPr id="3" name="Text Box 2"/>
-          <p:cNvSpPr txBox="true"/>
+          <p:cNvSpPr txBox="1"/>
           <p:nvPr/>
         </p:nvSpPr>
         <p:spPr>
@@ -6072,7 +6071,7 @@
           <p:sp>
             <p:nvSpPr>
               <p:cNvPr id="9" name="Text Box 8"/>
-              <p:cNvSpPr txBox="true"/>
+              <p:cNvSpPr txBox="1"/>
               <p:nvPr/>
             </p:nvSpPr>
             <p:spPr>
@@ -6251,8 +6250,8 @@
           <p:sp>
             <p:nvSpPr>
               <p:cNvPr id="9" name="Text Box 8"/>
-              <p:cNvSpPr txBox="true">
-                <a:spLocks noRot="true" noChangeAspect="true" noMove="true" noResize="true" noEditPoints="true" noAdjustHandles="true" noChangeArrowheads="true" noChangeShapeType="true" noTextEdit="true"/>
+              <p:cNvSpPr txBox="1">
+                <a:spLocks noRot="1" noChangeAspect="1" noMove="1" noResize="1" noEditPoints="1" noAdjustHandles="1" noChangeArrowheads="1" noChangeShapeType="1" noTextEdit="1"/>
               </p:cNvSpPr>
               <p:nvPr/>
             </p:nvSpPr>
@@ -6264,7 +6263,7 @@
               <a:prstGeom prst="rect">
                 <a:avLst/>
               </a:prstGeom>
-              <a:blipFill rotWithShape="true">
+              <a:blipFill rotWithShape="1">
                 <a:blip r:embed="rId2"/>
                 <a:stretch>
                   <a:fillRect/>
@@ -6290,7 +6289,7 @@
         <p:nvPicPr>
           <p:cNvPr id="5" name="Picture 4" descr="Screenshot_20210126_155023"/>
           <p:cNvPicPr>
-            <a:picLocks noChangeAspect="true"/>
+            <a:picLocks noChangeAspect="1"/>
           </p:cNvPicPr>
           <p:nvPr/>
         </p:nvPicPr>
@@ -6314,7 +6313,7 @@
         <p:nvPicPr>
           <p:cNvPr id="6" name="Picture 5" descr="Screenshot_20210126_155205"/>
           <p:cNvPicPr>
-            <a:picLocks noChangeAspect="true"/>
+            <a:picLocks noChangeAspect="1"/>
           </p:cNvPicPr>
           <p:nvPr/>
         </p:nvPicPr>
@@ -6356,11 +6355,11 @@
         <p:nvPicPr>
           <p:cNvPr id="8" name="Picture 1"/>
           <p:cNvPicPr>
-            <a:picLocks noChangeAspect="true"/>
+            <a:picLocks noChangeAspect="1"/>
           </p:cNvPicPr>
           <p:nvPr/>
         </p:nvPicPr>
-        <p:blipFill rotWithShape="true">
+        <p:blipFill rotWithShape="1">
           <a:blip r:embed="rId1"/>
           <a:srcRect t="83388"/>
           <a:stretch>
@@ -6385,11 +6384,11 @@
         <p:nvPicPr>
           <p:cNvPr id="5" name="Picture 1"/>
           <p:cNvPicPr>
-            <a:picLocks noChangeAspect="true"/>
+            <a:picLocks noChangeAspect="1"/>
           </p:cNvPicPr>
           <p:nvPr/>
         </p:nvPicPr>
-        <p:blipFill rotWithShape="true">
+        <p:blipFill rotWithShape="1">
           <a:blip r:embed="rId1"/>
           <a:srcRect l="17568" r="15708" b="16572"/>
           <a:stretch>
@@ -6414,7 +6413,7 @@
         <p:nvPicPr>
           <p:cNvPr id="10" name="Picture 9"/>
           <p:cNvPicPr>
-            <a:picLocks noChangeAspect="true"/>
+            <a:picLocks noChangeAspect="1"/>
           </p:cNvPicPr>
           <p:nvPr/>
         </p:nvPicPr>
@@ -6438,8 +6437,8 @@
       <p:sp>
         <p:nvSpPr>
           <p:cNvPr id="13" name="Google Shape;85;p2"/>
-          <p:cNvSpPr txBox="true">
-            <a:spLocks noGrp="true"/>
+          <p:cNvSpPr txBox="1">
+            <a:spLocks noGrp="1"/>
           </p:cNvSpPr>
           <p:nvPr/>
         </p:nvSpPr>
@@ -6457,7 +6456,7 @@
           </a:ln>
         </p:spPr>
         <p:txBody>
-          <a:bodyPr wrap="square" lIns="103150" tIns="51575" rIns="103150" bIns="51575" anchor="t" anchorCtr="false">
+          <a:bodyPr wrap="square" lIns="103150" tIns="51575" rIns="103150" bIns="51575" anchor="t" anchorCtr="0">
             <a:noAutofit/>
           </a:bodyPr>
           <a:lstStyle>
@@ -6492,10 +6491,10 @@
                 <a:solidFill>
                   <a:schemeClr val="dk1"/>
                 </a:solidFill>
-                <a:latin typeface="Arial"/>
-                <a:ea typeface="Arial"/>
-                <a:cs typeface="Arial"/>
-                <a:sym typeface="Arial"/>
+                <a:latin typeface="Arial" panose="020B0604020202020204"/>
+                <a:ea typeface="Arial" panose="020B0604020202020204"/>
+                <a:cs typeface="Arial" panose="020B0604020202020204"/>
+                <a:sym typeface="Arial" panose="020B0604020202020204"/>
               </a:defRPr>
             </a:lvl1pPr>
             <a:lvl2pPr marL="914400" marR="0" lvl="1" indent="-320040" algn="l" rtl="0">
@@ -6518,10 +6517,10 @@
                 <a:solidFill>
                   <a:schemeClr val="dk1"/>
                 </a:solidFill>
-                <a:latin typeface="Arial"/>
-                <a:ea typeface="Arial"/>
-                <a:cs typeface="Arial"/>
-                <a:sym typeface="Arial"/>
+                <a:latin typeface="Arial" panose="020B0604020202020204"/>
+                <a:ea typeface="Arial" panose="020B0604020202020204"/>
+                <a:cs typeface="Arial" panose="020B0604020202020204"/>
+                <a:sym typeface="Arial" panose="020B0604020202020204"/>
               </a:defRPr>
             </a:lvl2pPr>
             <a:lvl3pPr marL="1371600" marR="0" lvl="2" indent="-302895" algn="l" rtl="0">
@@ -6544,10 +6543,10 @@
                 <a:solidFill>
                   <a:schemeClr val="dk1"/>
                 </a:solidFill>
-                <a:latin typeface="Arial"/>
-                <a:ea typeface="Arial"/>
-                <a:cs typeface="Arial"/>
-                <a:sym typeface="Arial"/>
+                <a:latin typeface="Arial" panose="020B0604020202020204"/>
+                <a:ea typeface="Arial" panose="020B0604020202020204"/>
+                <a:cs typeface="Arial" panose="020B0604020202020204"/>
+                <a:sym typeface="Arial" panose="020B0604020202020204"/>
               </a:defRPr>
             </a:lvl3pPr>
             <a:lvl4pPr marL="1828800" marR="0" lvl="3" indent="-308610" algn="l" rtl="0">
@@ -6570,10 +6569,10 @@
                 <a:solidFill>
                   <a:schemeClr val="dk1"/>
                 </a:solidFill>
-                <a:latin typeface="Arial"/>
-                <a:ea typeface="Arial"/>
-                <a:cs typeface="Arial"/>
-                <a:sym typeface="Arial"/>
+                <a:latin typeface="Arial" panose="020B0604020202020204"/>
+                <a:ea typeface="Arial" panose="020B0604020202020204"/>
+                <a:cs typeface="Arial" panose="020B0604020202020204"/>
+                <a:sym typeface="Arial" panose="020B0604020202020204"/>
               </a:defRPr>
             </a:lvl4pPr>
             <a:lvl5pPr marL="2286000" marR="0" lvl="4" indent="-342900" algn="l" rtl="0">
@@ -6596,10 +6595,10 @@
                 <a:solidFill>
                   <a:schemeClr val="dk1"/>
                 </a:solidFill>
-                <a:latin typeface="Arial"/>
-                <a:ea typeface="Arial"/>
-                <a:cs typeface="Arial"/>
-                <a:sym typeface="Arial"/>
+                <a:latin typeface="Arial" panose="020B0604020202020204"/>
+                <a:ea typeface="Arial" panose="020B0604020202020204"/>
+                <a:cs typeface="Arial" panose="020B0604020202020204"/>
+                <a:sym typeface="Arial" panose="020B0604020202020204"/>
               </a:defRPr>
             </a:lvl5pPr>
             <a:lvl6pPr marL="2743200" marR="0" lvl="5" indent="-342900" algn="l" rtl="0">
@@ -6622,10 +6621,10 @@
                 <a:solidFill>
                   <a:schemeClr val="dk1"/>
                 </a:solidFill>
-                <a:latin typeface="Arial"/>
-                <a:ea typeface="Arial"/>
-                <a:cs typeface="Arial"/>
-                <a:sym typeface="Arial"/>
+                <a:latin typeface="Arial" panose="020B0604020202020204"/>
+                <a:ea typeface="Arial" panose="020B0604020202020204"/>
+                <a:cs typeface="Arial" panose="020B0604020202020204"/>
+                <a:sym typeface="Arial" panose="020B0604020202020204"/>
               </a:defRPr>
             </a:lvl6pPr>
             <a:lvl7pPr marL="3200400" marR="0" lvl="6" indent="-342900" algn="l" rtl="0">
@@ -6648,10 +6647,10 @@
                 <a:solidFill>
                   <a:schemeClr val="dk1"/>
                 </a:solidFill>
-                <a:latin typeface="Arial"/>
-                <a:ea typeface="Arial"/>
-                <a:cs typeface="Arial"/>
-                <a:sym typeface="Arial"/>
+                <a:latin typeface="Arial" panose="020B0604020202020204"/>
+                <a:ea typeface="Arial" panose="020B0604020202020204"/>
+                <a:cs typeface="Arial" panose="020B0604020202020204"/>
+                <a:sym typeface="Arial" panose="020B0604020202020204"/>
               </a:defRPr>
             </a:lvl7pPr>
             <a:lvl8pPr marL="3657600" marR="0" lvl="7" indent="-342900" algn="l" rtl="0">
@@ -6674,10 +6673,10 @@
                 <a:solidFill>
                   <a:schemeClr val="dk1"/>
                 </a:solidFill>
-                <a:latin typeface="Arial"/>
-                <a:ea typeface="Arial"/>
-                <a:cs typeface="Arial"/>
-                <a:sym typeface="Arial"/>
+                <a:latin typeface="Arial" panose="020B0604020202020204"/>
+                <a:ea typeface="Arial" panose="020B0604020202020204"/>
+                <a:cs typeface="Arial" panose="020B0604020202020204"/>
+                <a:sym typeface="Arial" panose="020B0604020202020204"/>
               </a:defRPr>
             </a:lvl8pPr>
             <a:lvl9pPr marL="4114800" marR="0" lvl="8" indent="-342900" algn="l" rtl="0">
@@ -6700,10 +6699,10 @@
                 <a:solidFill>
                   <a:schemeClr val="dk1"/>
                 </a:solidFill>
-                <a:latin typeface="Arial"/>
-                <a:ea typeface="Arial"/>
-                <a:cs typeface="Arial"/>
-                <a:sym typeface="Arial"/>
+                <a:latin typeface="Arial" panose="020B0604020202020204"/>
+                <a:ea typeface="Arial" panose="020B0604020202020204"/>
+                <a:cs typeface="Arial" panose="020B0604020202020204"/>
+                <a:sym typeface="Arial" panose="020B0604020202020204"/>
               </a:defRPr>
             </a:lvl9pPr>
           </a:lstStyle>
@@ -6727,8 +6726,8 @@
       <p:sp>
         <p:nvSpPr>
           <p:cNvPr id="3" name="Google Shape;84;p2"/>
-          <p:cNvSpPr txBox="true">
-            <a:spLocks noGrp="true"/>
+          <p:cNvSpPr txBox="1">
+            <a:spLocks noGrp="1"/>
           </p:cNvSpPr>
           <p:nvPr>
             <p:ph type="title"/>
@@ -6748,7 +6747,7 @@
           </a:ln>
         </p:spPr>
         <p:txBody>
-          <a:bodyPr spcFirstLastPara="1" wrap="square" lIns="103150" tIns="51575" rIns="103150" bIns="51575" anchor="ctr" anchorCtr="false">
+          <a:bodyPr spcFirstLastPara="1" wrap="square" lIns="103150" tIns="51575" rIns="103150" bIns="51575" anchor="ctr" anchorCtr="0">
             <a:noAutofit/>
           </a:bodyPr>
           <a:p>
@@ -6762,9 +6761,9 @@
             </a:r>
             <a:endParaRPr lang="pt-PT" altLang="pt-BR" sz="2800" b="1">
               <a:latin typeface="+mn-lt"/>
-              <a:ea typeface="Arial"/>
+              <a:ea typeface="Arial" panose="020B0604020202020204"/>
               <a:cs typeface="+mn-lt"/>
-              <a:sym typeface="Arial"/>
+              <a:sym typeface="Arial" panose="020B0604020202020204"/>
             </a:endParaRPr>
           </a:p>
         </p:txBody>
@@ -6773,7 +6772,7 @@
         <p:nvPicPr>
           <p:cNvPr id="2" name="Picture 1" descr="GriewangkTTESE"/>
           <p:cNvPicPr>
-            <a:picLocks noChangeAspect="true"/>
+            <a:picLocks noChangeAspect="1"/>
           </p:cNvPicPr>
           <p:nvPr/>
         </p:nvPicPr>
@@ -6816,11 +6815,11 @@
         <p:nvPicPr>
           <p:cNvPr id="12" name="Picture 2"/>
           <p:cNvPicPr>
-            <a:picLocks noChangeAspect="true"/>
+            <a:picLocks noChangeAspect="1"/>
           </p:cNvPicPr>
           <p:nvPr/>
         </p:nvPicPr>
-        <p:blipFill rotWithShape="true">
+        <p:blipFill rotWithShape="1">
           <a:blip r:embed="rId1"/>
           <a:srcRect t="79075"/>
           <a:stretch>
@@ -6845,11 +6844,11 @@
         <p:nvPicPr>
           <p:cNvPr id="11" name="Picture 2"/>
           <p:cNvPicPr>
-            <a:picLocks noChangeAspect="true"/>
+            <a:picLocks noChangeAspect="1"/>
           </p:cNvPicPr>
           <p:nvPr/>
         </p:nvPicPr>
-        <p:blipFill rotWithShape="true">
+        <p:blipFill rotWithShape="1">
           <a:blip r:embed="rId1"/>
           <a:srcRect l="17028" r="17508" b="19457"/>
           <a:stretch>
@@ -6874,7 +6873,7 @@
         <p:nvPicPr>
           <p:cNvPr id="10" name="Picture 9"/>
           <p:cNvPicPr>
-            <a:picLocks noChangeAspect="true"/>
+            <a:picLocks noChangeAspect="1"/>
           </p:cNvPicPr>
           <p:nvPr/>
         </p:nvPicPr>
@@ -6898,8 +6897,8 @@
       <p:sp>
         <p:nvSpPr>
           <p:cNvPr id="13" name="Google Shape;85;p2"/>
-          <p:cNvSpPr txBox="true">
-            <a:spLocks noGrp="true"/>
+          <p:cNvSpPr txBox="1">
+            <a:spLocks noGrp="1"/>
           </p:cNvSpPr>
           <p:nvPr/>
         </p:nvSpPr>
@@ -6917,7 +6916,7 @@
           </a:ln>
         </p:spPr>
         <p:txBody>
-          <a:bodyPr wrap="square" lIns="103150" tIns="51575" rIns="103150" bIns="51575" anchor="t" anchorCtr="false">
+          <a:bodyPr wrap="square" lIns="103150" tIns="51575" rIns="103150" bIns="51575" anchor="t" anchorCtr="0">
             <a:noAutofit/>
           </a:bodyPr>
           <a:lstStyle>
@@ -6952,10 +6951,10 @@
                 <a:solidFill>
                   <a:schemeClr val="dk1"/>
                 </a:solidFill>
-                <a:latin typeface="Arial"/>
-                <a:ea typeface="Arial"/>
-                <a:cs typeface="Arial"/>
-                <a:sym typeface="Arial"/>
+                <a:latin typeface="Arial" panose="020B0604020202020204"/>
+                <a:ea typeface="Arial" panose="020B0604020202020204"/>
+                <a:cs typeface="Arial" panose="020B0604020202020204"/>
+                <a:sym typeface="Arial" panose="020B0604020202020204"/>
               </a:defRPr>
             </a:lvl1pPr>
             <a:lvl2pPr marL="914400" marR="0" lvl="1" indent="-320040" algn="l" rtl="0">
@@ -6978,10 +6977,10 @@
                 <a:solidFill>
                   <a:schemeClr val="dk1"/>
                 </a:solidFill>
-                <a:latin typeface="Arial"/>
-                <a:ea typeface="Arial"/>
-                <a:cs typeface="Arial"/>
-                <a:sym typeface="Arial"/>
+                <a:latin typeface="Arial" panose="020B0604020202020204"/>
+                <a:ea typeface="Arial" panose="020B0604020202020204"/>
+                <a:cs typeface="Arial" panose="020B0604020202020204"/>
+                <a:sym typeface="Arial" panose="020B0604020202020204"/>
               </a:defRPr>
             </a:lvl2pPr>
             <a:lvl3pPr marL="1371600" marR="0" lvl="2" indent="-302895" algn="l" rtl="0">
@@ -7004,10 +7003,10 @@
                 <a:solidFill>
                   <a:schemeClr val="dk1"/>
                 </a:solidFill>
-                <a:latin typeface="Arial"/>
-                <a:ea typeface="Arial"/>
-                <a:cs typeface="Arial"/>
-                <a:sym typeface="Arial"/>
+                <a:latin typeface="Arial" panose="020B0604020202020204"/>
+                <a:ea typeface="Arial" panose="020B0604020202020204"/>
+                <a:cs typeface="Arial" panose="020B0604020202020204"/>
+                <a:sym typeface="Arial" panose="020B0604020202020204"/>
               </a:defRPr>
             </a:lvl3pPr>
             <a:lvl4pPr marL="1828800" marR="0" lvl="3" indent="-308610" algn="l" rtl="0">
@@ -7030,10 +7029,10 @@
                 <a:solidFill>
                   <a:schemeClr val="dk1"/>
                 </a:solidFill>
-                <a:latin typeface="Arial"/>
-                <a:ea typeface="Arial"/>
-                <a:cs typeface="Arial"/>
-                <a:sym typeface="Arial"/>
+                <a:latin typeface="Arial" panose="020B0604020202020204"/>
+                <a:ea typeface="Arial" panose="020B0604020202020204"/>
+                <a:cs typeface="Arial" panose="020B0604020202020204"/>
+                <a:sym typeface="Arial" panose="020B0604020202020204"/>
               </a:defRPr>
             </a:lvl4pPr>
             <a:lvl5pPr marL="2286000" marR="0" lvl="4" indent="-342900" algn="l" rtl="0">
@@ -7056,10 +7055,10 @@
                 <a:solidFill>
                   <a:schemeClr val="dk1"/>
                 </a:solidFill>
-                <a:latin typeface="Arial"/>
-                <a:ea typeface="Arial"/>
-                <a:cs typeface="Arial"/>
-                <a:sym typeface="Arial"/>
+                <a:latin typeface="Arial" panose="020B0604020202020204"/>
+                <a:ea typeface="Arial" panose="020B0604020202020204"/>
+                <a:cs typeface="Arial" panose="020B0604020202020204"/>
+                <a:sym typeface="Arial" panose="020B0604020202020204"/>
               </a:defRPr>
             </a:lvl5pPr>
             <a:lvl6pPr marL="2743200" marR="0" lvl="5" indent="-342900" algn="l" rtl="0">
@@ -7082,10 +7081,10 @@
                 <a:solidFill>
                   <a:schemeClr val="dk1"/>
                 </a:solidFill>
-                <a:latin typeface="Arial"/>
-                <a:ea typeface="Arial"/>
-                <a:cs typeface="Arial"/>
-                <a:sym typeface="Arial"/>
+                <a:latin typeface="Arial" panose="020B0604020202020204"/>
+                <a:ea typeface="Arial" panose="020B0604020202020204"/>
+                <a:cs typeface="Arial" panose="020B0604020202020204"/>
+                <a:sym typeface="Arial" panose="020B0604020202020204"/>
               </a:defRPr>
             </a:lvl6pPr>
             <a:lvl7pPr marL="3200400" marR="0" lvl="6" indent="-342900" algn="l" rtl="0">
@@ -7108,10 +7107,10 @@
                 <a:solidFill>
                   <a:schemeClr val="dk1"/>
                 </a:solidFill>
-                <a:latin typeface="Arial"/>
-                <a:ea typeface="Arial"/>
-                <a:cs typeface="Arial"/>
-                <a:sym typeface="Arial"/>
+                <a:latin typeface="Arial" panose="020B0604020202020204"/>
+                <a:ea typeface="Arial" panose="020B0604020202020204"/>
+                <a:cs typeface="Arial" panose="020B0604020202020204"/>
+                <a:sym typeface="Arial" panose="020B0604020202020204"/>
               </a:defRPr>
             </a:lvl7pPr>
             <a:lvl8pPr marL="3657600" marR="0" lvl="7" indent="-342900" algn="l" rtl="0">
@@ -7134,10 +7133,10 @@
                 <a:solidFill>
                   <a:schemeClr val="dk1"/>
                 </a:solidFill>
-                <a:latin typeface="Arial"/>
-                <a:ea typeface="Arial"/>
-                <a:cs typeface="Arial"/>
-                <a:sym typeface="Arial"/>
+                <a:latin typeface="Arial" panose="020B0604020202020204"/>
+                <a:ea typeface="Arial" panose="020B0604020202020204"/>
+                <a:cs typeface="Arial" panose="020B0604020202020204"/>
+                <a:sym typeface="Arial" panose="020B0604020202020204"/>
               </a:defRPr>
             </a:lvl8pPr>
             <a:lvl9pPr marL="4114800" marR="0" lvl="8" indent="-342900" algn="l" rtl="0">
@@ -7160,10 +7159,10 @@
                 <a:solidFill>
                   <a:schemeClr val="dk1"/>
                 </a:solidFill>
-                <a:latin typeface="Arial"/>
-                <a:ea typeface="Arial"/>
-                <a:cs typeface="Arial"/>
-                <a:sym typeface="Arial"/>
+                <a:latin typeface="Arial" panose="020B0604020202020204"/>
+                <a:ea typeface="Arial" panose="020B0604020202020204"/>
+                <a:cs typeface="Arial" panose="020B0604020202020204"/>
+                <a:sym typeface="Arial" panose="020B0604020202020204"/>
               </a:defRPr>
             </a:lvl9pPr>
           </a:lstStyle>
@@ -7203,8 +7202,8 @@
       <p:sp>
         <p:nvSpPr>
           <p:cNvPr id="3" name="Google Shape;84;p2"/>
-          <p:cNvSpPr txBox="true">
-            <a:spLocks noGrp="true"/>
+          <p:cNvSpPr txBox="1">
+            <a:spLocks noGrp="1"/>
           </p:cNvSpPr>
           <p:nvPr>
             <p:ph type="title"/>
@@ -7224,7 +7223,7 @@
           </a:ln>
         </p:spPr>
         <p:txBody>
-          <a:bodyPr spcFirstLastPara="1" wrap="square" lIns="103150" tIns="51575" rIns="103150" bIns="51575" anchor="ctr" anchorCtr="false">
+          <a:bodyPr spcFirstLastPara="1" wrap="square" lIns="103150" tIns="51575" rIns="103150" bIns="51575" anchor="ctr" anchorCtr="0">
             <a:noAutofit/>
           </a:bodyPr>
           <a:p>
@@ -7238,9 +7237,9 @@
             </a:r>
             <a:endParaRPr lang="pt-PT" altLang="pt-BR" sz="2800" b="1">
               <a:latin typeface="+mn-lt"/>
-              <a:ea typeface="Arial"/>
+              <a:ea typeface="Arial" panose="020B0604020202020204"/>
               <a:cs typeface="+mn-lt"/>
-              <a:sym typeface="Arial"/>
+              <a:sym typeface="Arial" panose="020B0604020202020204"/>
             </a:endParaRPr>
           </a:p>
         </p:txBody>
@@ -7249,7 +7248,7 @@
         <p:nvPicPr>
           <p:cNvPr id="2" name="Picture 1" descr="GriewangkTESE"/>
           <p:cNvPicPr>
-            <a:picLocks noChangeAspect="true"/>
+            <a:picLocks noChangeAspect="1"/>
           </p:cNvPicPr>
           <p:nvPr/>
         </p:nvPicPr>
@@ -7325,7 +7324,7 @@
         <p:nvPicPr>
           <p:cNvPr id="10" name="Picture 9"/>
           <p:cNvPicPr>
-            <a:picLocks noChangeAspect="true"/>
+            <a:picLocks noChangeAspect="1"/>
           </p:cNvPicPr>
           <p:nvPr/>
         </p:nvPicPr>
@@ -7349,8 +7348,8 @@
       <p:sp>
         <p:nvSpPr>
           <p:cNvPr id="13" name="Google Shape;85;p2"/>
-          <p:cNvSpPr txBox="true">
-            <a:spLocks noGrp="true"/>
+          <p:cNvSpPr txBox="1">
+            <a:spLocks noGrp="1"/>
           </p:cNvSpPr>
           <p:nvPr/>
         </p:nvSpPr>
@@ -7368,7 +7367,7 @@
           </a:ln>
         </p:spPr>
         <p:txBody>
-          <a:bodyPr wrap="square" lIns="103150" tIns="51575" rIns="103150" bIns="51575" anchor="t" anchorCtr="false">
+          <a:bodyPr wrap="square" lIns="103150" tIns="51575" rIns="103150" bIns="51575" anchor="t" anchorCtr="0">
             <a:noAutofit/>
           </a:bodyPr>
           <a:lstStyle>
@@ -7403,10 +7402,10 @@
                 <a:solidFill>
                   <a:schemeClr val="dk1"/>
                 </a:solidFill>
-                <a:latin typeface="Arial"/>
-                <a:ea typeface="Arial"/>
-                <a:cs typeface="Arial"/>
-                <a:sym typeface="Arial"/>
+                <a:latin typeface="Arial" panose="020B0604020202020204"/>
+                <a:ea typeface="Arial" panose="020B0604020202020204"/>
+                <a:cs typeface="Arial" panose="020B0604020202020204"/>
+                <a:sym typeface="Arial" panose="020B0604020202020204"/>
               </a:defRPr>
             </a:lvl1pPr>
             <a:lvl2pPr marL="914400" marR="0" lvl="1" indent="-320040" algn="l" rtl="0">
@@ -7429,10 +7428,10 @@
                 <a:solidFill>
                   <a:schemeClr val="dk1"/>
                 </a:solidFill>
-                <a:latin typeface="Arial"/>
-                <a:ea typeface="Arial"/>
-                <a:cs typeface="Arial"/>
-                <a:sym typeface="Arial"/>
+                <a:latin typeface="Arial" panose="020B0604020202020204"/>
+                <a:ea typeface="Arial" panose="020B0604020202020204"/>
+                <a:cs typeface="Arial" panose="020B0604020202020204"/>
+                <a:sym typeface="Arial" panose="020B0604020202020204"/>
               </a:defRPr>
             </a:lvl2pPr>
             <a:lvl3pPr marL="1371600" marR="0" lvl="2" indent="-302895" algn="l" rtl="0">
@@ -7455,10 +7454,10 @@
                 <a:solidFill>
                   <a:schemeClr val="dk1"/>
                 </a:solidFill>
-                <a:latin typeface="Arial"/>
-                <a:ea typeface="Arial"/>
-                <a:cs typeface="Arial"/>
-                <a:sym typeface="Arial"/>
+                <a:latin typeface="Arial" panose="020B0604020202020204"/>
+                <a:ea typeface="Arial" panose="020B0604020202020204"/>
+                <a:cs typeface="Arial" panose="020B0604020202020204"/>
+                <a:sym typeface="Arial" panose="020B0604020202020204"/>
               </a:defRPr>
             </a:lvl3pPr>
             <a:lvl4pPr marL="1828800" marR="0" lvl="3" indent="-308610" algn="l" rtl="0">
@@ -7481,10 +7480,10 @@
                 <a:solidFill>
                   <a:schemeClr val="dk1"/>
                 </a:solidFill>
-                <a:latin typeface="Arial"/>
-                <a:ea typeface="Arial"/>
-                <a:cs typeface="Arial"/>
-                <a:sym typeface="Arial"/>
+                <a:latin typeface="Arial" panose="020B0604020202020204"/>
+                <a:ea typeface="Arial" panose="020B0604020202020204"/>
+                <a:cs typeface="Arial" panose="020B0604020202020204"/>
+                <a:sym typeface="Arial" panose="020B0604020202020204"/>
               </a:defRPr>
             </a:lvl4pPr>
             <a:lvl5pPr marL="2286000" marR="0" lvl="4" indent="-342900" algn="l" rtl="0">
@@ -7507,10 +7506,10 @@
                 <a:solidFill>
                   <a:schemeClr val="dk1"/>
                 </a:solidFill>
-                <a:latin typeface="Arial"/>
-                <a:ea typeface="Arial"/>
-                <a:cs typeface="Arial"/>
-                <a:sym typeface="Arial"/>
+                <a:latin typeface="Arial" panose="020B0604020202020204"/>
+                <a:ea typeface="Arial" panose="020B0604020202020204"/>
+                <a:cs typeface="Arial" panose="020B0604020202020204"/>
+                <a:sym typeface="Arial" panose="020B0604020202020204"/>
               </a:defRPr>
             </a:lvl5pPr>
             <a:lvl6pPr marL="2743200" marR="0" lvl="5" indent="-342900" algn="l" rtl="0">
@@ -7533,10 +7532,10 @@
                 <a:solidFill>
                   <a:schemeClr val="dk1"/>
                 </a:solidFill>
-                <a:latin typeface="Arial"/>
-                <a:ea typeface="Arial"/>
-                <a:cs typeface="Arial"/>
-                <a:sym typeface="Arial"/>
+                <a:latin typeface="Arial" panose="020B0604020202020204"/>
+                <a:ea typeface="Arial" panose="020B0604020202020204"/>
+                <a:cs typeface="Arial" panose="020B0604020202020204"/>
+                <a:sym typeface="Arial" panose="020B0604020202020204"/>
               </a:defRPr>
             </a:lvl6pPr>
             <a:lvl7pPr marL="3200400" marR="0" lvl="6" indent="-342900" algn="l" rtl="0">
@@ -7559,10 +7558,10 @@
                 <a:solidFill>
                   <a:schemeClr val="dk1"/>
                 </a:solidFill>
-                <a:latin typeface="Arial"/>
-                <a:ea typeface="Arial"/>
-                <a:cs typeface="Arial"/>
-                <a:sym typeface="Arial"/>
+                <a:latin typeface="Arial" panose="020B0604020202020204"/>
+                <a:ea typeface="Arial" panose="020B0604020202020204"/>
+                <a:cs typeface="Arial" panose="020B0604020202020204"/>
+                <a:sym typeface="Arial" panose="020B0604020202020204"/>
               </a:defRPr>
             </a:lvl7pPr>
             <a:lvl8pPr marL="3657600" marR="0" lvl="7" indent="-342900" algn="l" rtl="0">
@@ -7585,10 +7584,10 @@
                 <a:solidFill>
                   <a:schemeClr val="dk1"/>
                 </a:solidFill>
-                <a:latin typeface="Arial"/>
-                <a:ea typeface="Arial"/>
-                <a:cs typeface="Arial"/>
-                <a:sym typeface="Arial"/>
+                <a:latin typeface="Arial" panose="020B0604020202020204"/>
+                <a:ea typeface="Arial" panose="020B0604020202020204"/>
+                <a:cs typeface="Arial" panose="020B0604020202020204"/>
+                <a:sym typeface="Arial" panose="020B0604020202020204"/>
               </a:defRPr>
             </a:lvl8pPr>
             <a:lvl9pPr marL="4114800" marR="0" lvl="8" indent="-342900" algn="l" rtl="0">
@@ -7611,10 +7610,10 @@
                 <a:solidFill>
                   <a:schemeClr val="dk1"/>
                 </a:solidFill>
-                <a:latin typeface="Arial"/>
-                <a:ea typeface="Arial"/>
-                <a:cs typeface="Arial"/>
-                <a:sym typeface="Arial"/>
+                <a:latin typeface="Arial" panose="020B0604020202020204"/>
+                <a:ea typeface="Arial" panose="020B0604020202020204"/>
+                <a:cs typeface="Arial" panose="020B0604020202020204"/>
+                <a:sym typeface="Arial" panose="020B0604020202020204"/>
               </a:defRPr>
             </a:lvl9pPr>
           </a:lstStyle>
@@ -7655,7 +7654,7 @@
         <p:nvPicPr>
           <p:cNvPr id="9" name="Imagem 8"/>
           <p:cNvPicPr>
-            <a:picLocks noChangeAspect="true"/>
+            <a:picLocks noChangeAspect="1"/>
           </p:cNvPicPr>
           <p:nvPr/>
         </p:nvPicPr>
@@ -7680,7 +7679,7 @@
         <p:nvPicPr>
           <p:cNvPr id="3" name="Picture 2" descr="Screenshot_20210118_205537"/>
           <p:cNvPicPr>
-            <a:picLocks noChangeAspect="true"/>
+            <a:picLocks noChangeAspect="1"/>
           </p:cNvPicPr>
           <p:nvPr/>
         </p:nvPicPr>
@@ -7703,8 +7702,8 @@
       <p:sp>
         <p:nvSpPr>
           <p:cNvPr id="2" name="Google Shape;84;p2"/>
-          <p:cNvSpPr txBox="true">
-            <a:spLocks noGrp="true"/>
+          <p:cNvSpPr txBox="1">
+            <a:spLocks noGrp="1"/>
           </p:cNvSpPr>
           <p:nvPr>
             <p:ph type="title"/>
@@ -7724,7 +7723,7 @@
           </a:ln>
         </p:spPr>
         <p:txBody>
-          <a:bodyPr spcFirstLastPara="1" wrap="square" lIns="103150" tIns="51575" rIns="103150" bIns="51575" anchor="ctr" anchorCtr="false">
+          <a:bodyPr spcFirstLastPara="1" wrap="square" lIns="103150" tIns="51575" rIns="103150" bIns="51575" anchor="ctr" anchorCtr="0">
             <a:noAutofit/>
           </a:bodyPr>
           <a:p>
@@ -7738,9 +7737,9 @@
             </a:r>
             <a:endParaRPr lang="pt-PT" altLang="pt-BR" sz="2800" b="1">
               <a:latin typeface="+mn-lt"/>
-              <a:ea typeface="Arial"/>
+              <a:ea typeface="Arial" panose="020B0604020202020204"/>
               <a:cs typeface="+mn-lt"/>
-              <a:sym typeface="Arial"/>
+              <a:sym typeface="Arial" panose="020B0604020202020204"/>
             </a:endParaRPr>
           </a:p>
         </p:txBody>
@@ -7807,7 +7806,7 @@
         <p:nvPicPr>
           <p:cNvPr id="10" name="Picture 9"/>
           <p:cNvPicPr>
-            <a:picLocks noChangeAspect="true"/>
+            <a:picLocks noChangeAspect="1"/>
           </p:cNvPicPr>
           <p:nvPr/>
         </p:nvPicPr>
@@ -7831,8 +7830,8 @@
       <p:sp>
         <p:nvSpPr>
           <p:cNvPr id="13" name="Google Shape;85;p2"/>
-          <p:cNvSpPr txBox="true">
-            <a:spLocks noGrp="true"/>
+          <p:cNvSpPr txBox="1">
+            <a:spLocks noGrp="1"/>
           </p:cNvSpPr>
           <p:nvPr/>
         </p:nvSpPr>
@@ -7850,7 +7849,7 @@
           </a:ln>
         </p:spPr>
         <p:txBody>
-          <a:bodyPr wrap="square" lIns="103150" tIns="51575" rIns="103150" bIns="51575" anchor="t" anchorCtr="false">
+          <a:bodyPr wrap="square" lIns="103150" tIns="51575" rIns="103150" bIns="51575" anchor="t" anchorCtr="0">
             <a:noAutofit/>
           </a:bodyPr>
           <a:lstStyle>
@@ -7885,10 +7884,10 @@
                 <a:solidFill>
                   <a:schemeClr val="dk1"/>
                 </a:solidFill>
-                <a:latin typeface="Arial"/>
-                <a:ea typeface="Arial"/>
-                <a:cs typeface="Arial"/>
-                <a:sym typeface="Arial"/>
+                <a:latin typeface="Arial" panose="020B0604020202020204"/>
+                <a:ea typeface="Arial" panose="020B0604020202020204"/>
+                <a:cs typeface="Arial" panose="020B0604020202020204"/>
+                <a:sym typeface="Arial" panose="020B0604020202020204"/>
               </a:defRPr>
             </a:lvl1pPr>
             <a:lvl2pPr marL="914400" marR="0" lvl="1" indent="-320040" algn="l" rtl="0">
@@ -7911,10 +7910,10 @@
                 <a:solidFill>
                   <a:schemeClr val="dk1"/>
                 </a:solidFill>
-                <a:latin typeface="Arial"/>
-                <a:ea typeface="Arial"/>
-                <a:cs typeface="Arial"/>
-                <a:sym typeface="Arial"/>
+                <a:latin typeface="Arial" panose="020B0604020202020204"/>
+                <a:ea typeface="Arial" panose="020B0604020202020204"/>
+                <a:cs typeface="Arial" panose="020B0604020202020204"/>
+                <a:sym typeface="Arial" panose="020B0604020202020204"/>
               </a:defRPr>
             </a:lvl2pPr>
             <a:lvl3pPr marL="1371600" marR="0" lvl="2" indent="-302895" algn="l" rtl="0">
@@ -7937,10 +7936,10 @@
                 <a:solidFill>
                   <a:schemeClr val="dk1"/>
                 </a:solidFill>
-                <a:latin typeface="Arial"/>
-                <a:ea typeface="Arial"/>
-                <a:cs typeface="Arial"/>
-                <a:sym typeface="Arial"/>
+                <a:latin typeface="Arial" panose="020B0604020202020204"/>
+                <a:ea typeface="Arial" panose="020B0604020202020204"/>
+                <a:cs typeface="Arial" panose="020B0604020202020204"/>
+                <a:sym typeface="Arial" panose="020B0604020202020204"/>
               </a:defRPr>
             </a:lvl3pPr>
             <a:lvl4pPr marL="1828800" marR="0" lvl="3" indent="-308610" algn="l" rtl="0">
@@ -7963,10 +7962,10 @@
                 <a:solidFill>
                   <a:schemeClr val="dk1"/>
                 </a:solidFill>
-                <a:latin typeface="Arial"/>
-                <a:ea typeface="Arial"/>
-                <a:cs typeface="Arial"/>
-                <a:sym typeface="Arial"/>
+                <a:latin typeface="Arial" panose="020B0604020202020204"/>
+                <a:ea typeface="Arial" panose="020B0604020202020204"/>
+                <a:cs typeface="Arial" panose="020B0604020202020204"/>
+                <a:sym typeface="Arial" panose="020B0604020202020204"/>
               </a:defRPr>
             </a:lvl4pPr>
             <a:lvl5pPr marL="2286000" marR="0" lvl="4" indent="-342900" algn="l" rtl="0">
@@ -7989,10 +7988,10 @@
                 <a:solidFill>
                   <a:schemeClr val="dk1"/>
                 </a:solidFill>
-                <a:latin typeface="Arial"/>
-                <a:ea typeface="Arial"/>
-                <a:cs typeface="Arial"/>
-                <a:sym typeface="Arial"/>
+                <a:latin typeface="Arial" panose="020B0604020202020204"/>
+                <a:ea typeface="Arial" panose="020B0604020202020204"/>
+                <a:cs typeface="Arial" panose="020B0604020202020204"/>
+                <a:sym typeface="Arial" panose="020B0604020202020204"/>
               </a:defRPr>
             </a:lvl5pPr>
             <a:lvl6pPr marL="2743200" marR="0" lvl="5" indent="-342900" algn="l" rtl="0">
@@ -8015,10 +8014,10 @@
                 <a:solidFill>
                   <a:schemeClr val="dk1"/>
                 </a:solidFill>
-                <a:latin typeface="Arial"/>
-                <a:ea typeface="Arial"/>
-                <a:cs typeface="Arial"/>
-                <a:sym typeface="Arial"/>
+                <a:latin typeface="Arial" panose="020B0604020202020204"/>
+                <a:ea typeface="Arial" panose="020B0604020202020204"/>
+                <a:cs typeface="Arial" panose="020B0604020202020204"/>
+                <a:sym typeface="Arial" panose="020B0604020202020204"/>
               </a:defRPr>
             </a:lvl6pPr>
             <a:lvl7pPr marL="3200400" marR="0" lvl="6" indent="-342900" algn="l" rtl="0">
@@ -8041,10 +8040,10 @@
                 <a:solidFill>
                   <a:schemeClr val="dk1"/>
                 </a:solidFill>
-                <a:latin typeface="Arial"/>
-                <a:ea typeface="Arial"/>
-                <a:cs typeface="Arial"/>
-                <a:sym typeface="Arial"/>
+                <a:latin typeface="Arial" panose="020B0604020202020204"/>
+                <a:ea typeface="Arial" panose="020B0604020202020204"/>
+                <a:cs typeface="Arial" panose="020B0604020202020204"/>
+                <a:sym typeface="Arial" panose="020B0604020202020204"/>
               </a:defRPr>
             </a:lvl7pPr>
             <a:lvl8pPr marL="3657600" marR="0" lvl="7" indent="-342900" algn="l" rtl="0">
@@ -8067,10 +8066,10 @@
                 <a:solidFill>
                   <a:schemeClr val="dk1"/>
                 </a:solidFill>
-                <a:latin typeface="Arial"/>
-                <a:ea typeface="Arial"/>
-                <a:cs typeface="Arial"/>
-                <a:sym typeface="Arial"/>
+                <a:latin typeface="Arial" panose="020B0604020202020204"/>
+                <a:ea typeface="Arial" panose="020B0604020202020204"/>
+                <a:cs typeface="Arial" panose="020B0604020202020204"/>
+                <a:sym typeface="Arial" panose="020B0604020202020204"/>
               </a:defRPr>
             </a:lvl8pPr>
             <a:lvl9pPr marL="4114800" marR="0" lvl="8" indent="-342900" algn="l" rtl="0">
@@ -8093,10 +8092,10 @@
                 <a:solidFill>
                   <a:schemeClr val="dk1"/>
                 </a:solidFill>
-                <a:latin typeface="Arial"/>
-                <a:ea typeface="Arial"/>
-                <a:cs typeface="Arial"/>
-                <a:sym typeface="Arial"/>
+                <a:latin typeface="Arial" panose="020B0604020202020204"/>
+                <a:ea typeface="Arial" panose="020B0604020202020204"/>
+                <a:cs typeface="Arial" panose="020B0604020202020204"/>
+                <a:sym typeface="Arial" panose="020B0604020202020204"/>
               </a:defRPr>
             </a:lvl9pPr>
           </a:lstStyle>
@@ -8118,8 +8117,8 @@
       <p:sp>
         <p:nvSpPr>
           <p:cNvPr id="84" name="Google Shape;84;p2"/>
-          <p:cNvSpPr txBox="true">
-            <a:spLocks noGrp="true"/>
+          <p:cNvSpPr txBox="1">
+            <a:spLocks noGrp="1"/>
           </p:cNvSpPr>
           <p:nvPr>
             <p:ph type="title"/>
@@ -8139,7 +8138,7 @@
           </a:ln>
         </p:spPr>
         <p:txBody>
-          <a:bodyPr spcFirstLastPara="1" wrap="square" lIns="103150" tIns="51575" rIns="103150" bIns="51575" anchor="ctr" anchorCtr="false">
+          <a:bodyPr spcFirstLastPara="1" wrap="square" lIns="103150" tIns="51575" rIns="103150" bIns="51575" anchor="ctr" anchorCtr="0">
             <a:noAutofit/>
           </a:bodyPr>
           <a:p>
@@ -8153,9 +8152,9 @@
             </a:r>
             <a:endParaRPr lang="pt-PT" altLang="pt-BR" sz="2800" b="1">
               <a:latin typeface="+mn-lt"/>
-              <a:ea typeface="Arial"/>
+              <a:ea typeface="Arial" panose="020B0604020202020204"/>
               <a:cs typeface="+mn-lt"/>
-              <a:sym typeface="Arial"/>
+              <a:sym typeface="Arial" panose="020B0604020202020204"/>
             </a:endParaRPr>
           </a:p>
         </p:txBody>
@@ -8164,7 +8163,7 @@
         <p:nvPicPr>
           <p:cNvPr id="3" name="Picture 2" descr="GriewangkNOVO"/>
           <p:cNvPicPr>
-            <a:picLocks noChangeAspect="true"/>
+            <a:picLocks noChangeAspect="1"/>
           </p:cNvPicPr>
           <p:nvPr/>
         </p:nvPicPr>
@@ -8189,7 +8188,7 @@
         <p:nvPicPr>
           <p:cNvPr id="2" name="Picture 1" descr="Screenshot_20210126_145709"/>
           <p:cNvPicPr>
-            <a:picLocks noChangeAspect="true"/>
+            <a:picLocks noChangeAspect="1"/>
           </p:cNvPicPr>
           <p:nvPr/>
         </p:nvPicPr>
@@ -8238,7 +8237,7 @@
         <p:nvPicPr>
           <p:cNvPr id="2" name="Picture 1" descr="Rastringin_Funcao"/>
           <p:cNvPicPr>
-            <a:picLocks noChangeAspect="true"/>
+            <a:picLocks noChangeAspect="1"/>
           </p:cNvPicPr>
           <p:nvPr/>
         </p:nvPicPr>
@@ -8262,7 +8261,7 @@
         <p:nvPicPr>
           <p:cNvPr id="10" name="Picture 9"/>
           <p:cNvPicPr>
-            <a:picLocks noChangeAspect="true"/>
+            <a:picLocks noChangeAspect="1"/>
           </p:cNvPicPr>
           <p:nvPr/>
         </p:nvPicPr>
@@ -8286,8 +8285,8 @@
       <p:sp>
         <p:nvSpPr>
           <p:cNvPr id="84" name="Google Shape;84;p2"/>
-          <p:cNvSpPr txBox="true">
-            <a:spLocks noGrp="true"/>
+          <p:cNvSpPr txBox="1">
+            <a:spLocks noGrp="1"/>
           </p:cNvSpPr>
           <p:nvPr>
             <p:ph type="title"/>
@@ -8307,7 +8306,7 @@
           </a:ln>
         </p:spPr>
         <p:txBody>
-          <a:bodyPr spcFirstLastPara="1" wrap="square" lIns="103150" tIns="51575" rIns="103150" bIns="51575" anchor="ctr" anchorCtr="false">
+          <a:bodyPr spcFirstLastPara="1" wrap="square" lIns="103150" tIns="51575" rIns="103150" bIns="51575" anchor="ctr" anchorCtr="0">
             <a:noAutofit/>
           </a:bodyPr>
           <a:p>
@@ -8321,9 +8320,9 @@
             </a:r>
             <a:endParaRPr lang="pt-PT" altLang="pt-BR" sz="2800" b="1">
               <a:latin typeface="+mn-lt"/>
-              <a:ea typeface="Arial"/>
+              <a:ea typeface="Arial" panose="020B0604020202020204"/>
               <a:cs typeface="+mn-lt"/>
-              <a:sym typeface="Arial"/>
+              <a:sym typeface="Arial" panose="020B0604020202020204"/>
             </a:endParaRPr>
           </a:p>
         </p:txBody>
@@ -8331,7 +8330,7 @@
       <p:sp>
         <p:nvSpPr>
           <p:cNvPr id="3" name="Text Box 2"/>
-          <p:cNvSpPr txBox="true"/>
+          <p:cNvSpPr txBox="1"/>
           <p:nvPr/>
         </p:nvSpPr>
         <p:spPr>
@@ -8363,7 +8362,7 @@
           <p:sp>
             <p:nvSpPr>
               <p:cNvPr id="9" name="Text Box 8"/>
-              <p:cNvSpPr txBox="true"/>
+              <p:cNvSpPr txBox="1"/>
               <p:nvPr/>
             </p:nvSpPr>
             <p:spPr>
@@ -8539,8 +8538,8 @@
           <p:sp>
             <p:nvSpPr>
               <p:cNvPr id="9" name="Text Box 8"/>
-              <p:cNvSpPr txBox="true">
-                <a:spLocks noRot="true" noChangeAspect="true" noMove="true" noResize="true" noEditPoints="true" noAdjustHandles="true" noChangeArrowheads="true" noChangeShapeType="true" noTextEdit="true"/>
+              <p:cNvSpPr txBox="1">
+                <a:spLocks noRot="1" noChangeAspect="1" noMove="1" noResize="1" noEditPoints="1" noAdjustHandles="1" noChangeArrowheads="1" noChangeShapeType="1" noTextEdit="1"/>
               </p:cNvSpPr>
               <p:nvPr/>
             </p:nvSpPr>
@@ -8552,7 +8551,7 @@
               <a:prstGeom prst="rect">
                 <a:avLst/>
               </a:prstGeom>
-              <a:blipFill rotWithShape="true">
+              <a:blipFill rotWithShape="1">
                 <a:blip r:embed="rId3"/>
                 <a:stretch>
                   <a:fillRect/>
@@ -8596,7 +8595,7 @@
         <p:nvPicPr>
           <p:cNvPr id="10" name="Picture 9"/>
           <p:cNvPicPr>
-            <a:picLocks noChangeAspect="true"/>
+            <a:picLocks noChangeAspect="1"/>
           </p:cNvPicPr>
           <p:nvPr/>
         </p:nvPicPr>
@@ -8620,8 +8619,8 @@
       <p:sp>
         <p:nvSpPr>
           <p:cNvPr id="84" name="Google Shape;84;p2"/>
-          <p:cNvSpPr txBox="true">
-            <a:spLocks noGrp="true"/>
+          <p:cNvSpPr txBox="1">
+            <a:spLocks noGrp="1"/>
           </p:cNvSpPr>
           <p:nvPr>
             <p:ph type="title"/>
@@ -8641,7 +8640,7 @@
           </a:ln>
         </p:spPr>
         <p:txBody>
-          <a:bodyPr spcFirstLastPara="1" wrap="square" lIns="103150" tIns="51575" rIns="103150" bIns="51575" anchor="ctr" anchorCtr="false">
+          <a:bodyPr spcFirstLastPara="1" wrap="square" lIns="103150" tIns="51575" rIns="103150" bIns="51575" anchor="ctr" anchorCtr="0">
             <a:noAutofit/>
           </a:bodyPr>
           <a:p>
@@ -8651,10 +8650,10 @@
               <a:t>Desenvolvimento</a:t>
             </a:r>
             <a:endParaRPr lang="pt-PT" altLang="pt-BR" sz="3200">
-              <a:latin typeface="Arial"/>
-              <a:ea typeface="Arial"/>
-              <a:cs typeface="Arial"/>
-              <a:sym typeface="Arial"/>
+              <a:latin typeface="Arial" panose="020B0604020202020204"/>
+              <a:ea typeface="Arial" panose="020B0604020202020204"/>
+              <a:cs typeface="Arial" panose="020B0604020202020204"/>
+              <a:sym typeface="Arial" panose="020B0604020202020204"/>
             </a:endParaRPr>
           </a:p>
         </p:txBody>
@@ -8664,8 +8663,8 @@
           <p:sp>
             <p:nvSpPr>
               <p:cNvPr id="13" name="Google Shape;85;p2"/>
-              <p:cNvSpPr txBox="true">
-                <a:spLocks noGrp="true"/>
+              <p:cNvSpPr txBox="1">
+                <a:spLocks noGrp="1"/>
               </p:cNvSpPr>
               <p:nvPr/>
             </p:nvSpPr>
@@ -8683,7 +8682,7 @@
               </a:ln>
             </p:spPr>
             <p:txBody>
-              <a:bodyPr wrap="square" lIns="103150" tIns="51575" rIns="103150" bIns="51575" anchor="t" anchorCtr="false">
+              <a:bodyPr wrap="square" lIns="103150" tIns="51575" rIns="103150" bIns="51575" anchor="t" anchorCtr="0">
                 <a:noAutofit/>
               </a:bodyPr>
               <a:lstStyle>
@@ -8718,10 +8717,10 @@
                     <a:solidFill>
                       <a:schemeClr val="dk1"/>
                     </a:solidFill>
-                    <a:latin typeface="Arial"/>
-                    <a:ea typeface="Arial"/>
-                    <a:cs typeface="Arial"/>
-                    <a:sym typeface="Arial"/>
+                    <a:latin typeface="Arial" panose="020B0604020202020204"/>
+                    <a:ea typeface="Arial" panose="020B0604020202020204"/>
+                    <a:cs typeface="Arial" panose="020B0604020202020204"/>
+                    <a:sym typeface="Arial" panose="020B0604020202020204"/>
                   </a:defRPr>
                 </a:lvl1pPr>
                 <a:lvl2pPr marL="914400" marR="0" lvl="1" indent="-320040" algn="l" rtl="0">
@@ -8744,10 +8743,10 @@
                     <a:solidFill>
                       <a:schemeClr val="dk1"/>
                     </a:solidFill>
-                    <a:latin typeface="Arial"/>
-                    <a:ea typeface="Arial"/>
-                    <a:cs typeface="Arial"/>
-                    <a:sym typeface="Arial"/>
+                    <a:latin typeface="Arial" panose="020B0604020202020204"/>
+                    <a:ea typeface="Arial" panose="020B0604020202020204"/>
+                    <a:cs typeface="Arial" panose="020B0604020202020204"/>
+                    <a:sym typeface="Arial" panose="020B0604020202020204"/>
                   </a:defRPr>
                 </a:lvl2pPr>
                 <a:lvl3pPr marL="1371600" marR="0" lvl="2" indent="-302895" algn="l" rtl="0">
@@ -8770,10 +8769,10 @@
                     <a:solidFill>
                       <a:schemeClr val="dk1"/>
                     </a:solidFill>
-                    <a:latin typeface="Arial"/>
-                    <a:ea typeface="Arial"/>
-                    <a:cs typeface="Arial"/>
-                    <a:sym typeface="Arial"/>
+                    <a:latin typeface="Arial" panose="020B0604020202020204"/>
+                    <a:ea typeface="Arial" panose="020B0604020202020204"/>
+                    <a:cs typeface="Arial" panose="020B0604020202020204"/>
+                    <a:sym typeface="Arial" panose="020B0604020202020204"/>
                   </a:defRPr>
                 </a:lvl3pPr>
                 <a:lvl4pPr marL="1828800" marR="0" lvl="3" indent="-308610" algn="l" rtl="0">
@@ -8796,10 +8795,10 @@
                     <a:solidFill>
                       <a:schemeClr val="dk1"/>
                     </a:solidFill>
-                    <a:latin typeface="Arial"/>
-                    <a:ea typeface="Arial"/>
-                    <a:cs typeface="Arial"/>
-                    <a:sym typeface="Arial"/>
+                    <a:latin typeface="Arial" panose="020B0604020202020204"/>
+                    <a:ea typeface="Arial" panose="020B0604020202020204"/>
+                    <a:cs typeface="Arial" panose="020B0604020202020204"/>
+                    <a:sym typeface="Arial" panose="020B0604020202020204"/>
                   </a:defRPr>
                 </a:lvl4pPr>
                 <a:lvl5pPr marL="2286000" marR="0" lvl="4" indent="-342900" algn="l" rtl="0">
@@ -8822,10 +8821,10 @@
                     <a:solidFill>
                       <a:schemeClr val="dk1"/>
                     </a:solidFill>
-                    <a:latin typeface="Arial"/>
-                    <a:ea typeface="Arial"/>
-                    <a:cs typeface="Arial"/>
-                    <a:sym typeface="Arial"/>
+                    <a:latin typeface="Arial" panose="020B0604020202020204"/>
+                    <a:ea typeface="Arial" panose="020B0604020202020204"/>
+                    <a:cs typeface="Arial" panose="020B0604020202020204"/>
+                    <a:sym typeface="Arial" panose="020B0604020202020204"/>
                   </a:defRPr>
                 </a:lvl5pPr>
                 <a:lvl6pPr marL="2743200" marR="0" lvl="5" indent="-342900" algn="l" rtl="0">
@@ -8848,10 +8847,10 @@
                     <a:solidFill>
                       <a:schemeClr val="dk1"/>
                     </a:solidFill>
-                    <a:latin typeface="Arial"/>
-                    <a:ea typeface="Arial"/>
-                    <a:cs typeface="Arial"/>
-                    <a:sym typeface="Arial"/>
+                    <a:latin typeface="Arial" panose="020B0604020202020204"/>
+                    <a:ea typeface="Arial" panose="020B0604020202020204"/>
+                    <a:cs typeface="Arial" panose="020B0604020202020204"/>
+                    <a:sym typeface="Arial" panose="020B0604020202020204"/>
                   </a:defRPr>
                 </a:lvl6pPr>
                 <a:lvl7pPr marL="3200400" marR="0" lvl="6" indent="-342900" algn="l" rtl="0">
@@ -8874,10 +8873,10 @@
                     <a:solidFill>
                       <a:schemeClr val="dk1"/>
                     </a:solidFill>
-                    <a:latin typeface="Arial"/>
-                    <a:ea typeface="Arial"/>
-                    <a:cs typeface="Arial"/>
-                    <a:sym typeface="Arial"/>
+                    <a:latin typeface="Arial" panose="020B0604020202020204"/>
+                    <a:ea typeface="Arial" panose="020B0604020202020204"/>
+                    <a:cs typeface="Arial" panose="020B0604020202020204"/>
+                    <a:sym typeface="Arial" panose="020B0604020202020204"/>
                   </a:defRPr>
                 </a:lvl7pPr>
                 <a:lvl8pPr marL="3657600" marR="0" lvl="7" indent="-342900" algn="l" rtl="0">
@@ -8900,10 +8899,10 @@
                     <a:solidFill>
                       <a:schemeClr val="dk1"/>
                     </a:solidFill>
-                    <a:latin typeface="Arial"/>
-                    <a:ea typeface="Arial"/>
-                    <a:cs typeface="Arial"/>
-                    <a:sym typeface="Arial"/>
+                    <a:latin typeface="Arial" panose="020B0604020202020204"/>
+                    <a:ea typeface="Arial" panose="020B0604020202020204"/>
+                    <a:cs typeface="Arial" panose="020B0604020202020204"/>
+                    <a:sym typeface="Arial" panose="020B0604020202020204"/>
                   </a:defRPr>
                 </a:lvl8pPr>
                 <a:lvl9pPr marL="4114800" marR="0" lvl="8" indent="-342900" algn="l" rtl="0">
@@ -8926,10 +8925,10 @@
                     <a:solidFill>
                       <a:schemeClr val="dk1"/>
                     </a:solidFill>
-                    <a:latin typeface="Arial"/>
-                    <a:ea typeface="Arial"/>
-                    <a:cs typeface="Arial"/>
-                    <a:sym typeface="Arial"/>
+                    <a:latin typeface="Arial" panose="020B0604020202020204"/>
+                    <a:ea typeface="Arial" panose="020B0604020202020204"/>
+                    <a:cs typeface="Arial" panose="020B0604020202020204"/>
+                    <a:sym typeface="Arial" panose="020B0604020202020204"/>
                   </a:defRPr>
                 </a:lvl9pPr>
               </a:lstStyle>
@@ -8939,7 +8938,7 @@
                     <a:spcPct val="150000"/>
                   </a:lnSpc>
                   <a:buSzPct val="200000"/>
-                  <a:buFont typeface="Arial" panose="02080604020202020204" pitchFamily="34" charset="0"/>
+                  <a:buFont typeface="Arial" panose="020B0604020202020204" pitchFamily="34" charset="0"/>
                   <a:buNone/>
                 </a:pPr>
                 <a:r>
@@ -8954,7 +8953,7 @@
                     <a:spcPct val="150000"/>
                   </a:lnSpc>
                   <a:buSzPct val="200000"/>
-                  <a:buFont typeface="Arial" panose="02080604020202020204" pitchFamily="34" charset="0"/>
+                  <a:buFont typeface="Arial" panose="020B0604020202020204" pitchFamily="34" charset="0"/>
                   <a:buChar char="•"/>
                 </a:pPr>
                 <a:r>
@@ -8981,7 +8980,7 @@
                     <a:spcPct val="150000"/>
                   </a:lnSpc>
                   <a:buSzPct val="200000"/>
-                  <a:buFont typeface="Arial" panose="02080604020202020204" pitchFamily="34" charset="0"/>
+                  <a:buFont typeface="Arial" panose="020B0604020202020204" pitchFamily="34" charset="0"/>
                   <a:buChar char="•"/>
                 </a:pPr>
                 <a:r>
@@ -9008,7 +9007,7 @@
                     <a:spcPct val="150000"/>
                   </a:lnSpc>
                   <a:buSzPct val="200000"/>
-                  <a:buFont typeface="Arial" panose="02080604020202020204" pitchFamily="34" charset="0"/>
+                  <a:buFont typeface="Arial" panose="020B0604020202020204" pitchFamily="34" charset="0"/>
                   <a:buChar char="•"/>
                 </a:pPr>
                 <a:r>
@@ -9039,7 +9038,7 @@
                     <a:spcPct val="150000"/>
                   </a:lnSpc>
                   <a:buSzPct val="200000"/>
-                  <a:buFont typeface="Arial" panose="02080604020202020204" pitchFamily="34" charset="0"/>
+                  <a:buFont typeface="Arial" panose="020B0604020202020204" pitchFamily="34" charset="0"/>
                   <a:buChar char="•"/>
                 </a:pPr>
                 <a:r>
@@ -9084,7 +9083,7 @@
                     <a:spcPct val="150000"/>
                   </a:lnSpc>
                   <a:buSzPct val="200000"/>
-                  <a:buFont typeface="Arial" panose="02080604020202020204" pitchFamily="34" charset="0"/>
+                  <a:buFont typeface="Arial" panose="020B0604020202020204" pitchFamily="34" charset="0"/>
                   <a:buChar char="•"/>
                 </a:pPr>
                 <a:endParaRPr lang="pt-PT" altLang="pt-BR" sz="2000" dirty="0"/>
@@ -9095,7 +9094,7 @@
                     <a:spcPct val="150000"/>
                   </a:lnSpc>
                   <a:buSzPct val="200000"/>
-                  <a:buFont typeface="Arial" panose="02080604020202020204" pitchFamily="34" charset="0"/>
+                  <a:buFont typeface="Arial" panose="020B0604020202020204" pitchFamily="34" charset="0"/>
                   <a:buNone/>
                 </a:pPr>
                 <a:r>
@@ -9110,7 +9109,7 @@
                     <a:spcPct val="150000"/>
                   </a:lnSpc>
                   <a:buSzPct val="200000"/>
-                  <a:buFont typeface="Arial" panose="02080604020202020204" pitchFamily="34" charset="0"/>
+                  <a:buFont typeface="Arial" panose="020B0604020202020204" pitchFamily="34" charset="0"/>
                   <a:buChar char="•"/>
                 </a:pPr>
                 <a:r>
@@ -9145,7 +9144,7 @@
                     <a:spcPct val="150000"/>
                   </a:lnSpc>
                   <a:buSzPct val="200000"/>
-                  <a:buFont typeface="Arial" panose="02080604020202020204" pitchFamily="34" charset="0"/>
+                  <a:buFont typeface="Arial" panose="020B0604020202020204" pitchFamily="34" charset="0"/>
                   <a:buChar char="•"/>
                 </a:pPr>
                 <a:r>
@@ -9189,8 +9188,8 @@
           <p:sp>
             <p:nvSpPr>
               <p:cNvPr id="13" name="Google Shape;85;p2"/>
-              <p:cNvSpPr txBox="true">
-                <a:spLocks noRot="true" noChangeAspect="true" noMove="true" noResize="true" noEditPoints="true" noAdjustHandles="true" noChangeArrowheads="true" noChangeShapeType="true" noTextEdit="true"/>
+              <p:cNvSpPr txBox="1">
+                <a:spLocks noRot="1" noChangeAspect="1" noMove="1" noResize="1" noEditPoints="1" noAdjustHandles="1" noChangeArrowheads="1" noChangeShapeType="1" noTextEdit="1"/>
               </p:cNvSpPr>
               <p:nvPr/>
             </p:nvSpPr>
@@ -9202,7 +9201,7 @@
               <a:prstGeom prst="rect">
                 <a:avLst/>
               </a:prstGeom>
-              <a:blipFill rotWithShape="true">
+              <a:blipFill rotWithShape="1">
                 <a:blip r:embed="rId2"/>
                 <a:stretch>
                   <a:fillRect b="-15395"/>
@@ -9231,7 +9230,7 @@
         <p:nvPicPr>
           <p:cNvPr id="14" name="Picture 13"/>
           <p:cNvPicPr>
-            <a:picLocks noChangeAspect="true"/>
+            <a:picLocks noChangeAspect="1"/>
           </p:cNvPicPr>
           <p:nvPr/>
         </p:nvPicPr>
@@ -9306,7 +9305,7 @@
         <p:nvPicPr>
           <p:cNvPr id="10" name="Picture 9"/>
           <p:cNvPicPr>
-            <a:picLocks noChangeAspect="true"/>
+            <a:picLocks noChangeAspect="1"/>
           </p:cNvPicPr>
           <p:nvPr/>
         </p:nvPicPr>
@@ -9327,141 +9326,13 @@
           </a:prstGeom>
         </p:spPr>
       </p:pic>
-      <p:sp>
-        <p:nvSpPr>
-          <p:cNvPr id="84" name="Google Shape;84;p2"/>
-          <p:cNvSpPr txBox="true">
-            <a:spLocks noGrp="true"/>
-          </p:cNvSpPr>
-          <p:nvPr>
-            <p:ph type="title"/>
-          </p:nvPr>
-        </p:nvSpPr>
-        <p:spPr>
-          <a:xfrm>
-            <a:off x="1675130" y="116840"/>
-            <a:ext cx="8841105" cy="603885"/>
-          </a:xfrm>
-          <a:prstGeom prst="rect">
-            <a:avLst/>
-          </a:prstGeom>
-          <a:noFill/>
-          <a:ln>
-            <a:noFill/>
-          </a:ln>
-        </p:spPr>
-        <p:txBody>
-          <a:bodyPr spcFirstLastPara="1" wrap="square" lIns="103150" tIns="51575" rIns="103150" bIns="51575" anchor="ctr" anchorCtr="false">
-            <a:noAutofit/>
-          </a:bodyPr>
-          <a:p>
-            <a:pPr algn="ctr"/>
-            <a:r>
-              <a:rPr lang="pt-PT" altLang="pt-BR" sz="2800" b="1">
-                <a:latin typeface="+mn-lt"/>
-                <a:cs typeface="+mn-lt"/>
-              </a:rPr>
-              <a:t>Restringin</a:t>
-            </a:r>
-            <a:endParaRPr lang="pt-PT" altLang="pt-BR" sz="2800" b="1">
-              <a:latin typeface="+mn-lt"/>
-              <a:ea typeface="Arial"/>
-              <a:cs typeface="+mn-lt"/>
-              <a:sym typeface="Arial"/>
-            </a:endParaRPr>
-          </a:p>
-        </p:txBody>
-      </p:sp>
-    </p:spTree>
-  </p:cSld>
-  <p:clrMapOvr>
-    <a:masterClrMapping/>
-  </p:clrMapOvr>
-  <p:timing>
-    <p:tnLst>
-      <p:par>
-        <p:cTn id="1" dur="indefinite" restart="never" nodeType="tmRoot"/>
-      </p:par>
-    </p:tnLst>
-  </p:timing>
-</p:sld>
-</file>
-
-<file path=ppt/slides/slide21.xml><?xml version="1.0" encoding="utf-8"?>
-<p:sld xmlns:a="http://schemas.openxmlformats.org/drawingml/2006/main" xmlns:r="http://schemas.openxmlformats.org/officeDocument/2006/relationships" xmlns:p="http://schemas.openxmlformats.org/presentationml/2006/main">
-  <p:cSld>
-    <p:spTree>
-      <p:nvGrpSpPr>
-        <p:cNvPr id="1" name=""/>
-        <p:cNvGrpSpPr/>
-        <p:nvPr/>
-      </p:nvGrpSpPr>
-      <p:grpSpPr/>
-      <p:sp>
-        <p:nvSpPr>
-          <p:cNvPr id="7" name="Subtitle 6"/>
-          <p:cNvSpPr/>
-          <p:nvPr>
-            <p:ph type="subTitle" idx="1"/>
-          </p:nvPr>
-        </p:nvSpPr>
-        <p:spPr>
-          <a:xfrm>
-            <a:off x="2760980" y="3771265"/>
-            <a:ext cx="7456170" cy="617220"/>
-          </a:xfrm>
-        </p:spPr>
-        <p:txBody>
-          <a:bodyPr/>
-          <a:p>
-            <a:r>
-              <a:rPr lang="pt-PT" altLang="en-US" sz="2400">
-                <a:solidFill>
-                  <a:schemeClr val="bg1"/>
-                </a:solidFill>
-              </a:rPr>
-              <a:t>Leonardo Becker da Luz</a:t>
-            </a:r>
-            <a:endParaRPr lang="pt-PT" altLang="en-US" sz="2400">
-              <a:solidFill>
-                <a:schemeClr val="bg1"/>
-              </a:solidFill>
-            </a:endParaRPr>
-          </a:p>
-        </p:txBody>
-      </p:sp>
-      <p:pic>
-        <p:nvPicPr>
-          <p:cNvPr id="10" name="Picture 9"/>
-          <p:cNvPicPr>
-            <a:picLocks noChangeAspect="true"/>
-          </p:cNvPicPr>
-          <p:nvPr/>
-        </p:nvPicPr>
-        <p:blipFill>
-          <a:blip r:embed="rId1"/>
-          <a:srcRect b="5928"/>
-          <a:stretch>
-            <a:fillRect/>
-          </a:stretch>
-        </p:blipFill>
-        <p:spPr>
-          <a:xfrm>
-            <a:off x="635" y="-19685"/>
-            <a:ext cx="723900" cy="6872605"/>
-          </a:xfrm>
-          <a:prstGeom prst="rect">
-            <a:avLst/>
-          </a:prstGeom>
-        </p:spPr>
-      </p:pic>
       <mc:AlternateContent xmlns:mc="http://schemas.openxmlformats.org/markup-compatibility/2006">
         <mc:Choice xmlns:a14="http://schemas.microsoft.com/office/drawing/2010/main" Requires="a14">
           <p:sp>
             <p:nvSpPr>
               <p:cNvPr id="13" name="Google Shape;85;p2"/>
-              <p:cNvSpPr txBox="true">
-                <a:spLocks noGrp="true"/>
+              <p:cNvSpPr txBox="1">
+                <a:spLocks noGrp="1"/>
               </p:cNvSpPr>
               <p:nvPr/>
             </p:nvSpPr>
@@ -9479,7 +9350,7 @@
               </a:ln>
             </p:spPr>
             <p:txBody>
-              <a:bodyPr wrap="square" lIns="103150" tIns="51575" rIns="103150" bIns="51575" anchor="t" anchorCtr="false">
+              <a:bodyPr wrap="square" lIns="103150" tIns="51575" rIns="103150" bIns="51575" anchor="t" anchorCtr="0">
                 <a:noAutofit/>
               </a:bodyPr>
               <a:lstStyle>
@@ -9514,10 +9385,10 @@
                     <a:solidFill>
                       <a:schemeClr val="dk1"/>
                     </a:solidFill>
-                    <a:latin typeface="Arial"/>
-                    <a:ea typeface="Arial"/>
-                    <a:cs typeface="Arial"/>
-                    <a:sym typeface="Arial"/>
+                    <a:latin typeface="Arial" panose="020B0604020202020204"/>
+                    <a:ea typeface="Arial" panose="020B0604020202020204"/>
+                    <a:cs typeface="Arial" panose="020B0604020202020204"/>
+                    <a:sym typeface="Arial" panose="020B0604020202020204"/>
                   </a:defRPr>
                 </a:lvl1pPr>
                 <a:lvl2pPr marL="914400" marR="0" lvl="1" indent="-320040" algn="l" rtl="0">
@@ -9540,10 +9411,10 @@
                     <a:solidFill>
                       <a:schemeClr val="dk1"/>
                     </a:solidFill>
-                    <a:latin typeface="Arial"/>
-                    <a:ea typeface="Arial"/>
-                    <a:cs typeface="Arial"/>
-                    <a:sym typeface="Arial"/>
+                    <a:latin typeface="Arial" panose="020B0604020202020204"/>
+                    <a:ea typeface="Arial" panose="020B0604020202020204"/>
+                    <a:cs typeface="Arial" panose="020B0604020202020204"/>
+                    <a:sym typeface="Arial" panose="020B0604020202020204"/>
                   </a:defRPr>
                 </a:lvl2pPr>
                 <a:lvl3pPr marL="1371600" marR="0" lvl="2" indent="-302895" algn="l" rtl="0">
@@ -9566,10 +9437,10 @@
                     <a:solidFill>
                       <a:schemeClr val="dk1"/>
                     </a:solidFill>
-                    <a:latin typeface="Arial"/>
-                    <a:ea typeface="Arial"/>
-                    <a:cs typeface="Arial"/>
-                    <a:sym typeface="Arial"/>
+                    <a:latin typeface="Arial" panose="020B0604020202020204"/>
+                    <a:ea typeface="Arial" panose="020B0604020202020204"/>
+                    <a:cs typeface="Arial" panose="020B0604020202020204"/>
+                    <a:sym typeface="Arial" panose="020B0604020202020204"/>
                   </a:defRPr>
                 </a:lvl3pPr>
                 <a:lvl4pPr marL="1828800" marR="0" lvl="3" indent="-308610" algn="l" rtl="0">
@@ -9592,10 +9463,10 @@
                     <a:solidFill>
                       <a:schemeClr val="dk1"/>
                     </a:solidFill>
-                    <a:latin typeface="Arial"/>
-                    <a:ea typeface="Arial"/>
-                    <a:cs typeface="Arial"/>
-                    <a:sym typeface="Arial"/>
+                    <a:latin typeface="Arial" panose="020B0604020202020204"/>
+                    <a:ea typeface="Arial" panose="020B0604020202020204"/>
+                    <a:cs typeface="Arial" panose="020B0604020202020204"/>
+                    <a:sym typeface="Arial" panose="020B0604020202020204"/>
                   </a:defRPr>
                 </a:lvl4pPr>
                 <a:lvl5pPr marL="2286000" marR="0" lvl="4" indent="-342900" algn="l" rtl="0">
@@ -9618,10 +9489,10 @@
                     <a:solidFill>
                       <a:schemeClr val="dk1"/>
                     </a:solidFill>
-                    <a:latin typeface="Arial"/>
-                    <a:ea typeface="Arial"/>
-                    <a:cs typeface="Arial"/>
-                    <a:sym typeface="Arial"/>
+                    <a:latin typeface="Arial" panose="020B0604020202020204"/>
+                    <a:ea typeface="Arial" panose="020B0604020202020204"/>
+                    <a:cs typeface="Arial" panose="020B0604020202020204"/>
+                    <a:sym typeface="Arial" panose="020B0604020202020204"/>
                   </a:defRPr>
                 </a:lvl5pPr>
                 <a:lvl6pPr marL="2743200" marR="0" lvl="5" indent="-342900" algn="l" rtl="0">
@@ -9644,10 +9515,10 @@
                     <a:solidFill>
                       <a:schemeClr val="dk1"/>
                     </a:solidFill>
-                    <a:latin typeface="Arial"/>
-                    <a:ea typeface="Arial"/>
-                    <a:cs typeface="Arial"/>
-                    <a:sym typeface="Arial"/>
+                    <a:latin typeface="Arial" panose="020B0604020202020204"/>
+                    <a:ea typeface="Arial" panose="020B0604020202020204"/>
+                    <a:cs typeface="Arial" panose="020B0604020202020204"/>
+                    <a:sym typeface="Arial" panose="020B0604020202020204"/>
                   </a:defRPr>
                 </a:lvl6pPr>
                 <a:lvl7pPr marL="3200400" marR="0" lvl="6" indent="-342900" algn="l" rtl="0">
@@ -9670,10 +9541,10 @@
                     <a:solidFill>
                       <a:schemeClr val="dk1"/>
                     </a:solidFill>
-                    <a:latin typeface="Arial"/>
-                    <a:ea typeface="Arial"/>
-                    <a:cs typeface="Arial"/>
-                    <a:sym typeface="Arial"/>
+                    <a:latin typeface="Arial" panose="020B0604020202020204"/>
+                    <a:ea typeface="Arial" panose="020B0604020202020204"/>
+                    <a:cs typeface="Arial" panose="020B0604020202020204"/>
+                    <a:sym typeface="Arial" panose="020B0604020202020204"/>
                   </a:defRPr>
                 </a:lvl7pPr>
                 <a:lvl8pPr marL="3657600" marR="0" lvl="7" indent="-342900" algn="l" rtl="0">
@@ -9696,10 +9567,10 @@
                     <a:solidFill>
                       <a:schemeClr val="dk1"/>
                     </a:solidFill>
-                    <a:latin typeface="Arial"/>
-                    <a:ea typeface="Arial"/>
-                    <a:cs typeface="Arial"/>
-                    <a:sym typeface="Arial"/>
+                    <a:latin typeface="Arial" panose="020B0604020202020204"/>
+                    <a:ea typeface="Arial" panose="020B0604020202020204"/>
+                    <a:cs typeface="Arial" panose="020B0604020202020204"/>
+                    <a:sym typeface="Arial" panose="020B0604020202020204"/>
                   </a:defRPr>
                 </a:lvl8pPr>
                 <a:lvl9pPr marL="4114800" marR="0" lvl="8" indent="-342900" algn="l" rtl="0">
@@ -9722,10 +9593,10 @@
                     <a:solidFill>
                       <a:schemeClr val="dk1"/>
                     </a:solidFill>
-                    <a:latin typeface="Arial"/>
-                    <a:ea typeface="Arial"/>
-                    <a:cs typeface="Arial"/>
-                    <a:sym typeface="Arial"/>
+                    <a:latin typeface="Arial" panose="020B0604020202020204"/>
+                    <a:ea typeface="Arial" panose="020B0604020202020204"/>
+                    <a:cs typeface="Arial" panose="020B0604020202020204"/>
+                    <a:sym typeface="Arial" panose="020B0604020202020204"/>
                   </a:defRPr>
                 </a:lvl9pPr>
               </a:lstStyle>
@@ -9775,8 +9646,8 @@
           <p:sp>
             <p:nvSpPr>
               <p:cNvPr id="13" name="Google Shape;85;p2"/>
-              <p:cNvSpPr txBox="true">
-                <a:spLocks noRot="true" noChangeAspect="true" noMove="true" noResize="true" noEditPoints="true" noAdjustHandles="true" noChangeArrowheads="true" noChangeShapeType="true" noTextEdit="true"/>
+              <p:cNvSpPr txBox="1">
+                <a:spLocks noRot="1" noChangeAspect="1" noMove="1" noResize="1" noEditPoints="1" noAdjustHandles="1" noChangeArrowheads="1" noChangeShapeType="1" noTextEdit="1"/>
               </p:cNvSpPr>
               <p:nvPr/>
             </p:nvSpPr>
@@ -9788,7 +9659,7 @@
               <a:prstGeom prst="rect">
                 <a:avLst/>
               </a:prstGeom>
-              <a:blipFill rotWithShape="true">
+              <a:blipFill rotWithShape="1">
                 <a:blip r:embed="rId2"/>
                 <a:stretch>
                   <a:fillRect/>
@@ -9817,7 +9688,7 @@
         <p:nvPicPr>
           <p:cNvPr id="2" name="Picture 1"/>
           <p:cNvPicPr>
-            <a:picLocks noChangeAspect="true"/>
+            <a:picLocks noChangeAspect="1"/>
           </p:cNvPicPr>
           <p:nvPr/>
         </p:nvPicPr>
@@ -9841,7 +9712,7 @@
         <p:nvPicPr>
           <p:cNvPr id="4" name="Picture 3"/>
           <p:cNvPicPr>
-            <a:picLocks noChangeAspect="true"/>
+            <a:picLocks noChangeAspect="1"/>
           </p:cNvPicPr>
           <p:nvPr/>
         </p:nvPicPr>
@@ -9865,7 +9736,7 @@
         <p:nvPicPr>
           <p:cNvPr id="12" name="Picture 11" descr="Picture1"/>
           <p:cNvPicPr>
-            <a:picLocks noChangeAspect="true"/>
+            <a:picLocks noChangeAspect="1"/>
           </p:cNvPicPr>
           <p:nvPr/>
         </p:nvPicPr>
@@ -9889,8 +9760,8 @@
       <p:sp>
         <p:nvSpPr>
           <p:cNvPr id="5" name="Google Shape;84;p2"/>
-          <p:cNvSpPr txBox="true">
-            <a:spLocks noGrp="true"/>
+          <p:cNvSpPr txBox="1">
+            <a:spLocks noGrp="1"/>
           </p:cNvSpPr>
           <p:nvPr/>
         </p:nvSpPr>
@@ -9908,7 +9779,7 @@
           </a:ln>
         </p:spPr>
         <p:txBody>
-          <a:bodyPr vert="horz" wrap="square" lIns="103150" tIns="51575" rIns="103150" bIns="51575" rtlCol="0" anchor="ctr" anchorCtr="false">
+          <a:bodyPr vert="horz" wrap="square" lIns="103150" tIns="51575" rIns="103150" bIns="51575" rtlCol="0" anchor="ctr" anchorCtr="0">
             <a:noAutofit/>
           </a:bodyPr>
           <a:lstStyle>
@@ -9944,11 +9815,836 @@
               <a:t>Reprodução de Resultados da Dissertação</a:t>
             </a:r>
             <a:endParaRPr lang="pt-PT" altLang="pt-BR" sz="3200">
-              <a:latin typeface="Arial"/>
-              <a:ea typeface="Arial"/>
-              <a:cs typeface="Arial"/>
-              <a:sym typeface="Arial"/>
+              <a:latin typeface="Arial" panose="020B0604020202020204"/>
+              <a:ea typeface="Arial" panose="020B0604020202020204"/>
+              <a:cs typeface="Arial" panose="020B0604020202020204"/>
+              <a:sym typeface="Arial" panose="020B0604020202020204"/>
             </a:endParaRPr>
+          </a:p>
+        </p:txBody>
+      </p:sp>
+    </p:spTree>
+  </p:cSld>
+  <p:clrMapOvr>
+    <a:masterClrMapping/>
+  </p:clrMapOvr>
+  <p:timing>
+    <p:tnLst>
+      <p:par>
+        <p:cTn id="1" dur="indefinite" restart="never" nodeType="tmRoot"/>
+      </p:par>
+    </p:tnLst>
+  </p:timing>
+</p:sld>
+</file>
+
+<file path=ppt/slides/slide21.xml><?xml version="1.0" encoding="utf-8"?>
+<p:sld xmlns:a="http://schemas.openxmlformats.org/drawingml/2006/main" xmlns:r="http://schemas.openxmlformats.org/officeDocument/2006/relationships" xmlns:p="http://schemas.openxmlformats.org/presentationml/2006/main">
+  <p:cSld>
+    <p:spTree>
+      <p:nvGrpSpPr>
+        <p:cNvPr id="1" name=""/>
+        <p:cNvGrpSpPr/>
+        <p:nvPr/>
+      </p:nvGrpSpPr>
+      <p:grpSpPr/>
+      <p:pic>
+        <p:nvPicPr>
+          <p:cNvPr id="10" name="Picture 9"/>
+          <p:cNvPicPr>
+            <a:picLocks noChangeAspect="1"/>
+          </p:cNvPicPr>
+          <p:nvPr/>
+        </p:nvPicPr>
+        <p:blipFill>
+          <a:blip r:embed="rId1"/>
+          <a:srcRect b="5928"/>
+          <a:stretch>
+            <a:fillRect/>
+          </a:stretch>
+        </p:blipFill>
+        <p:spPr>
+          <a:xfrm>
+            <a:off x="635" y="-19685"/>
+            <a:ext cx="723900" cy="6872605"/>
+          </a:xfrm>
+          <a:prstGeom prst="rect">
+            <a:avLst/>
+          </a:prstGeom>
+        </p:spPr>
+      </p:pic>
+      <p:sp>
+        <p:nvSpPr>
+          <p:cNvPr id="84" name="Google Shape;84;p2"/>
+          <p:cNvSpPr txBox="1">
+            <a:spLocks noGrp="1"/>
+          </p:cNvSpPr>
+          <p:nvPr>
+            <p:ph type="title"/>
+          </p:nvPr>
+        </p:nvSpPr>
+        <p:spPr>
+          <a:xfrm>
+            <a:off x="1624330" y="149860"/>
+            <a:ext cx="8229600" cy="1209675"/>
+          </a:xfrm>
+          <a:prstGeom prst="rect">
+            <a:avLst/>
+          </a:prstGeom>
+          <a:noFill/>
+          <a:ln>
+            <a:noFill/>
+          </a:ln>
+        </p:spPr>
+        <p:txBody>
+          <a:bodyPr spcFirstLastPara="1" wrap="square" lIns="103150" tIns="51575" rIns="103150" bIns="51575" anchor="ctr" anchorCtr="0">
+            <a:noAutofit/>
+          </a:bodyPr>
+          <a:p>
+            <a:pPr algn="ctr"/>
+            <a:r>
+              <a:rPr lang="pt-PT" altLang="pt-BR" sz="3200">
+                <a:sym typeface="+mn-ea"/>
+              </a:rPr>
+              <a:t>AGEOvar</a:t>
+            </a:r>
+            <a:endParaRPr lang="pt-PT" altLang="pt-BR" sz="3200">
+              <a:latin typeface="Arial" panose="020B0604020202020204"/>
+              <a:ea typeface="Arial" panose="020B0604020202020204"/>
+              <a:cs typeface="Arial" panose="020B0604020202020204"/>
+              <a:sym typeface="Arial" panose="020B0604020202020204"/>
+            </a:endParaRPr>
+          </a:p>
+        </p:txBody>
+      </p:sp>
+      <p:sp>
+        <p:nvSpPr>
+          <p:cNvPr id="13" name="Google Shape;85;p2"/>
+          <p:cNvSpPr txBox="1">
+            <a:spLocks noGrp="1"/>
+          </p:cNvSpPr>
+          <p:nvPr/>
+        </p:nvSpPr>
+        <p:spPr>
+          <a:xfrm>
+            <a:off x="565785" y="1146175"/>
+            <a:ext cx="10617200" cy="655955"/>
+          </a:xfrm>
+          <a:prstGeom prst="rect">
+            <a:avLst/>
+          </a:prstGeom>
+          <a:noFill/>
+          <a:ln>
+            <a:noFill/>
+          </a:ln>
+        </p:spPr>
+        <p:txBody>
+          <a:bodyPr wrap="square" lIns="103150" tIns="51575" rIns="103150" bIns="51575" anchor="t" anchorCtr="0">
+            <a:noAutofit/>
+          </a:bodyPr>
+          <a:lstStyle>
+            <a:defPPr marR="0" lvl="0" algn="l" rtl="0">
+              <a:lnSpc>
+                <a:spcPct val="100000"/>
+              </a:lnSpc>
+              <a:spcBef>
+                <a:spcPts val="0"/>
+              </a:spcBef>
+              <a:spcAft>
+                <a:spcPts val="0"/>
+              </a:spcAft>
+            </a:defPPr>
+            <a:lvl1pPr marL="457200" marR="0" lvl="0" indent="-314325" algn="l" rtl="0">
+              <a:lnSpc>
+                <a:spcPct val="100000"/>
+              </a:lnSpc>
+              <a:spcBef>
+                <a:spcPts val="360"/>
+              </a:spcBef>
+              <a:spcAft>
+                <a:spcPts val="0"/>
+              </a:spcAft>
+              <a:buClr>
+                <a:schemeClr val="lt2"/>
+              </a:buClr>
+              <a:buSzPts val="1350"/>
+              <a:buFont typeface="Noto Sans Symbols" panose="020B0602040504020204"/>
+              <a:buChar char="■"/>
+              <a:defRPr sz="2700" b="0" i="0" u="none" strike="noStrike" cap="none">
+                <a:solidFill>
+                  <a:schemeClr val="dk1"/>
+                </a:solidFill>
+                <a:latin typeface="Arial" panose="020B0604020202020204"/>
+                <a:ea typeface="Arial" panose="020B0604020202020204"/>
+                <a:cs typeface="Arial" panose="020B0604020202020204"/>
+                <a:sym typeface="Arial" panose="020B0604020202020204"/>
+              </a:defRPr>
+            </a:lvl1pPr>
+            <a:lvl2pPr marL="914400" marR="0" lvl="1" indent="-320040" algn="l" rtl="0">
+              <a:lnSpc>
+                <a:spcPct val="100000"/>
+              </a:lnSpc>
+              <a:spcBef>
+                <a:spcPts val="360"/>
+              </a:spcBef>
+              <a:spcAft>
+                <a:spcPts val="0"/>
+              </a:spcAft>
+              <a:buClr>
+                <a:schemeClr val="accent2"/>
+              </a:buClr>
+              <a:buSzPts val="1440"/>
+              <a:buFont typeface="Noto Sans Symbols" panose="020B0602040504020204"/>
+              <a:buChar char="◻"/>
+              <a:defRPr sz="2300" b="0" i="0" u="none" strike="noStrike" cap="none">
+                <a:solidFill>
+                  <a:schemeClr val="dk1"/>
+                </a:solidFill>
+                <a:latin typeface="Arial" panose="020B0604020202020204"/>
+                <a:ea typeface="Arial" panose="020B0604020202020204"/>
+                <a:cs typeface="Arial" panose="020B0604020202020204"/>
+                <a:sym typeface="Arial" panose="020B0604020202020204"/>
+              </a:defRPr>
+            </a:lvl2pPr>
+            <a:lvl3pPr marL="1371600" marR="0" lvl="2" indent="-302895" algn="l" rtl="0">
+              <a:lnSpc>
+                <a:spcPct val="100000"/>
+              </a:lnSpc>
+              <a:spcBef>
+                <a:spcPts val="360"/>
+              </a:spcBef>
+              <a:spcAft>
+                <a:spcPts val="0"/>
+              </a:spcAft>
+              <a:buClr>
+                <a:schemeClr val="lt2"/>
+              </a:buClr>
+              <a:buSzPts val="1170"/>
+              <a:buFont typeface="Noto Sans Symbols" panose="020B0602040504020204"/>
+              <a:buChar char="■"/>
+              <a:defRPr sz="2300" b="0" i="0" u="none" strike="noStrike" cap="none">
+                <a:solidFill>
+                  <a:schemeClr val="dk1"/>
+                </a:solidFill>
+                <a:latin typeface="Arial" panose="020B0604020202020204"/>
+                <a:ea typeface="Arial" panose="020B0604020202020204"/>
+                <a:cs typeface="Arial" panose="020B0604020202020204"/>
+                <a:sym typeface="Arial" panose="020B0604020202020204"/>
+              </a:defRPr>
+            </a:lvl3pPr>
+            <a:lvl4pPr marL="1828800" marR="0" lvl="3" indent="-308610" algn="l" rtl="0">
+              <a:lnSpc>
+                <a:spcPct val="100000"/>
+              </a:lnSpc>
+              <a:spcBef>
+                <a:spcPts val="360"/>
+              </a:spcBef>
+              <a:spcAft>
+                <a:spcPts val="0"/>
+              </a:spcAft>
+              <a:buClr>
+                <a:schemeClr val="accent2"/>
+              </a:buClr>
+              <a:buSzPts val="1260"/>
+              <a:buFont typeface="Noto Sans Symbols" panose="020B0602040504020204"/>
+              <a:buChar char="◻"/>
+              <a:defRPr sz="1800" b="0" i="0" u="none" strike="noStrike" cap="none">
+                <a:solidFill>
+                  <a:schemeClr val="dk1"/>
+                </a:solidFill>
+                <a:latin typeface="Arial" panose="020B0604020202020204"/>
+                <a:ea typeface="Arial" panose="020B0604020202020204"/>
+                <a:cs typeface="Arial" panose="020B0604020202020204"/>
+                <a:sym typeface="Arial" panose="020B0604020202020204"/>
+              </a:defRPr>
+            </a:lvl4pPr>
+            <a:lvl5pPr marL="2286000" marR="0" lvl="4" indent="-342900" algn="l" rtl="0">
+              <a:lnSpc>
+                <a:spcPct val="100000"/>
+              </a:lnSpc>
+              <a:spcBef>
+                <a:spcPts val="360"/>
+              </a:spcBef>
+              <a:spcAft>
+                <a:spcPts val="0"/>
+              </a:spcAft>
+              <a:buClr>
+                <a:schemeClr val="lt2"/>
+              </a:buClr>
+              <a:buSzPts val="1800"/>
+              <a:buFont typeface="Noto Sans Symbols" panose="020B0602040504020204"/>
+              <a:buChar char="▪"/>
+              <a:defRPr sz="2300" b="0" i="0" u="none" strike="noStrike" cap="none">
+                <a:solidFill>
+                  <a:schemeClr val="dk1"/>
+                </a:solidFill>
+                <a:latin typeface="Arial" panose="020B0604020202020204"/>
+                <a:ea typeface="Arial" panose="020B0604020202020204"/>
+                <a:cs typeface="Arial" panose="020B0604020202020204"/>
+                <a:sym typeface="Arial" panose="020B0604020202020204"/>
+              </a:defRPr>
+            </a:lvl5pPr>
+            <a:lvl6pPr marL="2743200" marR="0" lvl="5" indent="-342900" algn="l" rtl="0">
+              <a:lnSpc>
+                <a:spcPct val="100000"/>
+              </a:lnSpc>
+              <a:spcBef>
+                <a:spcPts val="360"/>
+              </a:spcBef>
+              <a:spcAft>
+                <a:spcPts val="0"/>
+              </a:spcAft>
+              <a:buClr>
+                <a:schemeClr val="lt2"/>
+              </a:buClr>
+              <a:buSzPts val="1800"/>
+              <a:buFont typeface="Noto Sans Symbols" panose="020B0602040504020204"/>
+              <a:buChar char="▪"/>
+              <a:defRPr sz="2300" b="0" i="0" u="none" strike="noStrike" cap="none">
+                <a:solidFill>
+                  <a:schemeClr val="dk1"/>
+                </a:solidFill>
+                <a:latin typeface="Arial" panose="020B0604020202020204"/>
+                <a:ea typeface="Arial" panose="020B0604020202020204"/>
+                <a:cs typeface="Arial" panose="020B0604020202020204"/>
+                <a:sym typeface="Arial" panose="020B0604020202020204"/>
+              </a:defRPr>
+            </a:lvl6pPr>
+            <a:lvl7pPr marL="3200400" marR="0" lvl="6" indent="-342900" algn="l" rtl="0">
+              <a:lnSpc>
+                <a:spcPct val="100000"/>
+              </a:lnSpc>
+              <a:spcBef>
+                <a:spcPts val="360"/>
+              </a:spcBef>
+              <a:spcAft>
+                <a:spcPts val="0"/>
+              </a:spcAft>
+              <a:buClr>
+                <a:schemeClr val="lt2"/>
+              </a:buClr>
+              <a:buSzPts val="1800"/>
+              <a:buFont typeface="Noto Sans Symbols" panose="020B0602040504020204"/>
+              <a:buChar char="▪"/>
+              <a:defRPr sz="2300" b="0" i="0" u="none" strike="noStrike" cap="none">
+                <a:solidFill>
+                  <a:schemeClr val="dk1"/>
+                </a:solidFill>
+                <a:latin typeface="Arial" panose="020B0604020202020204"/>
+                <a:ea typeface="Arial" panose="020B0604020202020204"/>
+                <a:cs typeface="Arial" panose="020B0604020202020204"/>
+                <a:sym typeface="Arial" panose="020B0604020202020204"/>
+              </a:defRPr>
+            </a:lvl7pPr>
+            <a:lvl8pPr marL="3657600" marR="0" lvl="7" indent="-342900" algn="l" rtl="0">
+              <a:lnSpc>
+                <a:spcPct val="100000"/>
+              </a:lnSpc>
+              <a:spcBef>
+                <a:spcPts val="360"/>
+              </a:spcBef>
+              <a:spcAft>
+                <a:spcPts val="0"/>
+              </a:spcAft>
+              <a:buClr>
+                <a:schemeClr val="lt2"/>
+              </a:buClr>
+              <a:buSzPts val="1800"/>
+              <a:buFont typeface="Noto Sans Symbols" panose="020B0602040504020204"/>
+              <a:buChar char="▪"/>
+              <a:defRPr sz="2300" b="0" i="0" u="none" strike="noStrike" cap="none">
+                <a:solidFill>
+                  <a:schemeClr val="dk1"/>
+                </a:solidFill>
+                <a:latin typeface="Arial" panose="020B0604020202020204"/>
+                <a:ea typeface="Arial" panose="020B0604020202020204"/>
+                <a:cs typeface="Arial" panose="020B0604020202020204"/>
+                <a:sym typeface="Arial" panose="020B0604020202020204"/>
+              </a:defRPr>
+            </a:lvl8pPr>
+            <a:lvl9pPr marL="4114800" marR="0" lvl="8" indent="-342900" algn="l" rtl="0">
+              <a:lnSpc>
+                <a:spcPct val="100000"/>
+              </a:lnSpc>
+              <a:spcBef>
+                <a:spcPts val="360"/>
+              </a:spcBef>
+              <a:spcAft>
+                <a:spcPts val="0"/>
+              </a:spcAft>
+              <a:buClr>
+                <a:schemeClr val="lt2"/>
+              </a:buClr>
+              <a:buSzPts val="1800"/>
+              <a:buFont typeface="Noto Sans Symbols" panose="020B0602040504020204"/>
+              <a:buChar char="▪"/>
+              <a:defRPr sz="2300" b="0" i="0" u="none" strike="noStrike" cap="none">
+                <a:solidFill>
+                  <a:schemeClr val="dk1"/>
+                </a:solidFill>
+                <a:latin typeface="Arial" panose="020B0604020202020204"/>
+                <a:ea typeface="Arial" panose="020B0604020202020204"/>
+                <a:cs typeface="Arial" panose="020B0604020202020204"/>
+                <a:sym typeface="Arial" panose="020B0604020202020204"/>
+              </a:defRPr>
+            </a:lvl9pPr>
+          </a:lstStyle>
+          <a:p>
+            <a:pPr algn="just">
+              <a:lnSpc>
+                <a:spcPct val="150000"/>
+              </a:lnSpc>
+              <a:buSzPts val="750"/>
+            </a:pPr>
+            <a:r>
+              <a:rPr lang="pt-PT" altLang="pt-BR" sz="2400" dirty="0"/>
+              <a:t>União de aspectos dos AGEO1 e AGEO2 com o ranking e flip do GEOvar</a:t>
+            </a:r>
+            <a:endParaRPr lang="pt-PT" altLang="pt-BR" sz="1800" b="1" dirty="0"/>
+          </a:p>
+        </p:txBody>
+      </p:sp>
+      <p:sp>
+        <p:nvSpPr>
+          <p:cNvPr id="3" name="Google Shape;85;p2"/>
+          <p:cNvSpPr txBox="1">
+            <a:spLocks noGrp="1"/>
+          </p:cNvSpPr>
+          <p:nvPr/>
+        </p:nvSpPr>
+        <p:spPr>
+          <a:xfrm>
+            <a:off x="2140585" y="1802130"/>
+            <a:ext cx="7197090" cy="655955"/>
+          </a:xfrm>
+          <a:prstGeom prst="rect">
+            <a:avLst/>
+          </a:prstGeom>
+          <a:noFill/>
+          <a:ln>
+            <a:noFill/>
+          </a:ln>
+        </p:spPr>
+        <p:txBody>
+          <a:bodyPr wrap="square" lIns="103150" tIns="51575" rIns="103150" bIns="51575" anchor="t" anchorCtr="0">
+            <a:noAutofit/>
+          </a:bodyPr>
+          <a:lstStyle>
+            <a:defPPr marR="0" lvl="0" algn="l" rtl="0">
+              <a:lnSpc>
+                <a:spcPct val="100000"/>
+              </a:lnSpc>
+              <a:spcBef>
+                <a:spcPts val="0"/>
+              </a:spcBef>
+              <a:spcAft>
+                <a:spcPts val="0"/>
+              </a:spcAft>
+            </a:defPPr>
+            <a:lvl1pPr marL="457200" marR="0" lvl="0" indent="-314325" algn="l" rtl="0">
+              <a:lnSpc>
+                <a:spcPct val="100000"/>
+              </a:lnSpc>
+              <a:spcBef>
+                <a:spcPts val="360"/>
+              </a:spcBef>
+              <a:spcAft>
+                <a:spcPts val="0"/>
+              </a:spcAft>
+              <a:buClr>
+                <a:schemeClr val="lt2"/>
+              </a:buClr>
+              <a:buSzPts val="1350"/>
+              <a:buFont typeface="Noto Sans Symbols" panose="020B0602040504020204"/>
+              <a:buChar char="■"/>
+              <a:defRPr sz="2700" b="0" i="0" u="none" strike="noStrike" cap="none">
+                <a:solidFill>
+                  <a:schemeClr val="dk1"/>
+                </a:solidFill>
+                <a:latin typeface="Arial" panose="020B0604020202020204"/>
+                <a:ea typeface="Arial" panose="020B0604020202020204"/>
+                <a:cs typeface="Arial" panose="020B0604020202020204"/>
+                <a:sym typeface="Arial" panose="020B0604020202020204"/>
+              </a:defRPr>
+            </a:lvl1pPr>
+            <a:lvl2pPr marL="914400" marR="0" lvl="1" indent="-320040" algn="l" rtl="0">
+              <a:lnSpc>
+                <a:spcPct val="100000"/>
+              </a:lnSpc>
+              <a:spcBef>
+                <a:spcPts val="360"/>
+              </a:spcBef>
+              <a:spcAft>
+                <a:spcPts val="0"/>
+              </a:spcAft>
+              <a:buClr>
+                <a:schemeClr val="accent2"/>
+              </a:buClr>
+              <a:buSzPts val="1440"/>
+              <a:buFont typeface="Noto Sans Symbols" panose="020B0602040504020204"/>
+              <a:buChar char="◻"/>
+              <a:defRPr sz="2300" b="0" i="0" u="none" strike="noStrike" cap="none">
+                <a:solidFill>
+                  <a:schemeClr val="dk1"/>
+                </a:solidFill>
+                <a:latin typeface="Arial" panose="020B0604020202020204"/>
+                <a:ea typeface="Arial" panose="020B0604020202020204"/>
+                <a:cs typeface="Arial" panose="020B0604020202020204"/>
+                <a:sym typeface="Arial" panose="020B0604020202020204"/>
+              </a:defRPr>
+            </a:lvl2pPr>
+            <a:lvl3pPr marL="1371600" marR="0" lvl="2" indent="-302895" algn="l" rtl="0">
+              <a:lnSpc>
+                <a:spcPct val="100000"/>
+              </a:lnSpc>
+              <a:spcBef>
+                <a:spcPts val="360"/>
+              </a:spcBef>
+              <a:spcAft>
+                <a:spcPts val="0"/>
+              </a:spcAft>
+              <a:buClr>
+                <a:schemeClr val="lt2"/>
+              </a:buClr>
+              <a:buSzPts val="1170"/>
+              <a:buFont typeface="Noto Sans Symbols" panose="020B0602040504020204"/>
+              <a:buChar char="■"/>
+              <a:defRPr sz="2300" b="0" i="0" u="none" strike="noStrike" cap="none">
+                <a:solidFill>
+                  <a:schemeClr val="dk1"/>
+                </a:solidFill>
+                <a:latin typeface="Arial" panose="020B0604020202020204"/>
+                <a:ea typeface="Arial" panose="020B0604020202020204"/>
+                <a:cs typeface="Arial" panose="020B0604020202020204"/>
+                <a:sym typeface="Arial" panose="020B0604020202020204"/>
+              </a:defRPr>
+            </a:lvl3pPr>
+            <a:lvl4pPr marL="1828800" marR="0" lvl="3" indent="-308610" algn="l" rtl="0">
+              <a:lnSpc>
+                <a:spcPct val="100000"/>
+              </a:lnSpc>
+              <a:spcBef>
+                <a:spcPts val="360"/>
+              </a:spcBef>
+              <a:spcAft>
+                <a:spcPts val="0"/>
+              </a:spcAft>
+              <a:buClr>
+                <a:schemeClr val="accent2"/>
+              </a:buClr>
+              <a:buSzPts val="1260"/>
+              <a:buFont typeface="Noto Sans Symbols" panose="020B0602040504020204"/>
+              <a:buChar char="◻"/>
+              <a:defRPr sz="1800" b="0" i="0" u="none" strike="noStrike" cap="none">
+                <a:solidFill>
+                  <a:schemeClr val="dk1"/>
+                </a:solidFill>
+                <a:latin typeface="Arial" panose="020B0604020202020204"/>
+                <a:ea typeface="Arial" panose="020B0604020202020204"/>
+                <a:cs typeface="Arial" panose="020B0604020202020204"/>
+                <a:sym typeface="Arial" panose="020B0604020202020204"/>
+              </a:defRPr>
+            </a:lvl4pPr>
+            <a:lvl5pPr marL="2286000" marR="0" lvl="4" indent="-342900" algn="l" rtl="0">
+              <a:lnSpc>
+                <a:spcPct val="100000"/>
+              </a:lnSpc>
+              <a:spcBef>
+                <a:spcPts val="360"/>
+              </a:spcBef>
+              <a:spcAft>
+                <a:spcPts val="0"/>
+              </a:spcAft>
+              <a:buClr>
+                <a:schemeClr val="lt2"/>
+              </a:buClr>
+              <a:buSzPts val="1800"/>
+              <a:buFont typeface="Noto Sans Symbols" panose="020B0602040504020204"/>
+              <a:buChar char="▪"/>
+              <a:defRPr sz="2300" b="0" i="0" u="none" strike="noStrike" cap="none">
+                <a:solidFill>
+                  <a:schemeClr val="dk1"/>
+                </a:solidFill>
+                <a:latin typeface="Arial" panose="020B0604020202020204"/>
+                <a:ea typeface="Arial" panose="020B0604020202020204"/>
+                <a:cs typeface="Arial" panose="020B0604020202020204"/>
+                <a:sym typeface="Arial" panose="020B0604020202020204"/>
+              </a:defRPr>
+            </a:lvl5pPr>
+            <a:lvl6pPr marL="2743200" marR="0" lvl="5" indent="-342900" algn="l" rtl="0">
+              <a:lnSpc>
+                <a:spcPct val="100000"/>
+              </a:lnSpc>
+              <a:spcBef>
+                <a:spcPts val="360"/>
+              </a:spcBef>
+              <a:spcAft>
+                <a:spcPts val="0"/>
+              </a:spcAft>
+              <a:buClr>
+                <a:schemeClr val="lt2"/>
+              </a:buClr>
+              <a:buSzPts val="1800"/>
+              <a:buFont typeface="Noto Sans Symbols" panose="020B0602040504020204"/>
+              <a:buChar char="▪"/>
+              <a:defRPr sz="2300" b="0" i="0" u="none" strike="noStrike" cap="none">
+                <a:solidFill>
+                  <a:schemeClr val="dk1"/>
+                </a:solidFill>
+                <a:latin typeface="Arial" panose="020B0604020202020204"/>
+                <a:ea typeface="Arial" panose="020B0604020202020204"/>
+                <a:cs typeface="Arial" panose="020B0604020202020204"/>
+                <a:sym typeface="Arial" panose="020B0604020202020204"/>
+              </a:defRPr>
+            </a:lvl6pPr>
+            <a:lvl7pPr marL="3200400" marR="0" lvl="6" indent="-342900" algn="l" rtl="0">
+              <a:lnSpc>
+                <a:spcPct val="100000"/>
+              </a:lnSpc>
+              <a:spcBef>
+                <a:spcPts val="360"/>
+              </a:spcBef>
+              <a:spcAft>
+                <a:spcPts val="0"/>
+              </a:spcAft>
+              <a:buClr>
+                <a:schemeClr val="lt2"/>
+              </a:buClr>
+              <a:buSzPts val="1800"/>
+              <a:buFont typeface="Noto Sans Symbols" panose="020B0602040504020204"/>
+              <a:buChar char="▪"/>
+              <a:defRPr sz="2300" b="0" i="0" u="none" strike="noStrike" cap="none">
+                <a:solidFill>
+                  <a:schemeClr val="dk1"/>
+                </a:solidFill>
+                <a:latin typeface="Arial" panose="020B0604020202020204"/>
+                <a:ea typeface="Arial" panose="020B0604020202020204"/>
+                <a:cs typeface="Arial" panose="020B0604020202020204"/>
+                <a:sym typeface="Arial" panose="020B0604020202020204"/>
+              </a:defRPr>
+            </a:lvl7pPr>
+            <a:lvl8pPr marL="3657600" marR="0" lvl="7" indent="-342900" algn="l" rtl="0">
+              <a:lnSpc>
+                <a:spcPct val="100000"/>
+              </a:lnSpc>
+              <a:spcBef>
+                <a:spcPts val="360"/>
+              </a:spcBef>
+              <a:spcAft>
+                <a:spcPts val="0"/>
+              </a:spcAft>
+              <a:buClr>
+                <a:schemeClr val="lt2"/>
+              </a:buClr>
+              <a:buSzPts val="1800"/>
+              <a:buFont typeface="Noto Sans Symbols" panose="020B0602040504020204"/>
+              <a:buChar char="▪"/>
+              <a:defRPr sz="2300" b="0" i="0" u="none" strike="noStrike" cap="none">
+                <a:solidFill>
+                  <a:schemeClr val="dk1"/>
+                </a:solidFill>
+                <a:latin typeface="Arial" panose="020B0604020202020204"/>
+                <a:ea typeface="Arial" panose="020B0604020202020204"/>
+                <a:cs typeface="Arial" panose="020B0604020202020204"/>
+                <a:sym typeface="Arial" panose="020B0604020202020204"/>
+              </a:defRPr>
+            </a:lvl8pPr>
+            <a:lvl9pPr marL="4114800" marR="0" lvl="8" indent="-342900" algn="l" rtl="0">
+              <a:lnSpc>
+                <a:spcPct val="100000"/>
+              </a:lnSpc>
+              <a:spcBef>
+                <a:spcPts val="360"/>
+              </a:spcBef>
+              <a:spcAft>
+                <a:spcPts val="0"/>
+              </a:spcAft>
+              <a:buClr>
+                <a:schemeClr val="lt2"/>
+              </a:buClr>
+              <a:buSzPts val="1800"/>
+              <a:buFont typeface="Noto Sans Symbols" panose="020B0602040504020204"/>
+              <a:buChar char="▪"/>
+              <a:defRPr sz="2300" b="0" i="0" u="none" strike="noStrike" cap="none">
+                <a:solidFill>
+                  <a:schemeClr val="dk1"/>
+                </a:solidFill>
+                <a:latin typeface="Arial" panose="020B0604020202020204"/>
+                <a:ea typeface="Arial" panose="020B0604020202020204"/>
+                <a:cs typeface="Arial" panose="020B0604020202020204"/>
+                <a:sym typeface="Arial" panose="020B0604020202020204"/>
+              </a:defRPr>
+            </a:lvl9pPr>
+          </a:lstStyle>
+          <a:p>
+            <a:pPr algn="just">
+              <a:lnSpc>
+                <a:spcPct val="150000"/>
+              </a:lnSpc>
+              <a:buSzPts val="750"/>
+            </a:pPr>
+            <a:r>
+              <a:rPr lang="pt-PT" altLang="pt-BR" sz="2400" b="1" dirty="0"/>
+              <a:t>AGEO                          +                      GEOvar  </a:t>
+            </a:r>
+            <a:endParaRPr lang="pt-PT" altLang="pt-BR" sz="2400" b="1" dirty="0"/>
+          </a:p>
+        </p:txBody>
+      </p:sp>
+      <p:pic>
+        <p:nvPicPr>
+          <p:cNvPr id="11" name="Picture 10"/>
+          <p:cNvPicPr>
+            <a:picLocks noChangeAspect="1"/>
+          </p:cNvPicPr>
+          <p:nvPr/>
+        </p:nvPicPr>
+        <p:blipFill>
+          <a:blip r:embed="rId2"/>
+          <a:srcRect l="27886" t="47310" r="14102" b="7826"/>
+          <a:stretch>
+            <a:fillRect/>
+          </a:stretch>
+        </p:blipFill>
+        <p:spPr>
+          <a:xfrm>
+            <a:off x="1309370" y="2856230"/>
+            <a:ext cx="4106545" cy="3759835"/>
+          </a:xfrm>
+          <a:prstGeom prst="rect">
+            <a:avLst/>
+          </a:prstGeom>
+        </p:spPr>
+      </p:pic>
+      <p:sp>
+        <p:nvSpPr>
+          <p:cNvPr id="7" name="Rounded Rectangle 6"/>
+          <p:cNvSpPr/>
+          <p:nvPr/>
+        </p:nvSpPr>
+        <p:spPr>
+          <a:xfrm>
+            <a:off x="1789430" y="3170555"/>
+            <a:ext cx="2642235" cy="1296670"/>
+          </a:xfrm>
+          <a:prstGeom prst="roundRect">
+            <a:avLst/>
+          </a:prstGeom>
+          <a:noFill/>
+          <a:ln w="57150">
+            <a:solidFill>
+              <a:srgbClr val="C00000"/>
+            </a:solidFill>
+          </a:ln>
+          <a:extLst>
+            <a:ext uri="{909E8E84-426E-40DD-AFC4-6F175D3DCCD1}">
+              <a14:hiddenFill xmlns:a14="http://schemas.microsoft.com/office/drawing/2010/main">
+                <a:solidFill>
+                  <a:schemeClr val="accent1"/>
+                </a:solidFill>
+              </a14:hiddenFill>
+            </a:ext>
+          </a:extLst>
+        </p:spPr>
+        <p:style>
+          <a:lnRef idx="2">
+            <a:schemeClr val="accent1">
+              <a:shade val="50000"/>
+            </a:schemeClr>
+          </a:lnRef>
+          <a:fillRef idx="1">
+            <a:schemeClr val="accent1"/>
+          </a:fillRef>
+          <a:effectRef idx="0">
+            <a:schemeClr val="accent1"/>
+          </a:effectRef>
+          <a:fontRef idx="minor">
+            <a:schemeClr val="lt1"/>
+          </a:fontRef>
+        </p:style>
+        <p:txBody>
+          <a:bodyPr rtlCol="0" anchor="ctr"/>
+          <a:p>
+            <a:pPr algn="ctr"/>
+            <a:endParaRPr lang="en-US"/>
+          </a:p>
+        </p:txBody>
+      </p:sp>
+      <p:pic>
+        <p:nvPicPr>
+          <p:cNvPr id="8" name="Picture 7"/>
+          <p:cNvPicPr>
+            <a:picLocks noChangeAspect="1"/>
+          </p:cNvPicPr>
+          <p:nvPr/>
+        </p:nvPicPr>
+        <p:blipFill>
+          <a:blip r:embed="rId3"/>
+          <a:stretch>
+            <a:fillRect/>
+          </a:stretch>
+        </p:blipFill>
+        <p:spPr>
+          <a:xfrm>
+            <a:off x="6369050" y="2836545"/>
+            <a:ext cx="4619625" cy="3400425"/>
+          </a:xfrm>
+          <a:prstGeom prst="rect">
+            <a:avLst/>
+          </a:prstGeom>
+        </p:spPr>
+      </p:pic>
+      <p:sp>
+        <p:nvSpPr>
+          <p:cNvPr id="14" name="Rounded Rectangle 13"/>
+          <p:cNvSpPr/>
+          <p:nvPr/>
+        </p:nvSpPr>
+        <p:spPr>
+          <a:xfrm>
+            <a:off x="8586470" y="3761740"/>
+            <a:ext cx="2296795" cy="2278380"/>
+          </a:xfrm>
+          <a:prstGeom prst="roundRect">
+            <a:avLst/>
+          </a:prstGeom>
+          <a:noFill/>
+          <a:ln w="57150">
+            <a:solidFill>
+              <a:srgbClr val="C00000"/>
+            </a:solidFill>
+          </a:ln>
+          <a:extLst>
+            <a:ext uri="{909E8E84-426E-40DD-AFC4-6F175D3DCCD1}">
+              <a14:hiddenFill xmlns:a14="http://schemas.microsoft.com/office/drawing/2010/main">
+                <a:solidFill>
+                  <a:schemeClr val="accent1"/>
+                </a:solidFill>
+              </a14:hiddenFill>
+            </a:ext>
+          </a:extLst>
+        </p:spPr>
+        <p:style>
+          <a:lnRef idx="2">
+            <a:schemeClr val="accent1">
+              <a:shade val="50000"/>
+            </a:schemeClr>
+          </a:lnRef>
+          <a:fillRef idx="1">
+            <a:schemeClr val="accent1"/>
+          </a:fillRef>
+          <a:effectRef idx="0">
+            <a:schemeClr val="accent1"/>
+          </a:effectRef>
+          <a:fontRef idx="minor">
+            <a:schemeClr val="lt1"/>
+          </a:fontRef>
+        </p:style>
+        <p:txBody>
+          <a:bodyPr rtlCol="0" anchor="ctr"/>
+          <a:p>
+            <a:pPr algn="ctr"/>
+            <a:endParaRPr lang="en-US"/>
           </a:p>
         </p:txBody>
       </p:sp>
@@ -9981,7 +10677,7 @@
         <p:nvPicPr>
           <p:cNvPr id="10" name="Picture 9"/>
           <p:cNvPicPr>
-            <a:picLocks noChangeAspect="true"/>
+            <a:picLocks noChangeAspect="1"/>
           </p:cNvPicPr>
           <p:nvPr/>
         </p:nvPicPr>
@@ -10005,8 +10701,8 @@
       <p:sp>
         <p:nvSpPr>
           <p:cNvPr id="84" name="Google Shape;84;p2"/>
-          <p:cNvSpPr txBox="true">
-            <a:spLocks noGrp="true"/>
+          <p:cNvSpPr txBox="1">
+            <a:spLocks noGrp="1"/>
           </p:cNvSpPr>
           <p:nvPr>
             <p:ph type="title"/>
@@ -10026,7 +10722,7 @@
           </a:ln>
         </p:spPr>
         <p:txBody>
-          <a:bodyPr spcFirstLastPara="1" wrap="square" lIns="103150" tIns="51575" rIns="103150" bIns="51575" anchor="ctr" anchorCtr="false">
+          <a:bodyPr spcFirstLastPara="1" wrap="square" lIns="103150" tIns="51575" rIns="103150" bIns="51575" anchor="ctr" anchorCtr="0">
             <a:noAutofit/>
           </a:bodyPr>
           <a:p>
@@ -10035,675 +10731,46 @@
               <a:rPr lang="pt-PT" altLang="pt-BR" sz="3200">
                 <a:sym typeface="+mn-ea"/>
               </a:rPr>
-              <a:t>AGEOvar</a:t>
+              <a:t>Resultados do AGEOvar</a:t>
             </a:r>
             <a:endParaRPr lang="pt-PT" altLang="pt-BR" sz="3200">
-              <a:latin typeface="Arial"/>
-              <a:ea typeface="Arial"/>
-              <a:cs typeface="Arial"/>
-              <a:sym typeface="Arial"/>
+              <a:latin typeface="Arial" panose="020B0604020202020204"/>
+              <a:ea typeface="Arial" panose="020B0604020202020204"/>
+              <a:cs typeface="Arial" panose="020B0604020202020204"/>
+              <a:sym typeface="Arial" panose="020B0604020202020204"/>
             </a:endParaRPr>
-          </a:p>
-        </p:txBody>
-      </p:sp>
-      <p:sp>
-        <p:nvSpPr>
-          <p:cNvPr id="13" name="Google Shape;85;p2"/>
-          <p:cNvSpPr txBox="true">
-            <a:spLocks noGrp="true"/>
-          </p:cNvSpPr>
-          <p:nvPr/>
-        </p:nvSpPr>
-        <p:spPr>
-          <a:xfrm>
-            <a:off x="565785" y="1146175"/>
-            <a:ext cx="10617200" cy="655955"/>
-          </a:xfrm>
-          <a:prstGeom prst="rect">
-            <a:avLst/>
-          </a:prstGeom>
-          <a:noFill/>
-          <a:ln>
-            <a:noFill/>
-          </a:ln>
-        </p:spPr>
-        <p:txBody>
-          <a:bodyPr wrap="square" lIns="103150" tIns="51575" rIns="103150" bIns="51575" anchor="t" anchorCtr="false">
-            <a:noAutofit/>
-          </a:bodyPr>
-          <a:lstStyle>
-            <a:defPPr marR="0" lvl="0" algn="l" rtl="0">
-              <a:lnSpc>
-                <a:spcPct val="100000"/>
-              </a:lnSpc>
-              <a:spcBef>
-                <a:spcPts val="0"/>
-              </a:spcBef>
-              <a:spcAft>
-                <a:spcPts val="0"/>
-              </a:spcAft>
-            </a:defPPr>
-            <a:lvl1pPr marL="457200" marR="0" lvl="0" indent="-314325" algn="l" rtl="0">
-              <a:lnSpc>
-                <a:spcPct val="100000"/>
-              </a:lnSpc>
-              <a:spcBef>
-                <a:spcPts val="360"/>
-              </a:spcBef>
-              <a:spcAft>
-                <a:spcPts val="0"/>
-              </a:spcAft>
-              <a:buClr>
-                <a:schemeClr val="lt2"/>
-              </a:buClr>
-              <a:buSzPts val="1350"/>
-              <a:buFont typeface="Noto Sans Symbols" panose="020B0602040504020204"/>
-              <a:buChar char="■"/>
-              <a:defRPr sz="2700" b="0" i="0" u="none" strike="noStrike" cap="none">
-                <a:solidFill>
-                  <a:schemeClr val="dk1"/>
-                </a:solidFill>
-                <a:latin typeface="Arial"/>
-                <a:ea typeface="Arial"/>
-                <a:cs typeface="Arial"/>
-                <a:sym typeface="Arial"/>
-              </a:defRPr>
-            </a:lvl1pPr>
-            <a:lvl2pPr marL="914400" marR="0" lvl="1" indent="-320040" algn="l" rtl="0">
-              <a:lnSpc>
-                <a:spcPct val="100000"/>
-              </a:lnSpc>
-              <a:spcBef>
-                <a:spcPts val="360"/>
-              </a:spcBef>
-              <a:spcAft>
-                <a:spcPts val="0"/>
-              </a:spcAft>
-              <a:buClr>
-                <a:schemeClr val="accent2"/>
-              </a:buClr>
-              <a:buSzPts val="1440"/>
-              <a:buFont typeface="Noto Sans Symbols" panose="020B0602040504020204"/>
-              <a:buChar char="◻"/>
-              <a:defRPr sz="2300" b="0" i="0" u="none" strike="noStrike" cap="none">
-                <a:solidFill>
-                  <a:schemeClr val="dk1"/>
-                </a:solidFill>
-                <a:latin typeface="Arial"/>
-                <a:ea typeface="Arial"/>
-                <a:cs typeface="Arial"/>
-                <a:sym typeface="Arial"/>
-              </a:defRPr>
-            </a:lvl2pPr>
-            <a:lvl3pPr marL="1371600" marR="0" lvl="2" indent="-302895" algn="l" rtl="0">
-              <a:lnSpc>
-                <a:spcPct val="100000"/>
-              </a:lnSpc>
-              <a:spcBef>
-                <a:spcPts val="360"/>
-              </a:spcBef>
-              <a:spcAft>
-                <a:spcPts val="0"/>
-              </a:spcAft>
-              <a:buClr>
-                <a:schemeClr val="lt2"/>
-              </a:buClr>
-              <a:buSzPts val="1170"/>
-              <a:buFont typeface="Noto Sans Symbols" panose="020B0602040504020204"/>
-              <a:buChar char="■"/>
-              <a:defRPr sz="2300" b="0" i="0" u="none" strike="noStrike" cap="none">
-                <a:solidFill>
-                  <a:schemeClr val="dk1"/>
-                </a:solidFill>
-                <a:latin typeface="Arial"/>
-                <a:ea typeface="Arial"/>
-                <a:cs typeface="Arial"/>
-                <a:sym typeface="Arial"/>
-              </a:defRPr>
-            </a:lvl3pPr>
-            <a:lvl4pPr marL="1828800" marR="0" lvl="3" indent="-308610" algn="l" rtl="0">
-              <a:lnSpc>
-                <a:spcPct val="100000"/>
-              </a:lnSpc>
-              <a:spcBef>
-                <a:spcPts val="360"/>
-              </a:spcBef>
-              <a:spcAft>
-                <a:spcPts val="0"/>
-              </a:spcAft>
-              <a:buClr>
-                <a:schemeClr val="accent2"/>
-              </a:buClr>
-              <a:buSzPts val="1260"/>
-              <a:buFont typeface="Noto Sans Symbols" panose="020B0602040504020204"/>
-              <a:buChar char="◻"/>
-              <a:defRPr sz="1800" b="0" i="0" u="none" strike="noStrike" cap="none">
-                <a:solidFill>
-                  <a:schemeClr val="dk1"/>
-                </a:solidFill>
-                <a:latin typeface="Arial"/>
-                <a:ea typeface="Arial"/>
-                <a:cs typeface="Arial"/>
-                <a:sym typeface="Arial"/>
-              </a:defRPr>
-            </a:lvl4pPr>
-            <a:lvl5pPr marL="2286000" marR="0" lvl="4" indent="-342900" algn="l" rtl="0">
-              <a:lnSpc>
-                <a:spcPct val="100000"/>
-              </a:lnSpc>
-              <a:spcBef>
-                <a:spcPts val="360"/>
-              </a:spcBef>
-              <a:spcAft>
-                <a:spcPts val="0"/>
-              </a:spcAft>
-              <a:buClr>
-                <a:schemeClr val="lt2"/>
-              </a:buClr>
-              <a:buSzPts val="1800"/>
-              <a:buFont typeface="Noto Sans Symbols" panose="020B0602040504020204"/>
-              <a:buChar char="▪"/>
-              <a:defRPr sz="2300" b="0" i="0" u="none" strike="noStrike" cap="none">
-                <a:solidFill>
-                  <a:schemeClr val="dk1"/>
-                </a:solidFill>
-                <a:latin typeface="Arial"/>
-                <a:ea typeface="Arial"/>
-                <a:cs typeface="Arial"/>
-                <a:sym typeface="Arial"/>
-              </a:defRPr>
-            </a:lvl5pPr>
-            <a:lvl6pPr marL="2743200" marR="0" lvl="5" indent="-342900" algn="l" rtl="0">
-              <a:lnSpc>
-                <a:spcPct val="100000"/>
-              </a:lnSpc>
-              <a:spcBef>
-                <a:spcPts val="360"/>
-              </a:spcBef>
-              <a:spcAft>
-                <a:spcPts val="0"/>
-              </a:spcAft>
-              <a:buClr>
-                <a:schemeClr val="lt2"/>
-              </a:buClr>
-              <a:buSzPts val="1800"/>
-              <a:buFont typeface="Noto Sans Symbols" panose="020B0602040504020204"/>
-              <a:buChar char="▪"/>
-              <a:defRPr sz="2300" b="0" i="0" u="none" strike="noStrike" cap="none">
-                <a:solidFill>
-                  <a:schemeClr val="dk1"/>
-                </a:solidFill>
-                <a:latin typeface="Arial"/>
-                <a:ea typeface="Arial"/>
-                <a:cs typeface="Arial"/>
-                <a:sym typeface="Arial"/>
-              </a:defRPr>
-            </a:lvl6pPr>
-            <a:lvl7pPr marL="3200400" marR="0" lvl="6" indent="-342900" algn="l" rtl="0">
-              <a:lnSpc>
-                <a:spcPct val="100000"/>
-              </a:lnSpc>
-              <a:spcBef>
-                <a:spcPts val="360"/>
-              </a:spcBef>
-              <a:spcAft>
-                <a:spcPts val="0"/>
-              </a:spcAft>
-              <a:buClr>
-                <a:schemeClr val="lt2"/>
-              </a:buClr>
-              <a:buSzPts val="1800"/>
-              <a:buFont typeface="Noto Sans Symbols" panose="020B0602040504020204"/>
-              <a:buChar char="▪"/>
-              <a:defRPr sz="2300" b="0" i="0" u="none" strike="noStrike" cap="none">
-                <a:solidFill>
-                  <a:schemeClr val="dk1"/>
-                </a:solidFill>
-                <a:latin typeface="Arial"/>
-                <a:ea typeface="Arial"/>
-                <a:cs typeface="Arial"/>
-                <a:sym typeface="Arial"/>
-              </a:defRPr>
-            </a:lvl7pPr>
-            <a:lvl8pPr marL="3657600" marR="0" lvl="7" indent="-342900" algn="l" rtl="0">
-              <a:lnSpc>
-                <a:spcPct val="100000"/>
-              </a:lnSpc>
-              <a:spcBef>
-                <a:spcPts val="360"/>
-              </a:spcBef>
-              <a:spcAft>
-                <a:spcPts val="0"/>
-              </a:spcAft>
-              <a:buClr>
-                <a:schemeClr val="lt2"/>
-              </a:buClr>
-              <a:buSzPts val="1800"/>
-              <a:buFont typeface="Noto Sans Symbols" panose="020B0602040504020204"/>
-              <a:buChar char="▪"/>
-              <a:defRPr sz="2300" b="0" i="0" u="none" strike="noStrike" cap="none">
-                <a:solidFill>
-                  <a:schemeClr val="dk1"/>
-                </a:solidFill>
-                <a:latin typeface="Arial"/>
-                <a:ea typeface="Arial"/>
-                <a:cs typeface="Arial"/>
-                <a:sym typeface="Arial"/>
-              </a:defRPr>
-            </a:lvl8pPr>
-            <a:lvl9pPr marL="4114800" marR="0" lvl="8" indent="-342900" algn="l" rtl="0">
-              <a:lnSpc>
-                <a:spcPct val="100000"/>
-              </a:lnSpc>
-              <a:spcBef>
-                <a:spcPts val="360"/>
-              </a:spcBef>
-              <a:spcAft>
-                <a:spcPts val="0"/>
-              </a:spcAft>
-              <a:buClr>
-                <a:schemeClr val="lt2"/>
-              </a:buClr>
-              <a:buSzPts val="1800"/>
-              <a:buFont typeface="Noto Sans Symbols" panose="020B0602040504020204"/>
-              <a:buChar char="▪"/>
-              <a:defRPr sz="2300" b="0" i="0" u="none" strike="noStrike" cap="none">
-                <a:solidFill>
-                  <a:schemeClr val="dk1"/>
-                </a:solidFill>
-                <a:latin typeface="Arial"/>
-                <a:ea typeface="Arial"/>
-                <a:cs typeface="Arial"/>
-                <a:sym typeface="Arial"/>
-              </a:defRPr>
-            </a:lvl9pPr>
-          </a:lstStyle>
-          <a:p>
-            <a:pPr algn="just">
-              <a:lnSpc>
-                <a:spcPct val="150000"/>
-              </a:lnSpc>
-              <a:buSzPts val="750"/>
-            </a:pPr>
-            <a:r>
-              <a:rPr lang="pt-PT" altLang="pt-BR" sz="2400" dirty="0"/>
-              <a:t>União de aspectos dos AGEO1 e AGEO2 com o ranking e flip do GEOvar</a:t>
-            </a:r>
-            <a:endParaRPr lang="pt-PT" altLang="pt-BR" sz="1800" b="1" dirty="0"/>
-          </a:p>
-        </p:txBody>
-      </p:sp>
-      <p:sp>
-        <p:nvSpPr>
-          <p:cNvPr id="3" name="Google Shape;85;p2"/>
-          <p:cNvSpPr txBox="true">
-            <a:spLocks noGrp="true"/>
-          </p:cNvSpPr>
-          <p:nvPr/>
-        </p:nvSpPr>
-        <p:spPr>
-          <a:xfrm>
-            <a:off x="2140585" y="1802130"/>
-            <a:ext cx="7197090" cy="655955"/>
-          </a:xfrm>
-          <a:prstGeom prst="rect">
-            <a:avLst/>
-          </a:prstGeom>
-          <a:noFill/>
-          <a:ln>
-            <a:noFill/>
-          </a:ln>
-        </p:spPr>
-        <p:txBody>
-          <a:bodyPr wrap="square" lIns="103150" tIns="51575" rIns="103150" bIns="51575" anchor="t" anchorCtr="false">
-            <a:noAutofit/>
-          </a:bodyPr>
-          <a:lstStyle>
-            <a:defPPr marR="0" lvl="0" algn="l" rtl="0">
-              <a:lnSpc>
-                <a:spcPct val="100000"/>
-              </a:lnSpc>
-              <a:spcBef>
-                <a:spcPts val="0"/>
-              </a:spcBef>
-              <a:spcAft>
-                <a:spcPts val="0"/>
-              </a:spcAft>
-            </a:defPPr>
-            <a:lvl1pPr marL="457200" marR="0" lvl="0" indent="-314325" algn="l" rtl="0">
-              <a:lnSpc>
-                <a:spcPct val="100000"/>
-              </a:lnSpc>
-              <a:spcBef>
-                <a:spcPts val="360"/>
-              </a:spcBef>
-              <a:spcAft>
-                <a:spcPts val="0"/>
-              </a:spcAft>
-              <a:buClr>
-                <a:schemeClr val="lt2"/>
-              </a:buClr>
-              <a:buSzPts val="1350"/>
-              <a:buFont typeface="Noto Sans Symbols" panose="020B0602040504020204"/>
-              <a:buChar char="■"/>
-              <a:defRPr sz="2700" b="0" i="0" u="none" strike="noStrike" cap="none">
-                <a:solidFill>
-                  <a:schemeClr val="dk1"/>
-                </a:solidFill>
-                <a:latin typeface="Arial"/>
-                <a:ea typeface="Arial"/>
-                <a:cs typeface="Arial"/>
-                <a:sym typeface="Arial"/>
-              </a:defRPr>
-            </a:lvl1pPr>
-            <a:lvl2pPr marL="914400" marR="0" lvl="1" indent="-320040" algn="l" rtl="0">
-              <a:lnSpc>
-                <a:spcPct val="100000"/>
-              </a:lnSpc>
-              <a:spcBef>
-                <a:spcPts val="360"/>
-              </a:spcBef>
-              <a:spcAft>
-                <a:spcPts val="0"/>
-              </a:spcAft>
-              <a:buClr>
-                <a:schemeClr val="accent2"/>
-              </a:buClr>
-              <a:buSzPts val="1440"/>
-              <a:buFont typeface="Noto Sans Symbols" panose="020B0602040504020204"/>
-              <a:buChar char="◻"/>
-              <a:defRPr sz="2300" b="0" i="0" u="none" strike="noStrike" cap="none">
-                <a:solidFill>
-                  <a:schemeClr val="dk1"/>
-                </a:solidFill>
-                <a:latin typeface="Arial"/>
-                <a:ea typeface="Arial"/>
-                <a:cs typeface="Arial"/>
-                <a:sym typeface="Arial"/>
-              </a:defRPr>
-            </a:lvl2pPr>
-            <a:lvl3pPr marL="1371600" marR="0" lvl="2" indent="-302895" algn="l" rtl="0">
-              <a:lnSpc>
-                <a:spcPct val="100000"/>
-              </a:lnSpc>
-              <a:spcBef>
-                <a:spcPts val="360"/>
-              </a:spcBef>
-              <a:spcAft>
-                <a:spcPts val="0"/>
-              </a:spcAft>
-              <a:buClr>
-                <a:schemeClr val="lt2"/>
-              </a:buClr>
-              <a:buSzPts val="1170"/>
-              <a:buFont typeface="Noto Sans Symbols" panose="020B0602040504020204"/>
-              <a:buChar char="■"/>
-              <a:defRPr sz="2300" b="0" i="0" u="none" strike="noStrike" cap="none">
-                <a:solidFill>
-                  <a:schemeClr val="dk1"/>
-                </a:solidFill>
-                <a:latin typeface="Arial"/>
-                <a:ea typeface="Arial"/>
-                <a:cs typeface="Arial"/>
-                <a:sym typeface="Arial"/>
-              </a:defRPr>
-            </a:lvl3pPr>
-            <a:lvl4pPr marL="1828800" marR="0" lvl="3" indent="-308610" algn="l" rtl="0">
-              <a:lnSpc>
-                <a:spcPct val="100000"/>
-              </a:lnSpc>
-              <a:spcBef>
-                <a:spcPts val="360"/>
-              </a:spcBef>
-              <a:spcAft>
-                <a:spcPts val="0"/>
-              </a:spcAft>
-              <a:buClr>
-                <a:schemeClr val="accent2"/>
-              </a:buClr>
-              <a:buSzPts val="1260"/>
-              <a:buFont typeface="Noto Sans Symbols" panose="020B0602040504020204"/>
-              <a:buChar char="◻"/>
-              <a:defRPr sz="1800" b="0" i="0" u="none" strike="noStrike" cap="none">
-                <a:solidFill>
-                  <a:schemeClr val="dk1"/>
-                </a:solidFill>
-                <a:latin typeface="Arial"/>
-                <a:ea typeface="Arial"/>
-                <a:cs typeface="Arial"/>
-                <a:sym typeface="Arial"/>
-              </a:defRPr>
-            </a:lvl4pPr>
-            <a:lvl5pPr marL="2286000" marR="0" lvl="4" indent="-342900" algn="l" rtl="0">
-              <a:lnSpc>
-                <a:spcPct val="100000"/>
-              </a:lnSpc>
-              <a:spcBef>
-                <a:spcPts val="360"/>
-              </a:spcBef>
-              <a:spcAft>
-                <a:spcPts val="0"/>
-              </a:spcAft>
-              <a:buClr>
-                <a:schemeClr val="lt2"/>
-              </a:buClr>
-              <a:buSzPts val="1800"/>
-              <a:buFont typeface="Noto Sans Symbols" panose="020B0602040504020204"/>
-              <a:buChar char="▪"/>
-              <a:defRPr sz="2300" b="0" i="0" u="none" strike="noStrike" cap="none">
-                <a:solidFill>
-                  <a:schemeClr val="dk1"/>
-                </a:solidFill>
-                <a:latin typeface="Arial"/>
-                <a:ea typeface="Arial"/>
-                <a:cs typeface="Arial"/>
-                <a:sym typeface="Arial"/>
-              </a:defRPr>
-            </a:lvl5pPr>
-            <a:lvl6pPr marL="2743200" marR="0" lvl="5" indent="-342900" algn="l" rtl="0">
-              <a:lnSpc>
-                <a:spcPct val="100000"/>
-              </a:lnSpc>
-              <a:spcBef>
-                <a:spcPts val="360"/>
-              </a:spcBef>
-              <a:spcAft>
-                <a:spcPts val="0"/>
-              </a:spcAft>
-              <a:buClr>
-                <a:schemeClr val="lt2"/>
-              </a:buClr>
-              <a:buSzPts val="1800"/>
-              <a:buFont typeface="Noto Sans Symbols" panose="020B0602040504020204"/>
-              <a:buChar char="▪"/>
-              <a:defRPr sz="2300" b="0" i="0" u="none" strike="noStrike" cap="none">
-                <a:solidFill>
-                  <a:schemeClr val="dk1"/>
-                </a:solidFill>
-                <a:latin typeface="Arial"/>
-                <a:ea typeface="Arial"/>
-                <a:cs typeface="Arial"/>
-                <a:sym typeface="Arial"/>
-              </a:defRPr>
-            </a:lvl6pPr>
-            <a:lvl7pPr marL="3200400" marR="0" lvl="6" indent="-342900" algn="l" rtl="0">
-              <a:lnSpc>
-                <a:spcPct val="100000"/>
-              </a:lnSpc>
-              <a:spcBef>
-                <a:spcPts val="360"/>
-              </a:spcBef>
-              <a:spcAft>
-                <a:spcPts val="0"/>
-              </a:spcAft>
-              <a:buClr>
-                <a:schemeClr val="lt2"/>
-              </a:buClr>
-              <a:buSzPts val="1800"/>
-              <a:buFont typeface="Noto Sans Symbols" panose="020B0602040504020204"/>
-              <a:buChar char="▪"/>
-              <a:defRPr sz="2300" b="0" i="0" u="none" strike="noStrike" cap="none">
-                <a:solidFill>
-                  <a:schemeClr val="dk1"/>
-                </a:solidFill>
-                <a:latin typeface="Arial"/>
-                <a:ea typeface="Arial"/>
-                <a:cs typeface="Arial"/>
-                <a:sym typeface="Arial"/>
-              </a:defRPr>
-            </a:lvl7pPr>
-            <a:lvl8pPr marL="3657600" marR="0" lvl="7" indent="-342900" algn="l" rtl="0">
-              <a:lnSpc>
-                <a:spcPct val="100000"/>
-              </a:lnSpc>
-              <a:spcBef>
-                <a:spcPts val="360"/>
-              </a:spcBef>
-              <a:spcAft>
-                <a:spcPts val="0"/>
-              </a:spcAft>
-              <a:buClr>
-                <a:schemeClr val="lt2"/>
-              </a:buClr>
-              <a:buSzPts val="1800"/>
-              <a:buFont typeface="Noto Sans Symbols" panose="020B0602040504020204"/>
-              <a:buChar char="▪"/>
-              <a:defRPr sz="2300" b="0" i="0" u="none" strike="noStrike" cap="none">
-                <a:solidFill>
-                  <a:schemeClr val="dk1"/>
-                </a:solidFill>
-                <a:latin typeface="Arial"/>
-                <a:ea typeface="Arial"/>
-                <a:cs typeface="Arial"/>
-                <a:sym typeface="Arial"/>
-              </a:defRPr>
-            </a:lvl8pPr>
-            <a:lvl9pPr marL="4114800" marR="0" lvl="8" indent="-342900" algn="l" rtl="0">
-              <a:lnSpc>
-                <a:spcPct val="100000"/>
-              </a:lnSpc>
-              <a:spcBef>
-                <a:spcPts val="360"/>
-              </a:spcBef>
-              <a:spcAft>
-                <a:spcPts val="0"/>
-              </a:spcAft>
-              <a:buClr>
-                <a:schemeClr val="lt2"/>
-              </a:buClr>
-              <a:buSzPts val="1800"/>
-              <a:buFont typeface="Noto Sans Symbols" panose="020B0602040504020204"/>
-              <a:buChar char="▪"/>
-              <a:defRPr sz="2300" b="0" i="0" u="none" strike="noStrike" cap="none">
-                <a:solidFill>
-                  <a:schemeClr val="dk1"/>
-                </a:solidFill>
-                <a:latin typeface="Arial"/>
-                <a:ea typeface="Arial"/>
-                <a:cs typeface="Arial"/>
-                <a:sym typeface="Arial"/>
-              </a:defRPr>
-            </a:lvl9pPr>
-          </a:lstStyle>
-          <a:p>
-            <a:pPr algn="just">
-              <a:lnSpc>
-                <a:spcPct val="150000"/>
-              </a:lnSpc>
-              <a:buSzPts val="750"/>
-            </a:pPr>
-            <a:r>
-              <a:rPr lang="pt-PT" altLang="pt-BR" sz="2400" b="1" dirty="0"/>
-              <a:t>AGEO                          +                      GEOvar  </a:t>
-            </a:r>
-            <a:endParaRPr lang="pt-PT" altLang="pt-BR" sz="2400" b="1" dirty="0"/>
           </a:p>
         </p:txBody>
       </p:sp>
       <p:pic>
         <p:nvPicPr>
-          <p:cNvPr id="11" name="Picture 10"/>
+          <p:cNvPr id="2" name="Imagem 2"/>
           <p:cNvPicPr>
-            <a:picLocks noChangeAspect="true"/>
+            <a:picLocks noChangeAspect="1"/>
           </p:cNvPicPr>
           <p:nvPr/>
         </p:nvPicPr>
         <p:blipFill>
           <a:blip r:embed="rId2"/>
-          <a:srcRect l="27886" t="47310" r="14102" b="7826"/>
           <a:stretch>
             <a:fillRect/>
           </a:stretch>
         </p:blipFill>
         <p:spPr>
           <a:xfrm>
-            <a:off x="1309370" y="2856230"/>
-            <a:ext cx="4106545" cy="3759835"/>
+            <a:off x="580390" y="2021205"/>
+            <a:ext cx="5728970" cy="3952240"/>
           </a:xfrm>
           <a:prstGeom prst="rect">
             <a:avLst/>
           </a:prstGeom>
         </p:spPr>
       </p:pic>
-      <p:sp>
-        <p:nvSpPr>
-          <p:cNvPr id="7" name="Rounded Rectangle 6"/>
-          <p:cNvSpPr/>
-          <p:nvPr/>
-        </p:nvSpPr>
-        <p:spPr>
-          <a:xfrm>
-            <a:off x="1789430" y="3170555"/>
-            <a:ext cx="2642235" cy="1296670"/>
-          </a:xfrm>
-          <a:prstGeom prst="roundRect">
-            <a:avLst/>
-          </a:prstGeom>
-          <a:noFill/>
-          <a:ln w="57150">
-            <a:solidFill>
-              <a:srgbClr val="C00000"/>
-            </a:solidFill>
-          </a:ln>
-          <a:extLst>
-            <a:ext uri="{909E8E84-426E-40DD-AFC4-6F175D3DCCD1}">
-              <a14:hiddenFill xmlns:a14="http://schemas.microsoft.com/office/drawing/2010/main">
-                <a:solidFill>
-                  <a:schemeClr val="accent1"/>
-                </a:solidFill>
-              </a14:hiddenFill>
-            </a:ext>
-          </a:extLst>
-        </p:spPr>
-        <p:style>
-          <a:lnRef idx="2">
-            <a:schemeClr val="accent1">
-              <a:shade val="50000"/>
-            </a:schemeClr>
-          </a:lnRef>
-          <a:fillRef idx="1">
-            <a:schemeClr val="accent1"/>
-          </a:fillRef>
-          <a:effectRef idx="0">
-            <a:schemeClr val="accent1"/>
-          </a:effectRef>
-          <a:fontRef idx="minor">
-            <a:schemeClr val="lt1"/>
-          </a:fontRef>
-        </p:style>
-        <p:txBody>
-          <a:bodyPr rtlCol="0" anchor="ctr"/>
-          <a:p>
-            <a:pPr algn="ctr"/>
-            <a:endParaRPr lang="en-US"/>
-          </a:p>
-        </p:txBody>
-      </p:sp>
       <p:pic>
         <p:nvPicPr>
-          <p:cNvPr id="8" name="Picture 7"/>
+          <p:cNvPr id="6" name="Imagem 1"/>
           <p:cNvPicPr>
-            <a:picLocks noChangeAspect="true"/>
+            <a:picLocks noChangeAspect="1"/>
           </p:cNvPicPr>
           <p:nvPr/>
         </p:nvPicPr>
@@ -10715,202 +10782,6 @@
         </p:blipFill>
         <p:spPr>
           <a:xfrm>
-            <a:off x="6369050" y="2836545"/>
-            <a:ext cx="4619625" cy="3400425"/>
-          </a:xfrm>
-          <a:prstGeom prst="rect">
-            <a:avLst/>
-          </a:prstGeom>
-        </p:spPr>
-      </p:pic>
-      <p:sp>
-        <p:nvSpPr>
-          <p:cNvPr id="14" name="Rounded Rectangle 13"/>
-          <p:cNvSpPr/>
-          <p:nvPr/>
-        </p:nvSpPr>
-        <p:spPr>
-          <a:xfrm>
-            <a:off x="8586470" y="3761740"/>
-            <a:ext cx="2296795" cy="2278380"/>
-          </a:xfrm>
-          <a:prstGeom prst="roundRect">
-            <a:avLst/>
-          </a:prstGeom>
-          <a:noFill/>
-          <a:ln w="57150">
-            <a:solidFill>
-              <a:srgbClr val="C00000"/>
-            </a:solidFill>
-          </a:ln>
-          <a:extLst>
-            <a:ext uri="{909E8E84-426E-40DD-AFC4-6F175D3DCCD1}">
-              <a14:hiddenFill xmlns:a14="http://schemas.microsoft.com/office/drawing/2010/main">
-                <a:solidFill>
-                  <a:schemeClr val="accent1"/>
-                </a:solidFill>
-              </a14:hiddenFill>
-            </a:ext>
-          </a:extLst>
-        </p:spPr>
-        <p:style>
-          <a:lnRef idx="2">
-            <a:schemeClr val="accent1">
-              <a:shade val="50000"/>
-            </a:schemeClr>
-          </a:lnRef>
-          <a:fillRef idx="1">
-            <a:schemeClr val="accent1"/>
-          </a:fillRef>
-          <a:effectRef idx="0">
-            <a:schemeClr val="accent1"/>
-          </a:effectRef>
-          <a:fontRef idx="minor">
-            <a:schemeClr val="lt1"/>
-          </a:fontRef>
-        </p:style>
-        <p:txBody>
-          <a:bodyPr rtlCol="0" anchor="ctr"/>
-          <a:p>
-            <a:pPr algn="ctr"/>
-            <a:endParaRPr lang="en-US"/>
-          </a:p>
-        </p:txBody>
-      </p:sp>
-    </p:spTree>
-  </p:cSld>
-  <p:clrMapOvr>
-    <a:masterClrMapping/>
-  </p:clrMapOvr>
-  <p:timing>
-    <p:tnLst>
-      <p:par>
-        <p:cTn id="1" dur="indefinite" restart="never" nodeType="tmRoot"/>
-      </p:par>
-    </p:tnLst>
-  </p:timing>
-</p:sld>
-</file>
-
-<file path=ppt/slides/slide23.xml><?xml version="1.0" encoding="utf-8"?>
-<p:sld xmlns:a="http://schemas.openxmlformats.org/drawingml/2006/main" xmlns:r="http://schemas.openxmlformats.org/officeDocument/2006/relationships" xmlns:p="http://schemas.openxmlformats.org/presentationml/2006/main">
-  <p:cSld>
-    <p:spTree>
-      <p:nvGrpSpPr>
-        <p:cNvPr id="1" name=""/>
-        <p:cNvGrpSpPr/>
-        <p:nvPr/>
-      </p:nvGrpSpPr>
-      <p:grpSpPr/>
-      <p:pic>
-        <p:nvPicPr>
-          <p:cNvPr id="10" name="Picture 9"/>
-          <p:cNvPicPr>
-            <a:picLocks noChangeAspect="true"/>
-          </p:cNvPicPr>
-          <p:nvPr/>
-        </p:nvPicPr>
-        <p:blipFill>
-          <a:blip r:embed="rId1"/>
-          <a:srcRect b="5928"/>
-          <a:stretch>
-            <a:fillRect/>
-          </a:stretch>
-        </p:blipFill>
-        <p:spPr>
-          <a:xfrm>
-            <a:off x="635" y="-19685"/>
-            <a:ext cx="723900" cy="6872605"/>
-          </a:xfrm>
-          <a:prstGeom prst="rect">
-            <a:avLst/>
-          </a:prstGeom>
-        </p:spPr>
-      </p:pic>
-      <p:sp>
-        <p:nvSpPr>
-          <p:cNvPr id="84" name="Google Shape;84;p2"/>
-          <p:cNvSpPr txBox="true">
-            <a:spLocks noGrp="true"/>
-          </p:cNvSpPr>
-          <p:nvPr>
-            <p:ph type="title"/>
-          </p:nvPr>
-        </p:nvSpPr>
-        <p:spPr>
-          <a:xfrm>
-            <a:off x="1624330" y="149860"/>
-            <a:ext cx="8229600" cy="1209675"/>
-          </a:xfrm>
-          <a:prstGeom prst="rect">
-            <a:avLst/>
-          </a:prstGeom>
-          <a:noFill/>
-          <a:ln>
-            <a:noFill/>
-          </a:ln>
-        </p:spPr>
-        <p:txBody>
-          <a:bodyPr spcFirstLastPara="1" wrap="square" lIns="103150" tIns="51575" rIns="103150" bIns="51575" anchor="ctr" anchorCtr="false">
-            <a:noAutofit/>
-          </a:bodyPr>
-          <a:p>
-            <a:pPr algn="ctr"/>
-            <a:r>
-              <a:rPr lang="pt-PT" altLang="pt-BR" sz="3200">
-                <a:sym typeface="+mn-ea"/>
-              </a:rPr>
-              <a:t>Resultados do AGEOvar</a:t>
-            </a:r>
-            <a:endParaRPr lang="pt-PT" altLang="pt-BR" sz="3200">
-              <a:latin typeface="Arial"/>
-              <a:ea typeface="Arial"/>
-              <a:cs typeface="Arial"/>
-              <a:sym typeface="Arial"/>
-            </a:endParaRPr>
-          </a:p>
-        </p:txBody>
-      </p:sp>
-      <p:pic>
-        <p:nvPicPr>
-          <p:cNvPr id="2" name="Imagem 2"/>
-          <p:cNvPicPr>
-            <a:picLocks noChangeAspect="true"/>
-          </p:cNvPicPr>
-          <p:nvPr/>
-        </p:nvPicPr>
-        <p:blipFill>
-          <a:blip r:embed="rId2"/>
-          <a:stretch>
-            <a:fillRect/>
-          </a:stretch>
-        </p:blipFill>
-        <p:spPr>
-          <a:xfrm>
-            <a:off x="580390" y="2021205"/>
-            <a:ext cx="5728970" cy="3952240"/>
-          </a:xfrm>
-          <a:prstGeom prst="rect">
-            <a:avLst/>
-          </a:prstGeom>
-        </p:spPr>
-      </p:pic>
-      <p:pic>
-        <p:nvPicPr>
-          <p:cNvPr id="6" name="Imagem 1"/>
-          <p:cNvPicPr>
-            <a:picLocks noChangeAspect="true"/>
-          </p:cNvPicPr>
-          <p:nvPr/>
-        </p:nvPicPr>
-        <p:blipFill>
-          <a:blip r:embed="rId3"/>
-          <a:stretch>
-            <a:fillRect/>
-          </a:stretch>
-        </p:blipFill>
-        <p:spPr>
-          <a:xfrm>
             <a:off x="580390" y="2021205"/>
             <a:ext cx="5728970" cy="3951605"/>
           </a:xfrm>
@@ -10923,7 +10794,7 @@
         <p:nvPicPr>
           <p:cNvPr id="9" name="Imagem 8"/>
           <p:cNvPicPr>
-            <a:picLocks noChangeAspect="true"/>
+            <a:picLocks noChangeAspect="1"/>
           </p:cNvPicPr>
           <p:nvPr/>
         </p:nvPicPr>
@@ -10947,7 +10818,7 @@
         <p:nvPicPr>
           <p:cNvPr id="5" name="Imagem 5"/>
           <p:cNvPicPr>
-            <a:picLocks noChangeAspect="true"/>
+            <a:picLocks noChangeAspect="1"/>
           </p:cNvPicPr>
           <p:nvPr/>
         </p:nvPicPr>
@@ -10970,8 +10841,8 @@
       <p:sp>
         <p:nvSpPr>
           <p:cNvPr id="3" name="Google Shape;85;p2"/>
-          <p:cNvSpPr txBox="true">
-            <a:spLocks noGrp="true"/>
+          <p:cNvSpPr txBox="1">
+            <a:spLocks noGrp="1"/>
           </p:cNvSpPr>
           <p:nvPr/>
         </p:nvSpPr>
@@ -10989,7 +10860,7 @@
           </a:ln>
         </p:spPr>
         <p:txBody>
-          <a:bodyPr wrap="square" lIns="103150" tIns="51575" rIns="103150" bIns="51575" anchor="t" anchorCtr="false">
+          <a:bodyPr wrap="square" lIns="103150" tIns="51575" rIns="103150" bIns="51575" anchor="t" anchorCtr="0">
             <a:noAutofit/>
           </a:bodyPr>
           <a:lstStyle>
@@ -11024,10 +10895,10 @@
                 <a:solidFill>
                   <a:schemeClr val="dk1"/>
                 </a:solidFill>
-                <a:latin typeface="Arial"/>
-                <a:ea typeface="Arial"/>
-                <a:cs typeface="Arial"/>
-                <a:sym typeface="Arial"/>
+                <a:latin typeface="Arial" panose="020B0604020202020204"/>
+                <a:ea typeface="Arial" panose="020B0604020202020204"/>
+                <a:cs typeface="Arial" panose="020B0604020202020204"/>
+                <a:sym typeface="Arial" panose="020B0604020202020204"/>
               </a:defRPr>
             </a:lvl1pPr>
             <a:lvl2pPr marL="914400" marR="0" lvl="1" indent="-320040" algn="l" rtl="0">
@@ -11050,10 +10921,10 @@
                 <a:solidFill>
                   <a:schemeClr val="dk1"/>
                 </a:solidFill>
-                <a:latin typeface="Arial"/>
-                <a:ea typeface="Arial"/>
-                <a:cs typeface="Arial"/>
-                <a:sym typeface="Arial"/>
+                <a:latin typeface="Arial" panose="020B0604020202020204"/>
+                <a:ea typeface="Arial" panose="020B0604020202020204"/>
+                <a:cs typeface="Arial" panose="020B0604020202020204"/>
+                <a:sym typeface="Arial" panose="020B0604020202020204"/>
               </a:defRPr>
             </a:lvl2pPr>
             <a:lvl3pPr marL="1371600" marR="0" lvl="2" indent="-302895" algn="l" rtl="0">
@@ -11076,10 +10947,10 @@
                 <a:solidFill>
                   <a:schemeClr val="dk1"/>
                 </a:solidFill>
-                <a:latin typeface="Arial"/>
-                <a:ea typeface="Arial"/>
-                <a:cs typeface="Arial"/>
-                <a:sym typeface="Arial"/>
+                <a:latin typeface="Arial" panose="020B0604020202020204"/>
+                <a:ea typeface="Arial" panose="020B0604020202020204"/>
+                <a:cs typeface="Arial" panose="020B0604020202020204"/>
+                <a:sym typeface="Arial" panose="020B0604020202020204"/>
               </a:defRPr>
             </a:lvl3pPr>
             <a:lvl4pPr marL="1828800" marR="0" lvl="3" indent="-308610" algn="l" rtl="0">
@@ -11102,10 +10973,10 @@
                 <a:solidFill>
                   <a:schemeClr val="dk1"/>
                 </a:solidFill>
-                <a:latin typeface="Arial"/>
-                <a:ea typeface="Arial"/>
-                <a:cs typeface="Arial"/>
-                <a:sym typeface="Arial"/>
+                <a:latin typeface="Arial" panose="020B0604020202020204"/>
+                <a:ea typeface="Arial" panose="020B0604020202020204"/>
+                <a:cs typeface="Arial" panose="020B0604020202020204"/>
+                <a:sym typeface="Arial" panose="020B0604020202020204"/>
               </a:defRPr>
             </a:lvl4pPr>
             <a:lvl5pPr marL="2286000" marR="0" lvl="4" indent="-342900" algn="l" rtl="0">
@@ -11128,10 +10999,10 @@
                 <a:solidFill>
                   <a:schemeClr val="dk1"/>
                 </a:solidFill>
-                <a:latin typeface="Arial"/>
-                <a:ea typeface="Arial"/>
-                <a:cs typeface="Arial"/>
-                <a:sym typeface="Arial"/>
+                <a:latin typeface="Arial" panose="020B0604020202020204"/>
+                <a:ea typeface="Arial" panose="020B0604020202020204"/>
+                <a:cs typeface="Arial" panose="020B0604020202020204"/>
+                <a:sym typeface="Arial" panose="020B0604020202020204"/>
               </a:defRPr>
             </a:lvl5pPr>
             <a:lvl6pPr marL="2743200" marR="0" lvl="5" indent="-342900" algn="l" rtl="0">
@@ -11154,10 +11025,10 @@
                 <a:solidFill>
                   <a:schemeClr val="dk1"/>
                 </a:solidFill>
-                <a:latin typeface="Arial"/>
-                <a:ea typeface="Arial"/>
-                <a:cs typeface="Arial"/>
-                <a:sym typeface="Arial"/>
+                <a:latin typeface="Arial" panose="020B0604020202020204"/>
+                <a:ea typeface="Arial" panose="020B0604020202020204"/>
+                <a:cs typeface="Arial" panose="020B0604020202020204"/>
+                <a:sym typeface="Arial" panose="020B0604020202020204"/>
               </a:defRPr>
             </a:lvl6pPr>
             <a:lvl7pPr marL="3200400" marR="0" lvl="6" indent="-342900" algn="l" rtl="0">
@@ -11180,10 +11051,10 @@
                 <a:solidFill>
                   <a:schemeClr val="dk1"/>
                 </a:solidFill>
-                <a:latin typeface="Arial"/>
-                <a:ea typeface="Arial"/>
-                <a:cs typeface="Arial"/>
-                <a:sym typeface="Arial"/>
+                <a:latin typeface="Arial" panose="020B0604020202020204"/>
+                <a:ea typeface="Arial" panose="020B0604020202020204"/>
+                <a:cs typeface="Arial" panose="020B0604020202020204"/>
+                <a:sym typeface="Arial" panose="020B0604020202020204"/>
               </a:defRPr>
             </a:lvl7pPr>
             <a:lvl8pPr marL="3657600" marR="0" lvl="7" indent="-342900" algn="l" rtl="0">
@@ -11206,10 +11077,10 @@
                 <a:solidFill>
                   <a:schemeClr val="dk1"/>
                 </a:solidFill>
-                <a:latin typeface="Arial"/>
-                <a:ea typeface="Arial"/>
-                <a:cs typeface="Arial"/>
-                <a:sym typeface="Arial"/>
+                <a:latin typeface="Arial" panose="020B0604020202020204"/>
+                <a:ea typeface="Arial" panose="020B0604020202020204"/>
+                <a:cs typeface="Arial" panose="020B0604020202020204"/>
+                <a:sym typeface="Arial" panose="020B0604020202020204"/>
               </a:defRPr>
             </a:lvl8pPr>
             <a:lvl9pPr marL="4114800" marR="0" lvl="8" indent="-342900" algn="l" rtl="0">
@@ -11232,10 +11103,10 @@
                 <a:solidFill>
                   <a:schemeClr val="dk1"/>
                 </a:solidFill>
-                <a:latin typeface="Arial"/>
-                <a:ea typeface="Arial"/>
-                <a:cs typeface="Arial"/>
-                <a:sym typeface="Arial"/>
+                <a:latin typeface="Arial" panose="020B0604020202020204"/>
+                <a:ea typeface="Arial" panose="020B0604020202020204"/>
+                <a:cs typeface="Arial" panose="020B0604020202020204"/>
+                <a:sym typeface="Arial" panose="020B0604020202020204"/>
               </a:defRPr>
             </a:lvl9pPr>
           </a:lstStyle>
@@ -11257,8 +11128,8 @@
       <p:sp>
         <p:nvSpPr>
           <p:cNvPr id="4" name="Google Shape;85;p2"/>
-          <p:cNvSpPr txBox="true">
-            <a:spLocks noGrp="true"/>
+          <p:cNvSpPr txBox="1">
+            <a:spLocks noGrp="1"/>
           </p:cNvSpPr>
           <p:nvPr/>
         </p:nvSpPr>
@@ -11276,7 +11147,7 @@
           </a:ln>
         </p:spPr>
         <p:txBody>
-          <a:bodyPr wrap="square" lIns="103150" tIns="51575" rIns="103150" bIns="51575" anchor="t" anchorCtr="false">
+          <a:bodyPr wrap="square" lIns="103150" tIns="51575" rIns="103150" bIns="51575" anchor="t" anchorCtr="0">
             <a:noAutofit/>
           </a:bodyPr>
           <a:lstStyle>
@@ -11311,10 +11182,10 @@
                 <a:solidFill>
                   <a:schemeClr val="dk1"/>
                 </a:solidFill>
-                <a:latin typeface="Arial"/>
-                <a:ea typeface="Arial"/>
-                <a:cs typeface="Arial"/>
-                <a:sym typeface="Arial"/>
+                <a:latin typeface="Arial" panose="020B0604020202020204"/>
+                <a:ea typeface="Arial" panose="020B0604020202020204"/>
+                <a:cs typeface="Arial" panose="020B0604020202020204"/>
+                <a:sym typeface="Arial" panose="020B0604020202020204"/>
               </a:defRPr>
             </a:lvl1pPr>
             <a:lvl2pPr marL="914400" marR="0" lvl="1" indent="-320040" algn="l" rtl="0">
@@ -11337,10 +11208,10 @@
                 <a:solidFill>
                   <a:schemeClr val="dk1"/>
                 </a:solidFill>
-                <a:latin typeface="Arial"/>
-                <a:ea typeface="Arial"/>
-                <a:cs typeface="Arial"/>
-                <a:sym typeface="Arial"/>
+                <a:latin typeface="Arial" panose="020B0604020202020204"/>
+                <a:ea typeface="Arial" panose="020B0604020202020204"/>
+                <a:cs typeface="Arial" panose="020B0604020202020204"/>
+                <a:sym typeface="Arial" panose="020B0604020202020204"/>
               </a:defRPr>
             </a:lvl2pPr>
             <a:lvl3pPr marL="1371600" marR="0" lvl="2" indent="-302895" algn="l" rtl="0">
@@ -11363,10 +11234,10 @@
                 <a:solidFill>
                   <a:schemeClr val="dk1"/>
                 </a:solidFill>
-                <a:latin typeface="Arial"/>
-                <a:ea typeface="Arial"/>
-                <a:cs typeface="Arial"/>
-                <a:sym typeface="Arial"/>
+                <a:latin typeface="Arial" panose="020B0604020202020204"/>
+                <a:ea typeface="Arial" panose="020B0604020202020204"/>
+                <a:cs typeface="Arial" panose="020B0604020202020204"/>
+                <a:sym typeface="Arial" panose="020B0604020202020204"/>
               </a:defRPr>
             </a:lvl3pPr>
             <a:lvl4pPr marL="1828800" marR="0" lvl="3" indent="-308610" algn="l" rtl="0">
@@ -11389,10 +11260,10 @@
                 <a:solidFill>
                   <a:schemeClr val="dk1"/>
                 </a:solidFill>
-                <a:latin typeface="Arial"/>
-                <a:ea typeface="Arial"/>
-                <a:cs typeface="Arial"/>
-                <a:sym typeface="Arial"/>
+                <a:latin typeface="Arial" panose="020B0604020202020204"/>
+                <a:ea typeface="Arial" panose="020B0604020202020204"/>
+                <a:cs typeface="Arial" panose="020B0604020202020204"/>
+                <a:sym typeface="Arial" panose="020B0604020202020204"/>
               </a:defRPr>
             </a:lvl4pPr>
             <a:lvl5pPr marL="2286000" marR="0" lvl="4" indent="-342900" algn="l" rtl="0">
@@ -11415,10 +11286,10 @@
                 <a:solidFill>
                   <a:schemeClr val="dk1"/>
                 </a:solidFill>
-                <a:latin typeface="Arial"/>
-                <a:ea typeface="Arial"/>
-                <a:cs typeface="Arial"/>
-                <a:sym typeface="Arial"/>
+                <a:latin typeface="Arial" panose="020B0604020202020204"/>
+                <a:ea typeface="Arial" panose="020B0604020202020204"/>
+                <a:cs typeface="Arial" panose="020B0604020202020204"/>
+                <a:sym typeface="Arial" panose="020B0604020202020204"/>
               </a:defRPr>
             </a:lvl5pPr>
             <a:lvl6pPr marL="2743200" marR="0" lvl="5" indent="-342900" algn="l" rtl="0">
@@ -11441,10 +11312,10 @@
                 <a:solidFill>
                   <a:schemeClr val="dk1"/>
                 </a:solidFill>
-                <a:latin typeface="Arial"/>
-                <a:ea typeface="Arial"/>
-                <a:cs typeface="Arial"/>
-                <a:sym typeface="Arial"/>
+                <a:latin typeface="Arial" panose="020B0604020202020204"/>
+                <a:ea typeface="Arial" panose="020B0604020202020204"/>
+                <a:cs typeface="Arial" panose="020B0604020202020204"/>
+                <a:sym typeface="Arial" panose="020B0604020202020204"/>
               </a:defRPr>
             </a:lvl6pPr>
             <a:lvl7pPr marL="3200400" marR="0" lvl="6" indent="-342900" algn="l" rtl="0">
@@ -11467,10 +11338,10 @@
                 <a:solidFill>
                   <a:schemeClr val="dk1"/>
                 </a:solidFill>
-                <a:latin typeface="Arial"/>
-                <a:ea typeface="Arial"/>
-                <a:cs typeface="Arial"/>
-                <a:sym typeface="Arial"/>
+                <a:latin typeface="Arial" panose="020B0604020202020204"/>
+                <a:ea typeface="Arial" panose="020B0604020202020204"/>
+                <a:cs typeface="Arial" panose="020B0604020202020204"/>
+                <a:sym typeface="Arial" panose="020B0604020202020204"/>
               </a:defRPr>
             </a:lvl7pPr>
             <a:lvl8pPr marL="3657600" marR="0" lvl="7" indent="-342900" algn="l" rtl="0">
@@ -11493,10 +11364,10 @@
                 <a:solidFill>
                   <a:schemeClr val="dk1"/>
                 </a:solidFill>
-                <a:latin typeface="Arial"/>
-                <a:ea typeface="Arial"/>
-                <a:cs typeface="Arial"/>
-                <a:sym typeface="Arial"/>
+                <a:latin typeface="Arial" panose="020B0604020202020204"/>
+                <a:ea typeface="Arial" panose="020B0604020202020204"/>
+                <a:cs typeface="Arial" panose="020B0604020202020204"/>
+                <a:sym typeface="Arial" panose="020B0604020202020204"/>
               </a:defRPr>
             </a:lvl8pPr>
             <a:lvl9pPr marL="4114800" marR="0" lvl="8" indent="-342900" algn="l" rtl="0">
@@ -11519,10 +11390,10 @@
                 <a:solidFill>
                   <a:schemeClr val="dk1"/>
                 </a:solidFill>
-                <a:latin typeface="Arial"/>
-                <a:ea typeface="Arial"/>
-                <a:cs typeface="Arial"/>
-                <a:sym typeface="Arial"/>
+                <a:latin typeface="Arial" panose="020B0604020202020204"/>
+                <a:ea typeface="Arial" panose="020B0604020202020204"/>
+                <a:cs typeface="Arial" panose="020B0604020202020204"/>
+                <a:sym typeface="Arial" panose="020B0604020202020204"/>
               </a:defRPr>
             </a:lvl9pPr>
           </a:lstStyle>
@@ -11728,7 +11599,7 @@
         <p:nvPicPr>
           <p:cNvPr id="10" name="Picture 9"/>
           <p:cNvPicPr>
-            <a:picLocks noChangeAspect="true"/>
+            <a:picLocks noChangeAspect="1"/>
           </p:cNvPicPr>
           <p:nvPr/>
         </p:nvPicPr>
@@ -11752,7 +11623,7 @@
       <p:sp>
         <p:nvSpPr>
           <p:cNvPr id="3" name="Text Box 2"/>
-          <p:cNvSpPr txBox="true"/>
+          <p:cNvSpPr txBox="1"/>
           <p:nvPr/>
         </p:nvSpPr>
         <p:spPr>
@@ -11868,7 +11739,7 @@
         <p:nvPicPr>
           <p:cNvPr id="2" name="Picture 1"/>
           <p:cNvPicPr>
-            <a:picLocks noChangeAspect="true"/>
+            <a:picLocks noChangeAspect="1"/>
           </p:cNvPicPr>
           <p:nvPr/>
         </p:nvPicPr>
@@ -11891,8 +11762,8 @@
       <p:sp>
         <p:nvSpPr>
           <p:cNvPr id="6" name="Google Shape;84;p2"/>
-          <p:cNvSpPr txBox="true">
-            <a:spLocks noGrp="true"/>
+          <p:cNvSpPr txBox="1">
+            <a:spLocks noGrp="1"/>
           </p:cNvSpPr>
           <p:nvPr>
             <p:ph type="title"/>
@@ -11912,7 +11783,7 @@
           </a:ln>
         </p:spPr>
         <p:txBody>
-          <a:bodyPr spcFirstLastPara="1" wrap="square" lIns="103150" tIns="51575" rIns="103150" bIns="51575" anchor="ctr" anchorCtr="false">
+          <a:bodyPr spcFirstLastPara="1" wrap="square" lIns="103150" tIns="51575" rIns="103150" bIns="51575" anchor="ctr" anchorCtr="0">
             <a:noAutofit/>
           </a:bodyPr>
           <a:p>
@@ -11922,10 +11793,10 @@
               <a:t>Execuções e Funções Avaliadas</a:t>
             </a:r>
             <a:endParaRPr lang="pt-PT" altLang="pt-BR" sz="3200">
-              <a:latin typeface="Arial"/>
-              <a:ea typeface="Arial"/>
-              <a:cs typeface="Arial"/>
-              <a:sym typeface="Arial"/>
+              <a:latin typeface="Arial" panose="020B0604020202020204"/>
+              <a:ea typeface="Arial" panose="020B0604020202020204"/>
+              <a:cs typeface="Arial" panose="020B0604020202020204"/>
+              <a:sym typeface="Arial" panose="020B0604020202020204"/>
             </a:endParaRPr>
           </a:p>
         </p:txBody>
@@ -11934,7 +11805,7 @@
         <p:nvPicPr>
           <p:cNvPr id="7" name="Picture 6"/>
           <p:cNvPicPr>
-            <a:picLocks noChangeAspect="true"/>
+            <a:picLocks noChangeAspect="1"/>
           </p:cNvPicPr>
           <p:nvPr/>
         </p:nvPicPr>
@@ -11959,7 +11830,7 @@
         <p:nvPicPr>
           <p:cNvPr id="8" name="Picture 7"/>
           <p:cNvPicPr>
-            <a:picLocks noChangeAspect="true"/>
+            <a:picLocks noChangeAspect="1"/>
           </p:cNvPicPr>
           <p:nvPr/>
         </p:nvPicPr>
@@ -11983,7 +11854,7 @@
         <p:nvPicPr>
           <p:cNvPr id="17" name="Picture 16"/>
           <p:cNvPicPr>
-            <a:picLocks noChangeAspect="true"/>
+            <a:picLocks noChangeAspect="1"/>
           </p:cNvPicPr>
           <p:nvPr/>
         </p:nvPicPr>
@@ -12007,7 +11878,7 @@
         <p:nvPicPr>
           <p:cNvPr id="15" name="Picture 14"/>
           <p:cNvPicPr>
-            <a:picLocks noChangeAspect="true"/>
+            <a:picLocks noChangeAspect="1"/>
           </p:cNvPicPr>
           <p:nvPr/>
         </p:nvPicPr>
@@ -12031,7 +11902,7 @@
         <p:nvPicPr>
           <p:cNvPr id="12" name="Picture 11"/>
           <p:cNvPicPr>
-            <a:picLocks noChangeAspect="true"/>
+            <a:picLocks noChangeAspect="1"/>
           </p:cNvPicPr>
           <p:nvPr/>
         </p:nvPicPr>
@@ -12073,7 +11944,7 @@
         <p:nvPicPr>
           <p:cNvPr id="10" name="Picture 9"/>
           <p:cNvPicPr>
-            <a:picLocks noChangeAspect="true"/>
+            <a:picLocks noChangeAspect="1"/>
           </p:cNvPicPr>
           <p:nvPr/>
         </p:nvPicPr>
@@ -12097,8 +11968,8 @@
       <p:sp>
         <p:nvSpPr>
           <p:cNvPr id="84" name="Google Shape;84;p2"/>
-          <p:cNvSpPr txBox="true">
-            <a:spLocks noGrp="true"/>
+          <p:cNvSpPr txBox="1">
+            <a:spLocks noGrp="1"/>
           </p:cNvSpPr>
           <p:nvPr>
             <p:ph type="title"/>
@@ -12118,7 +11989,7 @@
           </a:ln>
         </p:spPr>
         <p:txBody>
-          <a:bodyPr spcFirstLastPara="1" wrap="square" lIns="103150" tIns="51575" rIns="103150" bIns="51575" anchor="ctr" anchorCtr="false">
+          <a:bodyPr spcFirstLastPara="1" wrap="square" lIns="103150" tIns="51575" rIns="103150" bIns="51575" anchor="ctr" anchorCtr="0">
             <a:noAutofit/>
           </a:bodyPr>
           <a:p>
@@ -12132,9 +12003,9 @@
             </a:r>
             <a:endParaRPr lang="pt-PT" altLang="pt-BR" sz="2800" b="1">
               <a:latin typeface="+mn-lt"/>
-              <a:ea typeface="Arial"/>
+              <a:ea typeface="Arial" panose="020B0604020202020204"/>
               <a:cs typeface="+mn-lt"/>
-              <a:sym typeface="Arial"/>
+              <a:sym typeface="Arial" panose="020B0604020202020204"/>
             </a:endParaRPr>
           </a:p>
         </p:txBody>
@@ -12142,7 +12013,7 @@
       <p:sp>
         <p:nvSpPr>
           <p:cNvPr id="3" name="Text Box 2"/>
-          <p:cNvSpPr txBox="true"/>
+          <p:cNvSpPr txBox="1"/>
           <p:nvPr/>
         </p:nvSpPr>
         <p:spPr>
@@ -12187,7 +12058,7 @@
           <p:nvPicPr>
             <p:cNvPr id="6" name="Picture 5" descr="Screenshot_20210126_151536"/>
             <p:cNvPicPr>
-              <a:picLocks noChangeAspect="true"/>
+              <a:picLocks noChangeAspect="1"/>
             </p:cNvPicPr>
             <p:nvPr/>
           </p:nvPicPr>
@@ -12212,7 +12083,7 @@
             <p:sp>
               <p:nvSpPr>
                 <p:cNvPr id="9" name="Text Box 8"/>
-                <p:cNvSpPr txBox="true"/>
+                <p:cNvSpPr txBox="1"/>
                 <p:nvPr/>
               </p:nvSpPr>
               <p:spPr>
@@ -12351,8 +12222,8 @@
             <p:sp>
               <p:nvSpPr>
                 <p:cNvPr id="9" name="Text Box 8"/>
-                <p:cNvSpPr txBox="true">
-                  <a:spLocks noRot="true" noChangeAspect="true" noMove="true" noResize="true" noEditPoints="true" noAdjustHandles="true" noChangeArrowheads="true" noChangeShapeType="true" noTextEdit="true"/>
+                <p:cNvSpPr txBox="1">
+                  <a:spLocks noRot="1" noChangeAspect="1" noMove="1" noResize="1" noEditPoints="1" noAdjustHandles="1" noChangeArrowheads="1" noChangeShapeType="1" noTextEdit="1"/>
                 </p:cNvSpPr>
                 <p:nvPr/>
               </p:nvSpPr>
@@ -12364,7 +12235,7 @@
                 <a:prstGeom prst="rect">
                   <a:avLst/>
                 </a:prstGeom>
-                <a:blipFill rotWithShape="true">
+                <a:blipFill rotWithShape="1">
                   <a:blip r:embed="rId3"/>
                 </a:blipFill>
               </p:spPr>
@@ -12388,7 +12259,7 @@
         <p:nvPicPr>
           <p:cNvPr id="11" name="Picture 10" descr="Screenshot_20210126_151902"/>
           <p:cNvPicPr>
-            <a:picLocks noChangeAspect="true"/>
+            <a:picLocks noChangeAspect="1"/>
           </p:cNvPicPr>
           <p:nvPr/>
         </p:nvPicPr>
@@ -12430,11 +12301,11 @@
         <p:nvPicPr>
           <p:cNvPr id="5" name="Picture 2"/>
           <p:cNvPicPr>
-            <a:picLocks noChangeAspect="true"/>
+            <a:picLocks noChangeAspect="1"/>
           </p:cNvPicPr>
           <p:nvPr/>
         </p:nvPicPr>
-        <p:blipFill rotWithShape="true">
+        <p:blipFill rotWithShape="1">
           <a:blip r:embed="rId1"/>
           <a:srcRect l="17297" r="16518" b="18794"/>
           <a:stretch>
@@ -12459,11 +12330,11 @@
         <p:nvPicPr>
           <p:cNvPr id="8" name="Picture 2"/>
           <p:cNvPicPr>
-            <a:picLocks noChangeAspect="true"/>
+            <a:picLocks noChangeAspect="1"/>
           </p:cNvPicPr>
           <p:nvPr/>
         </p:nvPicPr>
-        <p:blipFill rotWithShape="true">
+        <p:blipFill rotWithShape="1">
           <a:blip r:embed="rId1"/>
           <a:srcRect t="79755"/>
           <a:stretch>
@@ -12488,7 +12359,7 @@
         <p:nvPicPr>
           <p:cNvPr id="10" name="Picture 9"/>
           <p:cNvPicPr>
-            <a:picLocks noChangeAspect="true"/>
+            <a:picLocks noChangeAspect="1"/>
           </p:cNvPicPr>
           <p:nvPr/>
         </p:nvPicPr>
@@ -12512,8 +12383,8 @@
       <p:sp>
         <p:nvSpPr>
           <p:cNvPr id="84" name="Google Shape;84;p2"/>
-          <p:cNvSpPr txBox="true">
-            <a:spLocks noGrp="true"/>
+          <p:cNvSpPr txBox="1">
+            <a:spLocks noGrp="1"/>
           </p:cNvSpPr>
           <p:nvPr>
             <p:ph type="title"/>
@@ -12533,7 +12404,7 @@
           </a:ln>
         </p:spPr>
         <p:txBody>
-          <a:bodyPr spcFirstLastPara="1" wrap="square" lIns="103150" tIns="51575" rIns="103150" bIns="51575" anchor="ctr" anchorCtr="false">
+          <a:bodyPr spcFirstLastPara="1" wrap="square" lIns="103150" tIns="51575" rIns="103150" bIns="51575" anchor="ctr" anchorCtr="0">
             <a:noAutofit/>
           </a:bodyPr>
           <a:p>
@@ -12547,9 +12418,9 @@
             </a:r>
             <a:endParaRPr lang="pt-PT" altLang="pt-BR" sz="2800" b="1">
               <a:latin typeface="+mn-lt"/>
-              <a:ea typeface="Arial"/>
+              <a:ea typeface="Arial" panose="020B0604020202020204"/>
               <a:cs typeface="+mn-lt"/>
-              <a:sym typeface="Arial"/>
+              <a:sym typeface="Arial" panose="020B0604020202020204"/>
             </a:endParaRPr>
           </a:p>
         </p:txBody>
@@ -12557,8 +12428,8 @@
       <p:sp>
         <p:nvSpPr>
           <p:cNvPr id="2" name="Google Shape;85;p2"/>
-          <p:cNvSpPr txBox="true">
-            <a:spLocks noGrp="true"/>
+          <p:cNvSpPr txBox="1">
+            <a:spLocks noGrp="1"/>
           </p:cNvSpPr>
           <p:nvPr/>
         </p:nvSpPr>
@@ -12576,7 +12447,7 @@
           </a:ln>
         </p:spPr>
         <p:txBody>
-          <a:bodyPr wrap="square" lIns="103150" tIns="51575" rIns="103150" bIns="51575" anchor="t" anchorCtr="false">
+          <a:bodyPr wrap="square" lIns="103150" tIns="51575" rIns="103150" bIns="51575" anchor="t" anchorCtr="0">
             <a:noAutofit/>
           </a:bodyPr>
           <a:lstStyle>
@@ -12611,10 +12482,10 @@
                 <a:solidFill>
                   <a:schemeClr val="dk1"/>
                 </a:solidFill>
-                <a:latin typeface="Arial"/>
-                <a:ea typeface="Arial"/>
-                <a:cs typeface="Arial"/>
-                <a:sym typeface="Arial"/>
+                <a:latin typeface="Arial" panose="020B0604020202020204"/>
+                <a:ea typeface="Arial" panose="020B0604020202020204"/>
+                <a:cs typeface="Arial" panose="020B0604020202020204"/>
+                <a:sym typeface="Arial" panose="020B0604020202020204"/>
               </a:defRPr>
             </a:lvl1pPr>
             <a:lvl2pPr marL="914400" marR="0" lvl="1" indent="-320040" algn="l" rtl="0">
@@ -12637,10 +12508,10 @@
                 <a:solidFill>
                   <a:schemeClr val="dk1"/>
                 </a:solidFill>
-                <a:latin typeface="Arial"/>
-                <a:ea typeface="Arial"/>
-                <a:cs typeface="Arial"/>
-                <a:sym typeface="Arial"/>
+                <a:latin typeface="Arial" panose="020B0604020202020204"/>
+                <a:ea typeface="Arial" panose="020B0604020202020204"/>
+                <a:cs typeface="Arial" panose="020B0604020202020204"/>
+                <a:sym typeface="Arial" panose="020B0604020202020204"/>
               </a:defRPr>
             </a:lvl2pPr>
             <a:lvl3pPr marL="1371600" marR="0" lvl="2" indent="-302895" algn="l" rtl="0">
@@ -12663,10 +12534,10 @@
                 <a:solidFill>
                   <a:schemeClr val="dk1"/>
                 </a:solidFill>
-                <a:latin typeface="Arial"/>
-                <a:ea typeface="Arial"/>
-                <a:cs typeface="Arial"/>
-                <a:sym typeface="Arial"/>
+                <a:latin typeface="Arial" panose="020B0604020202020204"/>
+                <a:ea typeface="Arial" panose="020B0604020202020204"/>
+                <a:cs typeface="Arial" panose="020B0604020202020204"/>
+                <a:sym typeface="Arial" panose="020B0604020202020204"/>
               </a:defRPr>
             </a:lvl3pPr>
             <a:lvl4pPr marL="1828800" marR="0" lvl="3" indent="-308610" algn="l" rtl="0">
@@ -12689,10 +12560,10 @@
                 <a:solidFill>
                   <a:schemeClr val="dk1"/>
                 </a:solidFill>
-                <a:latin typeface="Arial"/>
-                <a:ea typeface="Arial"/>
-                <a:cs typeface="Arial"/>
-                <a:sym typeface="Arial"/>
+                <a:latin typeface="Arial" panose="020B0604020202020204"/>
+                <a:ea typeface="Arial" panose="020B0604020202020204"/>
+                <a:cs typeface="Arial" panose="020B0604020202020204"/>
+                <a:sym typeface="Arial" panose="020B0604020202020204"/>
               </a:defRPr>
             </a:lvl4pPr>
             <a:lvl5pPr marL="2286000" marR="0" lvl="4" indent="-342900" algn="l" rtl="0">
@@ -12715,10 +12586,10 @@
                 <a:solidFill>
                   <a:schemeClr val="dk1"/>
                 </a:solidFill>
-                <a:latin typeface="Arial"/>
-                <a:ea typeface="Arial"/>
-                <a:cs typeface="Arial"/>
-                <a:sym typeface="Arial"/>
+                <a:latin typeface="Arial" panose="020B0604020202020204"/>
+                <a:ea typeface="Arial" panose="020B0604020202020204"/>
+                <a:cs typeface="Arial" panose="020B0604020202020204"/>
+                <a:sym typeface="Arial" panose="020B0604020202020204"/>
               </a:defRPr>
             </a:lvl5pPr>
             <a:lvl6pPr marL="2743200" marR="0" lvl="5" indent="-342900" algn="l" rtl="0">
@@ -12741,10 +12612,10 @@
                 <a:solidFill>
                   <a:schemeClr val="dk1"/>
                 </a:solidFill>
-                <a:latin typeface="Arial"/>
-                <a:ea typeface="Arial"/>
-                <a:cs typeface="Arial"/>
-                <a:sym typeface="Arial"/>
+                <a:latin typeface="Arial" panose="020B0604020202020204"/>
+                <a:ea typeface="Arial" panose="020B0604020202020204"/>
+                <a:cs typeface="Arial" panose="020B0604020202020204"/>
+                <a:sym typeface="Arial" panose="020B0604020202020204"/>
               </a:defRPr>
             </a:lvl6pPr>
             <a:lvl7pPr marL="3200400" marR="0" lvl="6" indent="-342900" algn="l" rtl="0">
@@ -12767,10 +12638,10 @@
                 <a:solidFill>
                   <a:schemeClr val="dk1"/>
                 </a:solidFill>
-                <a:latin typeface="Arial"/>
-                <a:ea typeface="Arial"/>
-                <a:cs typeface="Arial"/>
-                <a:sym typeface="Arial"/>
+                <a:latin typeface="Arial" panose="020B0604020202020204"/>
+                <a:ea typeface="Arial" panose="020B0604020202020204"/>
+                <a:cs typeface="Arial" panose="020B0604020202020204"/>
+                <a:sym typeface="Arial" panose="020B0604020202020204"/>
               </a:defRPr>
             </a:lvl7pPr>
             <a:lvl8pPr marL="3657600" marR="0" lvl="7" indent="-342900" algn="l" rtl="0">
@@ -12793,10 +12664,10 @@
                 <a:solidFill>
                   <a:schemeClr val="dk1"/>
                 </a:solidFill>
-                <a:latin typeface="Arial"/>
-                <a:ea typeface="Arial"/>
-                <a:cs typeface="Arial"/>
-                <a:sym typeface="Arial"/>
+                <a:latin typeface="Arial" panose="020B0604020202020204"/>
+                <a:ea typeface="Arial" panose="020B0604020202020204"/>
+                <a:cs typeface="Arial" panose="020B0604020202020204"/>
+                <a:sym typeface="Arial" panose="020B0604020202020204"/>
               </a:defRPr>
             </a:lvl8pPr>
             <a:lvl9pPr marL="4114800" marR="0" lvl="8" indent="-342900" algn="l" rtl="0">
@@ -12819,10 +12690,10 @@
                 <a:solidFill>
                   <a:schemeClr val="dk1"/>
                 </a:solidFill>
-                <a:latin typeface="Arial"/>
-                <a:ea typeface="Arial"/>
-                <a:cs typeface="Arial"/>
-                <a:sym typeface="Arial"/>
+                <a:latin typeface="Arial" panose="020B0604020202020204"/>
+                <a:ea typeface="Arial" panose="020B0604020202020204"/>
+                <a:cs typeface="Arial" panose="020B0604020202020204"/>
+                <a:sym typeface="Arial" panose="020B0604020202020204"/>
               </a:defRPr>
             </a:lvl9pPr>
           </a:lstStyle>
@@ -12851,7 +12722,7 @@
         <p:nvPicPr>
           <p:cNvPr id="4" name="Picture 3" descr="RosenbrockTTese"/>
           <p:cNvPicPr>
-            <a:picLocks noChangeAspect="true"/>
+            <a:picLocks noChangeAspect="1"/>
           </p:cNvPicPr>
           <p:nvPr/>
         </p:nvPicPr>
@@ -12894,11 +12765,11 @@
         <p:nvPicPr>
           <p:cNvPr id="2" name="Picture 2"/>
           <p:cNvPicPr>
-            <a:picLocks noChangeAspect="true"/>
+            <a:picLocks noChangeAspect="1"/>
           </p:cNvPicPr>
           <p:nvPr/>
         </p:nvPicPr>
-        <p:blipFill rotWithShape="true">
+        <p:blipFill rotWithShape="1">
           <a:blip r:embed="rId1"/>
           <a:srcRect t="80925"/>
           <a:stretch>
@@ -12923,11 +12794,11 @@
         <p:nvPicPr>
           <p:cNvPr id="9" name="Picture 2"/>
           <p:cNvPicPr>
-            <a:picLocks noChangeAspect="true"/>
+            <a:picLocks noChangeAspect="1"/>
           </p:cNvPicPr>
           <p:nvPr/>
         </p:nvPicPr>
-        <p:blipFill rotWithShape="true">
+        <p:blipFill rotWithShape="1">
           <a:blip r:embed="rId1"/>
           <a:srcRect l="17759" r="16310" b="18378"/>
           <a:stretch>
@@ -12952,7 +12823,7 @@
         <p:nvPicPr>
           <p:cNvPr id="10" name="Picture 9"/>
           <p:cNvPicPr>
-            <a:picLocks noChangeAspect="true"/>
+            <a:picLocks noChangeAspect="1"/>
           </p:cNvPicPr>
           <p:nvPr/>
         </p:nvPicPr>
@@ -12976,8 +12847,8 @@
       <p:sp>
         <p:nvSpPr>
           <p:cNvPr id="13" name="Google Shape;85;p2"/>
-          <p:cNvSpPr txBox="true">
-            <a:spLocks noGrp="true"/>
+          <p:cNvSpPr txBox="1">
+            <a:spLocks noGrp="1"/>
           </p:cNvSpPr>
           <p:nvPr/>
         </p:nvSpPr>
@@ -12995,7 +12866,7 @@
           </a:ln>
         </p:spPr>
         <p:txBody>
-          <a:bodyPr wrap="square" lIns="103150" tIns="51575" rIns="103150" bIns="51575" anchor="t" anchorCtr="false">
+          <a:bodyPr wrap="square" lIns="103150" tIns="51575" rIns="103150" bIns="51575" anchor="t" anchorCtr="0">
             <a:noAutofit/>
           </a:bodyPr>
           <a:lstStyle>
@@ -13030,10 +12901,10 @@
                 <a:solidFill>
                   <a:schemeClr val="dk1"/>
                 </a:solidFill>
-                <a:latin typeface="Arial"/>
-                <a:ea typeface="Arial"/>
-                <a:cs typeface="Arial"/>
-                <a:sym typeface="Arial"/>
+                <a:latin typeface="Arial" panose="020B0604020202020204"/>
+                <a:ea typeface="Arial" panose="020B0604020202020204"/>
+                <a:cs typeface="Arial" panose="020B0604020202020204"/>
+                <a:sym typeface="Arial" panose="020B0604020202020204"/>
               </a:defRPr>
             </a:lvl1pPr>
             <a:lvl2pPr marL="914400" marR="0" lvl="1" indent="-320040" algn="l" rtl="0">
@@ -13056,10 +12927,10 @@
                 <a:solidFill>
                   <a:schemeClr val="dk1"/>
                 </a:solidFill>
-                <a:latin typeface="Arial"/>
-                <a:ea typeface="Arial"/>
-                <a:cs typeface="Arial"/>
-                <a:sym typeface="Arial"/>
+                <a:latin typeface="Arial" panose="020B0604020202020204"/>
+                <a:ea typeface="Arial" panose="020B0604020202020204"/>
+                <a:cs typeface="Arial" panose="020B0604020202020204"/>
+                <a:sym typeface="Arial" panose="020B0604020202020204"/>
               </a:defRPr>
             </a:lvl2pPr>
             <a:lvl3pPr marL="1371600" marR="0" lvl="2" indent="-302895" algn="l" rtl="0">
@@ -13082,10 +12953,10 @@
                 <a:solidFill>
                   <a:schemeClr val="dk1"/>
                 </a:solidFill>
-                <a:latin typeface="Arial"/>
-                <a:ea typeface="Arial"/>
-                <a:cs typeface="Arial"/>
-                <a:sym typeface="Arial"/>
+                <a:latin typeface="Arial" panose="020B0604020202020204"/>
+                <a:ea typeface="Arial" panose="020B0604020202020204"/>
+                <a:cs typeface="Arial" panose="020B0604020202020204"/>
+                <a:sym typeface="Arial" panose="020B0604020202020204"/>
               </a:defRPr>
             </a:lvl3pPr>
             <a:lvl4pPr marL="1828800" marR="0" lvl="3" indent="-308610" algn="l" rtl="0">
@@ -13108,10 +12979,10 @@
                 <a:solidFill>
                   <a:schemeClr val="dk1"/>
                 </a:solidFill>
-                <a:latin typeface="Arial"/>
-                <a:ea typeface="Arial"/>
-                <a:cs typeface="Arial"/>
-                <a:sym typeface="Arial"/>
+                <a:latin typeface="Arial" panose="020B0604020202020204"/>
+                <a:ea typeface="Arial" panose="020B0604020202020204"/>
+                <a:cs typeface="Arial" panose="020B0604020202020204"/>
+                <a:sym typeface="Arial" panose="020B0604020202020204"/>
               </a:defRPr>
             </a:lvl4pPr>
             <a:lvl5pPr marL="2286000" marR="0" lvl="4" indent="-342900" algn="l" rtl="0">
@@ -13134,10 +13005,10 @@
                 <a:solidFill>
                   <a:schemeClr val="dk1"/>
                 </a:solidFill>
-                <a:latin typeface="Arial"/>
-                <a:ea typeface="Arial"/>
-                <a:cs typeface="Arial"/>
-                <a:sym typeface="Arial"/>
+                <a:latin typeface="Arial" panose="020B0604020202020204"/>
+                <a:ea typeface="Arial" panose="020B0604020202020204"/>
+                <a:cs typeface="Arial" panose="020B0604020202020204"/>
+                <a:sym typeface="Arial" panose="020B0604020202020204"/>
               </a:defRPr>
             </a:lvl5pPr>
             <a:lvl6pPr marL="2743200" marR="0" lvl="5" indent="-342900" algn="l" rtl="0">
@@ -13160,10 +13031,10 @@
                 <a:solidFill>
                   <a:schemeClr val="dk1"/>
                 </a:solidFill>
-                <a:latin typeface="Arial"/>
-                <a:ea typeface="Arial"/>
-                <a:cs typeface="Arial"/>
-                <a:sym typeface="Arial"/>
+                <a:latin typeface="Arial" panose="020B0604020202020204"/>
+                <a:ea typeface="Arial" panose="020B0604020202020204"/>
+                <a:cs typeface="Arial" panose="020B0604020202020204"/>
+                <a:sym typeface="Arial" panose="020B0604020202020204"/>
               </a:defRPr>
             </a:lvl6pPr>
             <a:lvl7pPr marL="3200400" marR="0" lvl="6" indent="-342900" algn="l" rtl="0">
@@ -13186,10 +13057,10 @@
                 <a:solidFill>
                   <a:schemeClr val="dk1"/>
                 </a:solidFill>
-                <a:latin typeface="Arial"/>
-                <a:ea typeface="Arial"/>
-                <a:cs typeface="Arial"/>
-                <a:sym typeface="Arial"/>
+                <a:latin typeface="Arial" panose="020B0604020202020204"/>
+                <a:ea typeface="Arial" panose="020B0604020202020204"/>
+                <a:cs typeface="Arial" panose="020B0604020202020204"/>
+                <a:sym typeface="Arial" panose="020B0604020202020204"/>
               </a:defRPr>
             </a:lvl7pPr>
             <a:lvl8pPr marL="3657600" marR="0" lvl="7" indent="-342900" algn="l" rtl="0">
@@ -13212,10 +13083,10 @@
                 <a:solidFill>
                   <a:schemeClr val="dk1"/>
                 </a:solidFill>
-                <a:latin typeface="Arial"/>
-                <a:ea typeface="Arial"/>
-                <a:cs typeface="Arial"/>
-                <a:sym typeface="Arial"/>
+                <a:latin typeface="Arial" panose="020B0604020202020204"/>
+                <a:ea typeface="Arial" panose="020B0604020202020204"/>
+                <a:cs typeface="Arial" panose="020B0604020202020204"/>
+                <a:sym typeface="Arial" panose="020B0604020202020204"/>
               </a:defRPr>
             </a:lvl8pPr>
             <a:lvl9pPr marL="4114800" marR="0" lvl="8" indent="-342900" algn="l" rtl="0">
@@ -13238,10 +13109,10 @@
                 <a:solidFill>
                   <a:schemeClr val="dk1"/>
                 </a:solidFill>
-                <a:latin typeface="Arial"/>
-                <a:ea typeface="Arial"/>
-                <a:cs typeface="Arial"/>
-                <a:sym typeface="Arial"/>
+                <a:latin typeface="Arial" panose="020B0604020202020204"/>
+                <a:ea typeface="Arial" panose="020B0604020202020204"/>
+                <a:cs typeface="Arial" panose="020B0604020202020204"/>
+                <a:sym typeface="Arial" panose="020B0604020202020204"/>
               </a:defRPr>
             </a:lvl9pPr>
           </a:lstStyle>
@@ -13281,8 +13152,8 @@
       <p:sp>
         <p:nvSpPr>
           <p:cNvPr id="5" name="Google Shape;84;p2"/>
-          <p:cNvSpPr txBox="true">
-            <a:spLocks noGrp="true"/>
+          <p:cNvSpPr txBox="1">
+            <a:spLocks noGrp="1"/>
           </p:cNvSpPr>
           <p:nvPr/>
         </p:nvSpPr>
@@ -13300,7 +13171,7 @@
           </a:ln>
         </p:spPr>
         <p:txBody>
-          <a:bodyPr vert="horz" wrap="square" lIns="103150" tIns="51575" rIns="103150" bIns="51575" rtlCol="0" anchor="ctr" anchorCtr="false">
+          <a:bodyPr vert="horz" wrap="square" lIns="103150" tIns="51575" rIns="103150" bIns="51575" rtlCol="0" anchor="ctr" anchorCtr="0">
             <a:noAutofit/>
           </a:bodyPr>
           <a:lstStyle>
@@ -13340,9 +13211,9 @@
             </a:r>
             <a:endParaRPr lang="pt-PT" altLang="pt-BR" sz="2800" b="1">
               <a:latin typeface="+mn-lt"/>
-              <a:ea typeface="Arial"/>
+              <a:ea typeface="Arial" panose="020B0604020202020204"/>
               <a:cs typeface="+mn-lt"/>
-              <a:sym typeface="Arial"/>
+              <a:sym typeface="Arial" panose="020B0604020202020204"/>
             </a:endParaRPr>
           </a:p>
         </p:txBody>
@@ -13351,7 +13222,7 @@
         <p:nvPicPr>
           <p:cNvPr id="3" name="Picture 2" descr="RosenbrockTESE"/>
           <p:cNvPicPr>
-            <a:picLocks noChangeAspect="true"/>
+            <a:picLocks noChangeAspect="1"/>
           </p:cNvPicPr>
           <p:nvPr/>
         </p:nvPicPr>
@@ -13427,7 +13298,7 @@
         <p:nvPicPr>
           <p:cNvPr id="10" name="Picture 9"/>
           <p:cNvPicPr>
-            <a:picLocks noChangeAspect="true"/>
+            <a:picLocks noChangeAspect="1"/>
           </p:cNvPicPr>
           <p:nvPr/>
         </p:nvPicPr>
@@ -13451,8 +13322,8 @@
       <p:sp>
         <p:nvSpPr>
           <p:cNvPr id="13" name="Google Shape;85;p2"/>
-          <p:cNvSpPr txBox="true">
-            <a:spLocks noGrp="true"/>
+          <p:cNvSpPr txBox="1">
+            <a:spLocks noGrp="1"/>
           </p:cNvSpPr>
           <p:nvPr/>
         </p:nvSpPr>
@@ -13470,7 +13341,7 @@
           </a:ln>
         </p:spPr>
         <p:txBody>
-          <a:bodyPr wrap="square" lIns="103150" tIns="51575" rIns="103150" bIns="51575" anchor="t" anchorCtr="false">
+          <a:bodyPr wrap="square" lIns="103150" tIns="51575" rIns="103150" bIns="51575" anchor="t" anchorCtr="0">
             <a:noAutofit/>
           </a:bodyPr>
           <a:lstStyle>
@@ -13505,10 +13376,10 @@
                 <a:solidFill>
                   <a:schemeClr val="dk1"/>
                 </a:solidFill>
-                <a:latin typeface="Arial"/>
-                <a:ea typeface="Arial"/>
-                <a:cs typeface="Arial"/>
-                <a:sym typeface="Arial"/>
+                <a:latin typeface="Arial" panose="020B0604020202020204"/>
+                <a:ea typeface="Arial" panose="020B0604020202020204"/>
+                <a:cs typeface="Arial" panose="020B0604020202020204"/>
+                <a:sym typeface="Arial" panose="020B0604020202020204"/>
               </a:defRPr>
             </a:lvl1pPr>
             <a:lvl2pPr marL="914400" marR="0" lvl="1" indent="-320040" algn="l" rtl="0">
@@ -13531,10 +13402,10 @@
                 <a:solidFill>
                   <a:schemeClr val="dk1"/>
                 </a:solidFill>
-                <a:latin typeface="Arial"/>
-                <a:ea typeface="Arial"/>
-                <a:cs typeface="Arial"/>
-                <a:sym typeface="Arial"/>
+                <a:latin typeface="Arial" panose="020B0604020202020204"/>
+                <a:ea typeface="Arial" panose="020B0604020202020204"/>
+                <a:cs typeface="Arial" panose="020B0604020202020204"/>
+                <a:sym typeface="Arial" panose="020B0604020202020204"/>
               </a:defRPr>
             </a:lvl2pPr>
             <a:lvl3pPr marL="1371600" marR="0" lvl="2" indent="-302895" algn="l" rtl="0">
@@ -13557,10 +13428,10 @@
                 <a:solidFill>
                   <a:schemeClr val="dk1"/>
                 </a:solidFill>
-                <a:latin typeface="Arial"/>
-                <a:ea typeface="Arial"/>
-                <a:cs typeface="Arial"/>
-                <a:sym typeface="Arial"/>
+                <a:latin typeface="Arial" panose="020B0604020202020204"/>
+                <a:ea typeface="Arial" panose="020B0604020202020204"/>
+                <a:cs typeface="Arial" panose="020B0604020202020204"/>
+                <a:sym typeface="Arial" panose="020B0604020202020204"/>
               </a:defRPr>
             </a:lvl3pPr>
             <a:lvl4pPr marL="1828800" marR="0" lvl="3" indent="-308610" algn="l" rtl="0">
@@ -13583,10 +13454,10 @@
                 <a:solidFill>
                   <a:schemeClr val="dk1"/>
                 </a:solidFill>
-                <a:latin typeface="Arial"/>
-                <a:ea typeface="Arial"/>
-                <a:cs typeface="Arial"/>
-                <a:sym typeface="Arial"/>
+                <a:latin typeface="Arial" panose="020B0604020202020204"/>
+                <a:ea typeface="Arial" panose="020B0604020202020204"/>
+                <a:cs typeface="Arial" panose="020B0604020202020204"/>
+                <a:sym typeface="Arial" panose="020B0604020202020204"/>
               </a:defRPr>
             </a:lvl4pPr>
             <a:lvl5pPr marL="2286000" marR="0" lvl="4" indent="-342900" algn="l" rtl="0">
@@ -13609,10 +13480,10 @@
                 <a:solidFill>
                   <a:schemeClr val="dk1"/>
                 </a:solidFill>
-                <a:latin typeface="Arial"/>
-                <a:ea typeface="Arial"/>
-                <a:cs typeface="Arial"/>
-                <a:sym typeface="Arial"/>
+                <a:latin typeface="Arial" panose="020B0604020202020204"/>
+                <a:ea typeface="Arial" panose="020B0604020202020204"/>
+                <a:cs typeface="Arial" panose="020B0604020202020204"/>
+                <a:sym typeface="Arial" panose="020B0604020202020204"/>
               </a:defRPr>
             </a:lvl5pPr>
             <a:lvl6pPr marL="2743200" marR="0" lvl="5" indent="-342900" algn="l" rtl="0">
@@ -13635,10 +13506,10 @@
                 <a:solidFill>
                   <a:schemeClr val="dk1"/>
                 </a:solidFill>
-                <a:latin typeface="Arial"/>
-                <a:ea typeface="Arial"/>
-                <a:cs typeface="Arial"/>
-                <a:sym typeface="Arial"/>
+                <a:latin typeface="Arial" panose="020B0604020202020204"/>
+                <a:ea typeface="Arial" panose="020B0604020202020204"/>
+                <a:cs typeface="Arial" panose="020B0604020202020204"/>
+                <a:sym typeface="Arial" panose="020B0604020202020204"/>
               </a:defRPr>
             </a:lvl6pPr>
             <a:lvl7pPr marL="3200400" marR="0" lvl="6" indent="-342900" algn="l" rtl="0">
@@ -13661,10 +13532,10 @@
                 <a:solidFill>
                   <a:schemeClr val="dk1"/>
                 </a:solidFill>
-                <a:latin typeface="Arial"/>
-                <a:ea typeface="Arial"/>
-                <a:cs typeface="Arial"/>
-                <a:sym typeface="Arial"/>
+                <a:latin typeface="Arial" panose="020B0604020202020204"/>
+                <a:ea typeface="Arial" panose="020B0604020202020204"/>
+                <a:cs typeface="Arial" panose="020B0604020202020204"/>
+                <a:sym typeface="Arial" panose="020B0604020202020204"/>
               </a:defRPr>
             </a:lvl7pPr>
             <a:lvl8pPr marL="3657600" marR="0" lvl="7" indent="-342900" algn="l" rtl="0">
@@ -13687,10 +13558,10 @@
                 <a:solidFill>
                   <a:schemeClr val="dk1"/>
                 </a:solidFill>
-                <a:latin typeface="Arial"/>
-                <a:ea typeface="Arial"/>
-                <a:cs typeface="Arial"/>
-                <a:sym typeface="Arial"/>
+                <a:latin typeface="Arial" panose="020B0604020202020204"/>
+                <a:ea typeface="Arial" panose="020B0604020202020204"/>
+                <a:cs typeface="Arial" panose="020B0604020202020204"/>
+                <a:sym typeface="Arial" panose="020B0604020202020204"/>
               </a:defRPr>
             </a:lvl8pPr>
             <a:lvl9pPr marL="4114800" marR="0" lvl="8" indent="-342900" algn="l" rtl="0">
@@ -13713,10 +13584,10 @@
                 <a:solidFill>
                   <a:schemeClr val="dk1"/>
                 </a:solidFill>
-                <a:latin typeface="Arial"/>
-                <a:ea typeface="Arial"/>
-                <a:cs typeface="Arial"/>
-                <a:sym typeface="Arial"/>
+                <a:latin typeface="Arial" panose="020B0604020202020204"/>
+                <a:ea typeface="Arial" panose="020B0604020202020204"/>
+                <a:cs typeface="Arial" panose="020B0604020202020204"/>
+                <a:sym typeface="Arial" panose="020B0604020202020204"/>
               </a:defRPr>
             </a:lvl9pPr>
           </a:lstStyle>
@@ -13757,7 +13628,7 @@
         <p:nvPicPr>
           <p:cNvPr id="4" name="Picture 2" descr="Screenshot_20210118_210645"/>
           <p:cNvPicPr>
-            <a:picLocks noChangeAspect="true"/>
+            <a:picLocks noChangeAspect="1"/>
           </p:cNvPicPr>
           <p:nvPr/>
         </p:nvPicPr>
@@ -13780,8 +13651,8 @@
       <p:sp>
         <p:nvSpPr>
           <p:cNvPr id="84" name="Google Shape;84;p2"/>
-          <p:cNvSpPr txBox="true">
-            <a:spLocks noGrp="true"/>
+          <p:cNvSpPr txBox="1">
+            <a:spLocks noGrp="1"/>
           </p:cNvSpPr>
           <p:nvPr>
             <p:ph type="title"/>
@@ -13801,7 +13672,7 @@
           </a:ln>
         </p:spPr>
         <p:txBody>
-          <a:bodyPr spcFirstLastPara="1" wrap="square" lIns="103150" tIns="51575" rIns="103150" bIns="51575" anchor="ctr" anchorCtr="false">
+          <a:bodyPr spcFirstLastPara="1" wrap="square" lIns="103150" tIns="51575" rIns="103150" bIns="51575" anchor="ctr" anchorCtr="0">
             <a:noAutofit/>
           </a:bodyPr>
           <a:p>
@@ -13815,9 +13686,9 @@
             </a:r>
             <a:endParaRPr lang="pt-PT" altLang="pt-BR" sz="2800" b="1">
               <a:latin typeface="+mn-lt"/>
-              <a:ea typeface="Arial"/>
+              <a:ea typeface="Arial" panose="020B0604020202020204"/>
               <a:cs typeface="+mn-lt"/>
-              <a:sym typeface="Arial"/>
+              <a:sym typeface="Arial" panose="020B0604020202020204"/>
             </a:endParaRPr>
           </a:p>
         </p:txBody>
@@ -13826,7 +13697,7 @@
         <p:nvPicPr>
           <p:cNvPr id="3" name="Picture 2" descr="RosenbrockDISSERTACAO"/>
           <p:cNvPicPr>
-            <a:picLocks noChangeAspect="true"/>
+            <a:picLocks noChangeAspect="1"/>
           </p:cNvPicPr>
           <p:nvPr/>
         </p:nvPicPr>
@@ -13851,7 +13722,7 @@
         <p:nvPicPr>
           <p:cNvPr id="5" name="Picture 4"/>
           <p:cNvPicPr>
-            <a:picLocks noChangeAspect="true"/>
+            <a:picLocks noChangeAspect="1"/>
           </p:cNvPicPr>
           <p:nvPr/>
         </p:nvPicPr>
@@ -13933,7 +13804,7 @@
         <p:nvPicPr>
           <p:cNvPr id="10" name="Picture 9"/>
           <p:cNvPicPr>
-            <a:picLocks noChangeAspect="true"/>
+            <a:picLocks noChangeAspect="1"/>
           </p:cNvPicPr>
           <p:nvPr/>
         </p:nvPicPr>
@@ -13957,8 +13828,8 @@
       <p:sp>
         <p:nvSpPr>
           <p:cNvPr id="13" name="Google Shape;85;p2"/>
-          <p:cNvSpPr txBox="true">
-            <a:spLocks noGrp="true"/>
+          <p:cNvSpPr txBox="1">
+            <a:spLocks noGrp="1"/>
           </p:cNvSpPr>
           <p:nvPr/>
         </p:nvSpPr>
@@ -13976,7 +13847,7 @@
           </a:ln>
         </p:spPr>
         <p:txBody>
-          <a:bodyPr wrap="square" lIns="103150" tIns="51575" rIns="103150" bIns="51575" anchor="t" anchorCtr="false">
+          <a:bodyPr wrap="square" lIns="103150" tIns="51575" rIns="103150" bIns="51575" anchor="t" anchorCtr="0">
             <a:noAutofit/>
           </a:bodyPr>
           <a:lstStyle>
@@ -14011,10 +13882,10 @@
                 <a:solidFill>
                   <a:schemeClr val="dk1"/>
                 </a:solidFill>
-                <a:latin typeface="Arial"/>
-                <a:ea typeface="Arial"/>
-                <a:cs typeface="Arial"/>
-                <a:sym typeface="Arial"/>
+                <a:latin typeface="Arial" panose="020B0604020202020204"/>
+                <a:ea typeface="Arial" panose="020B0604020202020204"/>
+                <a:cs typeface="Arial" panose="020B0604020202020204"/>
+                <a:sym typeface="Arial" panose="020B0604020202020204"/>
               </a:defRPr>
             </a:lvl1pPr>
             <a:lvl2pPr marL="914400" marR="0" lvl="1" indent="-320040" algn="l" rtl="0">
@@ -14037,10 +13908,10 @@
                 <a:solidFill>
                   <a:schemeClr val="dk1"/>
                 </a:solidFill>
-                <a:latin typeface="Arial"/>
-                <a:ea typeface="Arial"/>
-                <a:cs typeface="Arial"/>
-                <a:sym typeface="Arial"/>
+                <a:latin typeface="Arial" panose="020B0604020202020204"/>
+                <a:ea typeface="Arial" panose="020B0604020202020204"/>
+                <a:cs typeface="Arial" panose="020B0604020202020204"/>
+                <a:sym typeface="Arial" panose="020B0604020202020204"/>
               </a:defRPr>
             </a:lvl2pPr>
             <a:lvl3pPr marL="1371600" marR="0" lvl="2" indent="-302895" algn="l" rtl="0">
@@ -14063,10 +13934,10 @@
                 <a:solidFill>
                   <a:schemeClr val="dk1"/>
                 </a:solidFill>
-                <a:latin typeface="Arial"/>
-                <a:ea typeface="Arial"/>
-                <a:cs typeface="Arial"/>
-                <a:sym typeface="Arial"/>
+                <a:latin typeface="Arial" panose="020B0604020202020204"/>
+                <a:ea typeface="Arial" panose="020B0604020202020204"/>
+                <a:cs typeface="Arial" panose="020B0604020202020204"/>
+                <a:sym typeface="Arial" panose="020B0604020202020204"/>
               </a:defRPr>
             </a:lvl3pPr>
             <a:lvl4pPr marL="1828800" marR="0" lvl="3" indent="-308610" algn="l" rtl="0">
@@ -14089,10 +13960,10 @@
                 <a:solidFill>
                   <a:schemeClr val="dk1"/>
                 </a:solidFill>
-                <a:latin typeface="Arial"/>
-                <a:ea typeface="Arial"/>
-                <a:cs typeface="Arial"/>
-                <a:sym typeface="Arial"/>
+                <a:latin typeface="Arial" panose="020B0604020202020204"/>
+                <a:ea typeface="Arial" panose="020B0604020202020204"/>
+                <a:cs typeface="Arial" panose="020B0604020202020204"/>
+                <a:sym typeface="Arial" panose="020B0604020202020204"/>
               </a:defRPr>
             </a:lvl4pPr>
             <a:lvl5pPr marL="2286000" marR="0" lvl="4" indent="-342900" algn="l" rtl="0">
@@ -14115,10 +13986,10 @@
                 <a:solidFill>
                   <a:schemeClr val="dk1"/>
                 </a:solidFill>
-                <a:latin typeface="Arial"/>
-                <a:ea typeface="Arial"/>
-                <a:cs typeface="Arial"/>
-                <a:sym typeface="Arial"/>
+                <a:latin typeface="Arial" panose="020B0604020202020204"/>
+                <a:ea typeface="Arial" panose="020B0604020202020204"/>
+                <a:cs typeface="Arial" panose="020B0604020202020204"/>
+                <a:sym typeface="Arial" panose="020B0604020202020204"/>
               </a:defRPr>
             </a:lvl5pPr>
             <a:lvl6pPr marL="2743200" marR="0" lvl="5" indent="-342900" algn="l" rtl="0">
@@ -14141,10 +14012,10 @@
                 <a:solidFill>
                   <a:schemeClr val="dk1"/>
                 </a:solidFill>
-                <a:latin typeface="Arial"/>
-                <a:ea typeface="Arial"/>
-                <a:cs typeface="Arial"/>
-                <a:sym typeface="Arial"/>
+                <a:latin typeface="Arial" panose="020B0604020202020204"/>
+                <a:ea typeface="Arial" panose="020B0604020202020204"/>
+                <a:cs typeface="Arial" panose="020B0604020202020204"/>
+                <a:sym typeface="Arial" panose="020B0604020202020204"/>
               </a:defRPr>
             </a:lvl6pPr>
             <a:lvl7pPr marL="3200400" marR="0" lvl="6" indent="-342900" algn="l" rtl="0">
@@ -14167,10 +14038,10 @@
                 <a:solidFill>
                   <a:schemeClr val="dk1"/>
                 </a:solidFill>
-                <a:latin typeface="Arial"/>
-                <a:ea typeface="Arial"/>
-                <a:cs typeface="Arial"/>
-                <a:sym typeface="Arial"/>
+                <a:latin typeface="Arial" panose="020B0604020202020204"/>
+                <a:ea typeface="Arial" panose="020B0604020202020204"/>
+                <a:cs typeface="Arial" panose="020B0604020202020204"/>
+                <a:sym typeface="Arial" panose="020B0604020202020204"/>
               </a:defRPr>
             </a:lvl7pPr>
             <a:lvl8pPr marL="3657600" marR="0" lvl="7" indent="-342900" algn="l" rtl="0">
@@ -14193,10 +14064,10 @@
                 <a:solidFill>
                   <a:schemeClr val="dk1"/>
                 </a:solidFill>
-                <a:latin typeface="Arial"/>
-                <a:ea typeface="Arial"/>
-                <a:cs typeface="Arial"/>
-                <a:sym typeface="Arial"/>
+                <a:latin typeface="Arial" panose="020B0604020202020204"/>
+                <a:ea typeface="Arial" panose="020B0604020202020204"/>
+                <a:cs typeface="Arial" panose="020B0604020202020204"/>
+                <a:sym typeface="Arial" panose="020B0604020202020204"/>
               </a:defRPr>
             </a:lvl8pPr>
             <a:lvl9pPr marL="4114800" marR="0" lvl="8" indent="-342900" algn="l" rtl="0">
@@ -14219,10 +14090,10 @@
                 <a:solidFill>
                   <a:schemeClr val="dk1"/>
                 </a:solidFill>
-                <a:latin typeface="Arial"/>
-                <a:ea typeface="Arial"/>
-                <a:cs typeface="Arial"/>
-                <a:sym typeface="Arial"/>
+                <a:latin typeface="Arial" panose="020B0604020202020204"/>
+                <a:ea typeface="Arial" panose="020B0604020202020204"/>
+                <a:cs typeface="Arial" panose="020B0604020202020204"/>
+                <a:sym typeface="Arial" panose="020B0604020202020204"/>
               </a:defRPr>
             </a:lvl9pPr>
           </a:lstStyle>
@@ -14279,8 +14150,8 @@
       <p:sp>
         <p:nvSpPr>
           <p:cNvPr id="84" name="Google Shape;84;p2"/>
-          <p:cNvSpPr txBox="true">
-            <a:spLocks noGrp="true"/>
+          <p:cNvSpPr txBox="1">
+            <a:spLocks noGrp="1"/>
           </p:cNvSpPr>
           <p:nvPr>
             <p:ph type="title"/>
@@ -14300,7 +14171,7 @@
           </a:ln>
         </p:spPr>
         <p:txBody>
-          <a:bodyPr spcFirstLastPara="1" wrap="square" lIns="103150" tIns="51575" rIns="103150" bIns="51575" anchor="ctr" anchorCtr="false">
+          <a:bodyPr spcFirstLastPara="1" wrap="square" lIns="103150" tIns="51575" rIns="103150" bIns="51575" anchor="ctr" anchorCtr="0">
             <a:noAutofit/>
           </a:bodyPr>
           <a:p>
@@ -14320,9 +14191,9 @@
                 <a:srgbClr val="FF0000"/>
               </a:solidFill>
               <a:latin typeface="+mn-lt"/>
-              <a:ea typeface="Arial"/>
+              <a:ea typeface="Arial" panose="020B0604020202020204"/>
               <a:cs typeface="+mn-lt"/>
-              <a:sym typeface="Arial"/>
+              <a:sym typeface="Arial" panose="020B0604020202020204"/>
             </a:endParaRPr>
           </a:p>
         </p:txBody>
@@ -14331,7 +14202,7 @@
         <p:nvPicPr>
           <p:cNvPr id="2" name="Picture 1" descr="Screenshot_20210126_145709"/>
           <p:cNvPicPr>
-            <a:picLocks noChangeAspect="true"/>
+            <a:picLocks noChangeAspect="1"/>
           </p:cNvPicPr>
           <p:nvPr/>
         </p:nvPicPr>
@@ -14355,7 +14226,7 @@
         <p:nvPicPr>
           <p:cNvPr id="6" name="Picture 5" descr="Screenshot_20210126_145709"/>
           <p:cNvPicPr>
-            <a:picLocks noChangeAspect="true"/>
+            <a:picLocks noChangeAspect="1"/>
           </p:cNvPicPr>
           <p:nvPr/>
         </p:nvPicPr>
@@ -14437,7 +14308,7 @@
         <p:nvPicPr>
           <p:cNvPr id="10" name="Picture 9"/>
           <p:cNvPicPr>
-            <a:picLocks noChangeAspect="true"/>
+            <a:picLocks noChangeAspect="1"/>
           </p:cNvPicPr>
           <p:nvPr/>
         </p:nvPicPr>
@@ -14461,8 +14332,8 @@
       <p:sp>
         <p:nvSpPr>
           <p:cNvPr id="13" name="Google Shape;85;p2"/>
-          <p:cNvSpPr txBox="true">
-            <a:spLocks noGrp="true"/>
+          <p:cNvSpPr txBox="1">
+            <a:spLocks noGrp="1"/>
           </p:cNvSpPr>
           <p:nvPr/>
         </p:nvSpPr>
@@ -14480,7 +14351,7 @@
           </a:ln>
         </p:spPr>
         <p:txBody>
-          <a:bodyPr wrap="square" lIns="103150" tIns="51575" rIns="103150" bIns="51575" anchor="t" anchorCtr="false">
+          <a:bodyPr wrap="square" lIns="103150" tIns="51575" rIns="103150" bIns="51575" anchor="t" anchorCtr="0">
             <a:noAutofit/>
           </a:bodyPr>
           <a:lstStyle>
@@ -14515,10 +14386,10 @@
                 <a:solidFill>
                   <a:schemeClr val="dk1"/>
                 </a:solidFill>
-                <a:latin typeface="Arial"/>
-                <a:ea typeface="Arial"/>
-                <a:cs typeface="Arial"/>
-                <a:sym typeface="Arial"/>
+                <a:latin typeface="Arial" panose="020B0604020202020204"/>
+                <a:ea typeface="Arial" panose="020B0604020202020204"/>
+                <a:cs typeface="Arial" panose="020B0604020202020204"/>
+                <a:sym typeface="Arial" panose="020B0604020202020204"/>
               </a:defRPr>
             </a:lvl1pPr>
             <a:lvl2pPr marL="914400" marR="0" lvl="1" indent="-320040" algn="l" rtl="0">
@@ -14541,10 +14412,10 @@
                 <a:solidFill>
                   <a:schemeClr val="dk1"/>
                 </a:solidFill>
-                <a:latin typeface="Arial"/>
-                <a:ea typeface="Arial"/>
-                <a:cs typeface="Arial"/>
-                <a:sym typeface="Arial"/>
+                <a:latin typeface="Arial" panose="020B0604020202020204"/>
+                <a:ea typeface="Arial" panose="020B0604020202020204"/>
+                <a:cs typeface="Arial" panose="020B0604020202020204"/>
+                <a:sym typeface="Arial" panose="020B0604020202020204"/>
               </a:defRPr>
             </a:lvl2pPr>
             <a:lvl3pPr marL="1371600" marR="0" lvl="2" indent="-302895" algn="l" rtl="0">
@@ -14567,10 +14438,10 @@
                 <a:solidFill>
                   <a:schemeClr val="dk1"/>
                 </a:solidFill>
-                <a:latin typeface="Arial"/>
-                <a:ea typeface="Arial"/>
-                <a:cs typeface="Arial"/>
-                <a:sym typeface="Arial"/>
+                <a:latin typeface="Arial" panose="020B0604020202020204"/>
+                <a:ea typeface="Arial" panose="020B0604020202020204"/>
+                <a:cs typeface="Arial" panose="020B0604020202020204"/>
+                <a:sym typeface="Arial" panose="020B0604020202020204"/>
               </a:defRPr>
             </a:lvl3pPr>
             <a:lvl4pPr marL="1828800" marR="0" lvl="3" indent="-308610" algn="l" rtl="0">
@@ -14593,10 +14464,10 @@
                 <a:solidFill>
                   <a:schemeClr val="dk1"/>
                 </a:solidFill>
-                <a:latin typeface="Arial"/>
-                <a:ea typeface="Arial"/>
-                <a:cs typeface="Arial"/>
-                <a:sym typeface="Arial"/>
+                <a:latin typeface="Arial" panose="020B0604020202020204"/>
+                <a:ea typeface="Arial" panose="020B0604020202020204"/>
+                <a:cs typeface="Arial" panose="020B0604020202020204"/>
+                <a:sym typeface="Arial" panose="020B0604020202020204"/>
               </a:defRPr>
             </a:lvl4pPr>
             <a:lvl5pPr marL="2286000" marR="0" lvl="4" indent="-342900" algn="l" rtl="0">
@@ -14619,10 +14490,10 @@
                 <a:solidFill>
                   <a:schemeClr val="dk1"/>
                 </a:solidFill>
-                <a:latin typeface="Arial"/>
-                <a:ea typeface="Arial"/>
-                <a:cs typeface="Arial"/>
-                <a:sym typeface="Arial"/>
+                <a:latin typeface="Arial" panose="020B0604020202020204"/>
+                <a:ea typeface="Arial" panose="020B0604020202020204"/>
+                <a:cs typeface="Arial" panose="020B0604020202020204"/>
+                <a:sym typeface="Arial" panose="020B0604020202020204"/>
               </a:defRPr>
             </a:lvl5pPr>
             <a:lvl6pPr marL="2743200" marR="0" lvl="5" indent="-342900" algn="l" rtl="0">
@@ -14645,10 +14516,10 @@
                 <a:solidFill>
                   <a:schemeClr val="dk1"/>
                 </a:solidFill>
-                <a:latin typeface="Arial"/>
-                <a:ea typeface="Arial"/>
-                <a:cs typeface="Arial"/>
-                <a:sym typeface="Arial"/>
+                <a:latin typeface="Arial" panose="020B0604020202020204"/>
+                <a:ea typeface="Arial" panose="020B0604020202020204"/>
+                <a:cs typeface="Arial" panose="020B0604020202020204"/>
+                <a:sym typeface="Arial" panose="020B0604020202020204"/>
               </a:defRPr>
             </a:lvl6pPr>
             <a:lvl7pPr marL="3200400" marR="0" lvl="6" indent="-342900" algn="l" rtl="0">
@@ -14671,10 +14542,10 @@
                 <a:solidFill>
                   <a:schemeClr val="dk1"/>
                 </a:solidFill>
-                <a:latin typeface="Arial"/>
-                <a:ea typeface="Arial"/>
-                <a:cs typeface="Arial"/>
-                <a:sym typeface="Arial"/>
+                <a:latin typeface="Arial" panose="020B0604020202020204"/>
+                <a:ea typeface="Arial" panose="020B0604020202020204"/>
+                <a:cs typeface="Arial" panose="020B0604020202020204"/>
+                <a:sym typeface="Arial" panose="020B0604020202020204"/>
               </a:defRPr>
             </a:lvl7pPr>
             <a:lvl8pPr marL="3657600" marR="0" lvl="7" indent="-342900" algn="l" rtl="0">
@@ -14697,10 +14568,10 @@
                 <a:solidFill>
                   <a:schemeClr val="dk1"/>
                 </a:solidFill>
-                <a:latin typeface="Arial"/>
-                <a:ea typeface="Arial"/>
-                <a:cs typeface="Arial"/>
-                <a:sym typeface="Arial"/>
+                <a:latin typeface="Arial" panose="020B0604020202020204"/>
+                <a:ea typeface="Arial" panose="020B0604020202020204"/>
+                <a:cs typeface="Arial" panose="020B0604020202020204"/>
+                <a:sym typeface="Arial" panose="020B0604020202020204"/>
               </a:defRPr>
             </a:lvl8pPr>
             <a:lvl9pPr marL="4114800" marR="0" lvl="8" indent="-342900" algn="l" rtl="0">
@@ -14723,10 +14594,10 @@
                 <a:solidFill>
                   <a:schemeClr val="dk1"/>
                 </a:solidFill>
-                <a:latin typeface="Arial"/>
-                <a:ea typeface="Arial"/>
-                <a:cs typeface="Arial"/>
-                <a:sym typeface="Arial"/>
+                <a:latin typeface="Arial" panose="020B0604020202020204"/>
+                <a:ea typeface="Arial" panose="020B0604020202020204"/>
+                <a:cs typeface="Arial" panose="020B0604020202020204"/>
+                <a:sym typeface="Arial" panose="020B0604020202020204"/>
               </a:defRPr>
             </a:lvl9pPr>
           </a:lstStyle>
@@ -14748,8 +14619,8 @@
       <p:sp>
         <p:nvSpPr>
           <p:cNvPr id="84" name="Google Shape;84;p2"/>
-          <p:cNvSpPr txBox="true">
-            <a:spLocks noGrp="true"/>
+          <p:cNvSpPr txBox="1">
+            <a:spLocks noGrp="1"/>
           </p:cNvSpPr>
           <p:nvPr>
             <p:ph type="title"/>
@@ -14769,7 +14640,7 @@
           </a:ln>
         </p:spPr>
         <p:txBody>
-          <a:bodyPr spcFirstLastPara="1" wrap="square" lIns="103150" tIns="51575" rIns="103150" bIns="51575" anchor="ctr" anchorCtr="false">
+          <a:bodyPr spcFirstLastPara="1" wrap="square" lIns="103150" tIns="51575" rIns="103150" bIns="51575" anchor="ctr" anchorCtr="0">
             <a:noAutofit/>
           </a:bodyPr>
           <a:p>
@@ -14783,9 +14654,9 @@
             </a:r>
             <a:endParaRPr lang="pt-PT" altLang="pt-BR" sz="2800" b="1">
               <a:latin typeface="+mn-lt"/>
-              <a:ea typeface="Arial"/>
+              <a:ea typeface="Arial" panose="020B0604020202020204"/>
               <a:cs typeface="+mn-lt"/>
-              <a:sym typeface="Arial"/>
+              <a:sym typeface="Arial" panose="020B0604020202020204"/>
             </a:endParaRPr>
           </a:p>
         </p:txBody>
@@ -14794,7 +14665,7 @@
         <p:nvPicPr>
           <p:cNvPr id="2" name="Picture 1" descr="RosenbrockNOVO"/>
           <p:cNvPicPr>
-            <a:picLocks noChangeAspect="true"/>
+            <a:picLocks noChangeAspect="1"/>
           </p:cNvPicPr>
           <p:nvPr/>
         </p:nvPicPr>
@@ -14819,7 +14690,7 @@
         <p:nvPicPr>
           <p:cNvPr id="3" name="Picture 2" descr="Screenshot_20210126_145709"/>
           <p:cNvPicPr>
-            <a:picLocks noChangeAspect="true"/>
+            <a:picLocks noChangeAspect="1"/>
           </p:cNvPicPr>
           <p:nvPr/>
         </p:nvPicPr>
@@ -14972,7 +14843,7 @@
         <a:solidFill>
           <a:schemeClr val="phClr"/>
         </a:solidFill>
-        <a:gradFill rotWithShape="true">
+        <a:gradFill rotWithShape="1">
           <a:gsLst>
             <a:gs pos="0">
               <a:schemeClr val="phClr">
@@ -14996,9 +14867,9 @@
               </a:schemeClr>
             </a:gs>
           </a:gsLst>
-          <a:lin ang="5400000" scaled="false"/>
+          <a:lin ang="5400000" scaled="0"/>
         </a:gradFill>
-        <a:gradFill rotWithShape="true">
+        <a:gradFill rotWithShape="1">
           <a:gsLst>
             <a:gs pos="0">
               <a:schemeClr val="phClr">
@@ -15022,7 +14893,7 @@
               </a:schemeClr>
             </a:gs>
           </a:gsLst>
-          <a:lin ang="5400000" scaled="false"/>
+          <a:lin ang="5400000" scaled="0"/>
         </a:gradFill>
       </a:fillStyleLst>
       <a:lnStyleLst>
@@ -15075,7 +14946,7 @@
             <a:satMod val="170000"/>
           </a:schemeClr>
         </a:solidFill>
-        <a:gradFill rotWithShape="true">
+        <a:gradFill rotWithShape="1">
           <a:gsLst>
             <a:gs pos="0">
               <a:schemeClr val="phClr">
@@ -15100,7 +14971,7 @@
               </a:schemeClr>
             </a:gs>
           </a:gsLst>
-          <a:lin ang="5400000" scaled="false"/>
+          <a:lin ang="5400000" scaled="0"/>
         </a:gradFill>
       </a:bgFillStyleLst>
     </a:fmtScheme>
@@ -15231,7 +15102,7 @@
         <a:solidFill>
           <a:schemeClr val="phClr"/>
         </a:solidFill>
-        <a:gradFill rotWithShape="true">
+        <a:gradFill rotWithShape="1">
           <a:gsLst>
             <a:gs pos="0">
               <a:schemeClr val="phClr">
@@ -15255,9 +15126,9 @@
               </a:schemeClr>
             </a:gs>
           </a:gsLst>
-          <a:lin ang="5400000" scaled="false"/>
+          <a:lin ang="5400000" scaled="0"/>
         </a:gradFill>
-        <a:gradFill rotWithShape="true">
+        <a:gradFill rotWithShape="1">
           <a:gsLst>
             <a:gs pos="0">
               <a:schemeClr val="phClr">
@@ -15281,7 +15152,7 @@
               </a:schemeClr>
             </a:gs>
           </a:gsLst>
-          <a:lin ang="5400000" scaled="false"/>
+          <a:lin ang="5400000" scaled="0"/>
         </a:gradFill>
       </a:fillStyleLst>
       <a:lnStyleLst>
@@ -15334,7 +15205,7 @@
             <a:satMod val="170000"/>
           </a:schemeClr>
         </a:solidFill>
-        <a:gradFill rotWithShape="true">
+        <a:gradFill rotWithShape="1">
           <a:gsLst>
             <a:gs pos="0">
               <a:schemeClr val="phClr">
@@ -15359,7 +15230,7 @@
               </a:schemeClr>
             </a:gs>
           </a:gsLst>
-          <a:lin ang="5400000" scaled="false"/>
+          <a:lin ang="5400000" scaled="0"/>
         </a:gradFill>
       </a:bgFillStyleLst>
     </a:fmtScheme>
@@ -15490,7 +15361,7 @@
         <a:solidFill>
           <a:schemeClr val="phClr"/>
         </a:solidFill>
-        <a:gradFill rotWithShape="true">
+        <a:gradFill rotWithShape="1">
           <a:gsLst>
             <a:gs pos="0">
               <a:schemeClr val="phClr">
@@ -15514,9 +15385,9 @@
               </a:schemeClr>
             </a:gs>
           </a:gsLst>
-          <a:lin ang="5400000" scaled="false"/>
+          <a:lin ang="5400000" scaled="0"/>
         </a:gradFill>
-        <a:gradFill rotWithShape="true">
+        <a:gradFill rotWithShape="1">
           <a:gsLst>
             <a:gs pos="0">
               <a:schemeClr val="phClr">
@@ -15540,7 +15411,7 @@
               </a:schemeClr>
             </a:gs>
           </a:gsLst>
-          <a:lin ang="5400000" scaled="false"/>
+          <a:lin ang="5400000" scaled="0"/>
         </a:gradFill>
       </a:fillStyleLst>
       <a:lnStyleLst>
@@ -15593,7 +15464,7 @@
             <a:satMod val="170000"/>
           </a:schemeClr>
         </a:solidFill>
-        <a:gradFill rotWithShape="true">
+        <a:gradFill rotWithShape="1">
           <a:gsLst>
             <a:gs pos="0">
               <a:schemeClr val="phClr">
@@ -15618,7 +15489,7 @@
               </a:schemeClr>
             </a:gs>
           </a:gsLst>
-          <a:lin ang="5400000" scaled="false"/>
+          <a:lin ang="5400000" scaled="0"/>
         </a:gradFill>
       </a:bgFillStyleLst>
     </a:fmtScheme>
